--- a/Presentacion.pptx
+++ b/Presentacion.pptx
@@ -1,39 +1,36 @@
 
 <file path=ppt/presentation.xml><?xml version="1.0" encoding="utf-8"?>
-<p:presentation xmlns:a="http://schemas.openxmlformats.org/drawingml/2006/main" xmlns:r="http://schemas.openxmlformats.org/officeDocument/2006/relationships" xmlns:p="http://schemas.openxmlformats.org/presentationml/2006/main" strictFirstAndLastChars="0" embedTrueTypeFonts="1" saveSubsetFonts="1" autoCompressPictures="0">
+<p:presentation xmlns:a="http://schemas.openxmlformats.org/drawingml/2006/main" xmlns:r="http://schemas.openxmlformats.org/officeDocument/2006/relationships" xmlns:mc="http://schemas.openxmlformats.org/markup-compatibility/2006" xmlns:mv="urn:schemas-microsoft-com:mac:vml" xmlns:p="http://schemas.openxmlformats.org/presentationml/2006/main" xmlns:c="http://schemas.openxmlformats.org/drawingml/2006/chart" xmlns:dgm="http://schemas.openxmlformats.org/drawingml/2006/diagram" xmlns:o="urn:schemas-microsoft-com:office:office" xmlns:v="urn:schemas-microsoft-com:vml" xmlns:pvml="urn:schemas-microsoft-com:office:powerpoint" xmlns:com="http://schemas.openxmlformats.org/drawingml/2006/compatibility" xmlns:p14="http://schemas.microsoft.com/office/powerpoint/2010/main" xmlns:p15="http://schemas.microsoft.com/office/powerpoint/2012/main" xmlns:ahyp="http://schemas.microsoft.com/office/drawing/2018/hyperlinkcolor" autoCompressPictures="0" embedTrueTypeFonts="1" strictFirstAndLastChars="0" saveSubsetFonts="1">
   <p:sldMasterIdLst>
-    <p:sldMasterId id="2147483659" r:id="rId1"/>
+    <p:sldMasterId id="2147483659" r:id="rId4"/>
   </p:sldMasterIdLst>
   <p:notesMasterIdLst>
-    <p:notesMasterId r:id="rId10"/>
+    <p:notesMasterId r:id="rId5"/>
   </p:notesMasterIdLst>
   <p:sldIdLst>
-    <p:sldId id="256" r:id="rId2"/>
-    <p:sldId id="257" r:id="rId3"/>
-    <p:sldId id="258" r:id="rId4"/>
-    <p:sldId id="259" r:id="rId5"/>
-    <p:sldId id="260" r:id="rId6"/>
-    <p:sldId id="261" r:id="rId7"/>
-    <p:sldId id="262" r:id="rId8"/>
-    <p:sldId id="263" r:id="rId9"/>
+    <p:sldId id="256" r:id="rId6"/>
+    <p:sldId id="257" r:id="rId7"/>
+    <p:sldId id="258" r:id="rId8"/>
+    <p:sldId id="259" r:id="rId9"/>
+    <p:sldId id="260" r:id="rId10"/>
+    <p:sldId id="261" r:id="rId11"/>
+    <p:sldId id="262" r:id="rId12"/>
+    <p:sldId id="263" r:id="rId13"/>
+    <p:sldId id="264" r:id="rId14"/>
   </p:sldIdLst>
-  <p:sldSz cx="9144000" cy="5143500" type="screen16x9"/>
+  <p:sldSz cy="5143500" cx="9144000"/>
   <p:notesSz cx="6858000" cy="9144000"/>
   <p:embeddedFontLst>
     <p:embeddedFont>
-      <p:font typeface="Raleway" pitchFamily="2" charset="0"/>
-      <p:regular r:id="rId11"/>
-      <p:bold r:id="rId12"/>
-      <p:italic r:id="rId13"/>
-      <p:boldItalic r:id="rId14"/>
-    </p:embeddedFont>
-    <p:embeddedFont>
-      <p:font typeface="Source Sans Pro" panose="020B0503030403020204" pitchFamily="34" charset="0"/>
+      <p:font typeface="Raleway"/>
       <p:regular r:id="rId15"/>
+      <p:bold r:id="rId16"/>
+      <p:italic r:id="rId17"/>
+      <p:boldItalic r:id="rId18"/>
     </p:embeddedFont>
   </p:embeddedFontLst>
   <p:defaultTextStyle>
-    <a:defPPr marR="0" lvl="0" algn="l" rtl="0">
+    <a:defPPr lvl="0" marR="0" rtl="0" algn="l">
       <a:lnSpc>
         <a:spcPct val="100000"/>
       </a:lnSpc>
@@ -44,7 +41,7 @@
         <a:spcPts val="0"/>
       </a:spcAft>
     </a:defPPr>
-    <a:lvl1pPr marR="0" lvl="0" algn="l" rtl="0">
+    <a:lvl1pPr lvl="0" marR="0" rtl="0" algn="l">
       <a:lnSpc>
         <a:spcPct val="100000"/>
       </a:lnSpc>
@@ -58,7 +55,7 @@
         <a:srgbClr val="000000"/>
       </a:buClr>
       <a:buFont typeface="Arial"/>
-      <a:defRPr sz="1400" b="0" i="0" u="none" strike="noStrike" cap="none">
+      <a:defRPr b="0" i="0" sz="1400" u="none" cap="none" strike="noStrike">
         <a:solidFill>
           <a:srgbClr val="000000"/>
         </a:solidFill>
@@ -68,7 +65,7 @@
         <a:sym typeface="Arial"/>
       </a:defRPr>
     </a:lvl1pPr>
-    <a:lvl2pPr marR="0" lvl="1" algn="l" rtl="0">
+    <a:lvl2pPr lvl="1" marR="0" rtl="0" algn="l">
       <a:lnSpc>
         <a:spcPct val="100000"/>
       </a:lnSpc>
@@ -82,7 +79,7 @@
         <a:srgbClr val="000000"/>
       </a:buClr>
       <a:buFont typeface="Arial"/>
-      <a:defRPr sz="1400" b="0" i="0" u="none" strike="noStrike" cap="none">
+      <a:defRPr b="0" i="0" sz="1400" u="none" cap="none" strike="noStrike">
         <a:solidFill>
           <a:srgbClr val="000000"/>
         </a:solidFill>
@@ -92,7 +89,7 @@
         <a:sym typeface="Arial"/>
       </a:defRPr>
     </a:lvl2pPr>
-    <a:lvl3pPr marR="0" lvl="2" algn="l" rtl="0">
+    <a:lvl3pPr lvl="2" marR="0" rtl="0" algn="l">
       <a:lnSpc>
         <a:spcPct val="100000"/>
       </a:lnSpc>
@@ -106,7 +103,7 @@
         <a:srgbClr val="000000"/>
       </a:buClr>
       <a:buFont typeface="Arial"/>
-      <a:defRPr sz="1400" b="0" i="0" u="none" strike="noStrike" cap="none">
+      <a:defRPr b="0" i="0" sz="1400" u="none" cap="none" strike="noStrike">
         <a:solidFill>
           <a:srgbClr val="000000"/>
         </a:solidFill>
@@ -116,7 +113,7 @@
         <a:sym typeface="Arial"/>
       </a:defRPr>
     </a:lvl3pPr>
-    <a:lvl4pPr marR="0" lvl="3" algn="l" rtl="0">
+    <a:lvl4pPr lvl="3" marR="0" rtl="0" algn="l">
       <a:lnSpc>
         <a:spcPct val="100000"/>
       </a:lnSpc>
@@ -130,7 +127,7 @@
         <a:srgbClr val="000000"/>
       </a:buClr>
       <a:buFont typeface="Arial"/>
-      <a:defRPr sz="1400" b="0" i="0" u="none" strike="noStrike" cap="none">
+      <a:defRPr b="0" i="0" sz="1400" u="none" cap="none" strike="noStrike">
         <a:solidFill>
           <a:srgbClr val="000000"/>
         </a:solidFill>
@@ -140,7 +137,7 @@
         <a:sym typeface="Arial"/>
       </a:defRPr>
     </a:lvl4pPr>
-    <a:lvl5pPr marR="0" lvl="4" algn="l" rtl="0">
+    <a:lvl5pPr lvl="4" marR="0" rtl="0" algn="l">
       <a:lnSpc>
         <a:spcPct val="100000"/>
       </a:lnSpc>
@@ -154,7 +151,7 @@
         <a:srgbClr val="000000"/>
       </a:buClr>
       <a:buFont typeface="Arial"/>
-      <a:defRPr sz="1400" b="0" i="0" u="none" strike="noStrike" cap="none">
+      <a:defRPr b="0" i="0" sz="1400" u="none" cap="none" strike="noStrike">
         <a:solidFill>
           <a:srgbClr val="000000"/>
         </a:solidFill>
@@ -164,7 +161,7 @@
         <a:sym typeface="Arial"/>
       </a:defRPr>
     </a:lvl5pPr>
-    <a:lvl6pPr marR="0" lvl="5" algn="l" rtl="0">
+    <a:lvl6pPr lvl="5" marR="0" rtl="0" algn="l">
       <a:lnSpc>
         <a:spcPct val="100000"/>
       </a:lnSpc>
@@ -178,7 +175,7 @@
         <a:srgbClr val="000000"/>
       </a:buClr>
       <a:buFont typeface="Arial"/>
-      <a:defRPr sz="1400" b="0" i="0" u="none" strike="noStrike" cap="none">
+      <a:defRPr b="0" i="0" sz="1400" u="none" cap="none" strike="noStrike">
         <a:solidFill>
           <a:srgbClr val="000000"/>
         </a:solidFill>
@@ -188,7 +185,7 @@
         <a:sym typeface="Arial"/>
       </a:defRPr>
     </a:lvl6pPr>
-    <a:lvl7pPr marR="0" lvl="6" algn="l" rtl="0">
+    <a:lvl7pPr lvl="6" marR="0" rtl="0" algn="l">
       <a:lnSpc>
         <a:spcPct val="100000"/>
       </a:lnSpc>
@@ -202,7 +199,7 @@
         <a:srgbClr val="000000"/>
       </a:buClr>
       <a:buFont typeface="Arial"/>
-      <a:defRPr sz="1400" b="0" i="0" u="none" strike="noStrike" cap="none">
+      <a:defRPr b="0" i="0" sz="1400" u="none" cap="none" strike="noStrike">
         <a:solidFill>
           <a:srgbClr val="000000"/>
         </a:solidFill>
@@ -212,7 +209,7 @@
         <a:sym typeface="Arial"/>
       </a:defRPr>
     </a:lvl7pPr>
-    <a:lvl8pPr marR="0" lvl="7" algn="l" rtl="0">
+    <a:lvl8pPr lvl="7" marR="0" rtl="0" algn="l">
       <a:lnSpc>
         <a:spcPct val="100000"/>
       </a:lnSpc>
@@ -226,7 +223,7 @@
         <a:srgbClr val="000000"/>
       </a:buClr>
       <a:buFont typeface="Arial"/>
-      <a:defRPr sz="1400" b="0" i="0" u="none" strike="noStrike" cap="none">
+      <a:defRPr b="0" i="0" sz="1400" u="none" cap="none" strike="noStrike">
         <a:solidFill>
           <a:srgbClr val="000000"/>
         </a:solidFill>
@@ -236,7 +233,7 @@
         <a:sym typeface="Arial"/>
       </a:defRPr>
     </a:lvl8pPr>
-    <a:lvl9pPr marR="0" lvl="8" algn="l" rtl="0">
+    <a:lvl9pPr lvl="8" marR="0" rtl="0" algn="l">
       <a:lnSpc>
         <a:spcPct val="100000"/>
       </a:lnSpc>
@@ -250,7 +247,7 @@
         <a:srgbClr val="000000"/>
       </a:buClr>
       <a:buFont typeface="Arial"/>
-      <a:defRPr sz="1400" b="0" i="0" u="none" strike="noStrike" cap="none">
+      <a:defRPr b="0" i="0" sz="1400" u="none" cap="none" strike="noStrike">
         <a:solidFill>
           <a:srgbClr val="000000"/>
         </a:solidFill>
@@ -263,7 +260,7 @@
   </p:defaultTextStyle>
   <p:extLst>
     <p:ext uri="{EFAFB233-063F-42B5-8137-9DF3F51BA10A}">
-      <p15:sldGuideLst xmlns:p15="http://schemas.microsoft.com/office/powerpoint/2012/main">
+      <p15:sldGuideLst>
         <p15:guide id="1" orient="horz" pos="1620">
           <p15:clr>
             <a:srgbClr val="747775"/>
@@ -281,16 +278,11 @@
 </file>
 
 <file path=ppt/notesMasters/notesMaster1.xml><?xml version="1.0" encoding="utf-8"?>
-<p:notesMaster xmlns:a="http://schemas.openxmlformats.org/drawingml/2006/main" xmlns:r="http://schemas.openxmlformats.org/officeDocument/2006/relationships" xmlns:p="http://schemas.openxmlformats.org/presentationml/2006/main">
+<p:notesMaster xmlns:a="http://schemas.openxmlformats.org/drawingml/2006/main" xmlns:r="http://schemas.openxmlformats.org/officeDocument/2006/relationships" xmlns:mc="http://schemas.openxmlformats.org/markup-compatibility/2006" xmlns:mv="urn:schemas-microsoft-com:mac:vml" xmlns:p="http://schemas.openxmlformats.org/presentationml/2006/main" xmlns:c="http://schemas.openxmlformats.org/drawingml/2006/chart" xmlns:dgm="http://schemas.openxmlformats.org/drawingml/2006/diagram" xmlns:o="urn:schemas-microsoft-com:office:office" xmlns:v="urn:schemas-microsoft-com:vml" xmlns:pvml="urn:schemas-microsoft-com:office:powerpoint" xmlns:com="http://schemas.openxmlformats.org/drawingml/2006/compatibility" xmlns:p14="http://schemas.microsoft.com/office/powerpoint/2010/main" xmlns:p15="http://schemas.microsoft.com/office/powerpoint/2012/main" xmlns:ahyp="http://schemas.microsoft.com/office/drawing/2018/hyperlinkcolor">
   <p:cSld>
-    <p:bg>
-      <p:bgRef idx="1001">
-        <a:schemeClr val="bg1"/>
-      </p:bgRef>
-    </p:bg>
     <p:spTree>
       <p:nvGrpSpPr>
-        <p:cNvPr id="1" name="Shape 2"/>
+        <p:cNvPr id="2" name="Shape 2"/>
         <p:cNvGrpSpPr/>
         <p:nvPr/>
       </p:nvGrpSpPr>
@@ -305,11 +297,9 @@
       <p:sp>
         <p:nvSpPr>
           <p:cNvPr id="3" name="Google Shape;3;n"/>
-          <p:cNvSpPr>
-            <a:spLocks noGrp="1" noRot="1" noChangeAspect="1"/>
-          </p:cNvSpPr>
+          <p:cNvSpPr/>
           <p:nvPr>
-            <p:ph type="sldImg" idx="2"/>
+            <p:ph idx="2" type="sldImg"/>
           </p:nvPr>
         </p:nvSpPr>
         <p:spPr>
@@ -318,13 +308,9 @@
             <a:ext cx="6096075" cy="3429000"/>
           </a:xfrm>
           <a:custGeom>
-            <a:avLst/>
-            <a:gdLst/>
-            <a:ahLst/>
-            <a:cxnLst/>
-            <a:rect l="l" t="t" r="r" b="b"/>
+            <a:rect b="b" l="l" r="r" t="t"/>
             <a:pathLst>
-              <a:path w="120000" h="120000" extrusionOk="0">
+              <a:path extrusionOk="0" h="120000" w="120000">
                 <a:moveTo>
                   <a:pt x="0" y="0"/>
                 </a:moveTo>
@@ -342,25 +328,23 @@
             </a:pathLst>
           </a:custGeom>
           <a:noFill/>
-          <a:ln w="9525" cap="flat" cmpd="sng">
+          <a:ln cap="flat" cmpd="sng" w="9525">
             <a:solidFill>
               <a:srgbClr val="000000"/>
             </a:solidFill>
             <a:prstDash val="solid"/>
             <a:round/>
-            <a:headEnd type="none" w="sm" len="sm"/>
-            <a:tailEnd type="none" w="sm" len="sm"/>
+            <a:headEnd len="sm" w="sm" type="none"/>
+            <a:tailEnd len="sm" w="sm" type="none"/>
           </a:ln>
         </p:spPr>
       </p:sp>
       <p:sp>
         <p:nvSpPr>
           <p:cNvPr id="4" name="Google Shape;4;n"/>
-          <p:cNvSpPr txBox="1">
-            <a:spLocks noGrp="1"/>
-          </p:cNvSpPr>
+          <p:cNvSpPr txBox="1"/>
           <p:nvPr>
-            <p:ph type="body" idx="1"/>
+            <p:ph idx="1" type="body"/>
           </p:nvPr>
         </p:nvSpPr>
         <p:spPr>
@@ -377,11 +361,11 @@
           </a:ln>
         </p:spPr>
         <p:txBody>
-          <a:bodyPr spcFirstLastPara="1" wrap="square" lIns="91425" tIns="91425" rIns="91425" bIns="91425" anchor="t" anchorCtr="0">
+          <a:bodyPr anchorCtr="0" anchor="t" bIns="91425" lIns="91425" spcFirstLastPara="1" rIns="91425" wrap="square" tIns="91425">
             <a:noAutofit/>
           </a:bodyPr>
           <a:lstStyle>
-            <a:lvl1pPr marL="457200" lvl="0" indent="-317500">
+            <a:lvl1pPr indent="-317500" lvl="0" marL="457200">
               <a:spcBef>
                 <a:spcPts val="0"/>
               </a:spcBef>
@@ -392,7 +376,7 @@
               <a:buChar char="●"/>
               <a:defRPr sz="1100"/>
             </a:lvl1pPr>
-            <a:lvl2pPr marL="914400" lvl="1" indent="-317500">
+            <a:lvl2pPr indent="-317500" lvl="1" marL="914400">
               <a:spcBef>
                 <a:spcPts val="0"/>
               </a:spcBef>
@@ -403,7 +387,7 @@
               <a:buChar char="○"/>
               <a:defRPr sz="1100"/>
             </a:lvl2pPr>
-            <a:lvl3pPr marL="1371600" lvl="2" indent="-317500">
+            <a:lvl3pPr indent="-317500" lvl="2" marL="1371600">
               <a:spcBef>
                 <a:spcPts val="0"/>
               </a:spcBef>
@@ -414,7 +398,7 @@
               <a:buChar char="■"/>
               <a:defRPr sz="1100"/>
             </a:lvl3pPr>
-            <a:lvl4pPr marL="1828800" lvl="3" indent="-317500">
+            <a:lvl4pPr indent="-317500" lvl="3" marL="1828800">
               <a:spcBef>
                 <a:spcPts val="0"/>
               </a:spcBef>
@@ -425,7 +409,7 @@
               <a:buChar char="●"/>
               <a:defRPr sz="1100"/>
             </a:lvl4pPr>
-            <a:lvl5pPr marL="2286000" lvl="4" indent="-317500">
+            <a:lvl5pPr indent="-317500" lvl="4" marL="2286000">
               <a:spcBef>
                 <a:spcPts val="0"/>
               </a:spcBef>
@@ -436,7 +420,7 @@
               <a:buChar char="○"/>
               <a:defRPr sz="1100"/>
             </a:lvl5pPr>
-            <a:lvl6pPr marL="2743200" lvl="5" indent="-317500">
+            <a:lvl6pPr indent="-317500" lvl="5" marL="2743200">
               <a:spcBef>
                 <a:spcPts val="0"/>
               </a:spcBef>
@@ -447,7 +431,7 @@
               <a:buChar char="■"/>
               <a:defRPr sz="1100"/>
             </a:lvl6pPr>
-            <a:lvl7pPr marL="3200400" lvl="6" indent="-317500">
+            <a:lvl7pPr indent="-317500" lvl="6" marL="3200400">
               <a:spcBef>
                 <a:spcPts val="0"/>
               </a:spcBef>
@@ -458,7 +442,7 @@
               <a:buChar char="●"/>
               <a:defRPr sz="1100"/>
             </a:lvl7pPr>
-            <a:lvl8pPr marL="3657600" lvl="7" indent="-317500">
+            <a:lvl8pPr indent="-317500" lvl="7" marL="3657600">
               <a:spcBef>
                 <a:spcPts val="0"/>
               </a:spcBef>
@@ -469,7 +453,7 @@
               <a:buChar char="○"/>
               <a:defRPr sz="1100"/>
             </a:lvl8pPr>
-            <a:lvl9pPr marL="4114800" lvl="8" indent="-317500">
+            <a:lvl9pPr indent="-317500" lvl="8" marL="4114800">
               <a:spcBef>
                 <a:spcPts val="0"/>
               </a:spcBef>
@@ -481,16 +465,14 @@
               <a:defRPr sz="1100"/>
             </a:lvl9pPr>
           </a:lstStyle>
-          <a:p>
-            <a:endParaRPr/>
-          </a:p>
+          <a:p/>
         </p:txBody>
       </p:sp>
     </p:spTree>
   </p:cSld>
-  <p:clrMap bg1="lt1" tx1="dk1" bg2="dk2" tx2="lt2" accent1="accent1" accent2="accent2" accent3="accent3" accent4="accent4" accent5="accent5" accent6="accent6" hlink="hlink" folHlink="folHlink"/>
+  <p:clrMap accent1="accent1" accent2="accent2" accent3="accent3" accent4="accent4" accent5="accent5" accent6="accent6" bg1="lt1" bg2="dk2" tx1="dk1" tx2="lt2" folHlink="folHlink" hlink="hlink"/>
   <p:notesStyle>
-    <a:defPPr marR="0" lvl="0" algn="l" rtl="0">
+    <a:defPPr lvl="0" marR="0" rtl="0" algn="l">
       <a:lnSpc>
         <a:spcPct val="100000"/>
       </a:lnSpc>
@@ -501,7 +483,7 @@
         <a:spcPts val="0"/>
       </a:spcAft>
     </a:defPPr>
-    <a:lvl1pPr marR="0" lvl="0" algn="l" rtl="0">
+    <a:lvl1pPr lvl="0" marR="0" rtl="0" algn="l">
       <a:lnSpc>
         <a:spcPct val="100000"/>
       </a:lnSpc>
@@ -515,7 +497,7 @@
         <a:srgbClr val="000000"/>
       </a:buClr>
       <a:buFont typeface="Arial"/>
-      <a:defRPr sz="1400" b="0" i="0" u="none" strike="noStrike" cap="none">
+      <a:defRPr b="0" i="0" sz="1400" u="none" cap="none" strike="noStrike">
         <a:solidFill>
           <a:srgbClr val="000000"/>
         </a:solidFill>
@@ -525,7 +507,7 @@
         <a:sym typeface="Arial"/>
       </a:defRPr>
     </a:lvl1pPr>
-    <a:lvl2pPr marR="0" lvl="1" algn="l" rtl="0">
+    <a:lvl2pPr lvl="1" marR="0" rtl="0" algn="l">
       <a:lnSpc>
         <a:spcPct val="100000"/>
       </a:lnSpc>
@@ -539,7 +521,7 @@
         <a:srgbClr val="000000"/>
       </a:buClr>
       <a:buFont typeface="Arial"/>
-      <a:defRPr sz="1400" b="0" i="0" u="none" strike="noStrike" cap="none">
+      <a:defRPr b="0" i="0" sz="1400" u="none" cap="none" strike="noStrike">
         <a:solidFill>
           <a:srgbClr val="000000"/>
         </a:solidFill>
@@ -549,7 +531,7 @@
         <a:sym typeface="Arial"/>
       </a:defRPr>
     </a:lvl2pPr>
-    <a:lvl3pPr marR="0" lvl="2" algn="l" rtl="0">
+    <a:lvl3pPr lvl="2" marR="0" rtl="0" algn="l">
       <a:lnSpc>
         <a:spcPct val="100000"/>
       </a:lnSpc>
@@ -563,7 +545,7 @@
         <a:srgbClr val="000000"/>
       </a:buClr>
       <a:buFont typeface="Arial"/>
-      <a:defRPr sz="1400" b="0" i="0" u="none" strike="noStrike" cap="none">
+      <a:defRPr b="0" i="0" sz="1400" u="none" cap="none" strike="noStrike">
         <a:solidFill>
           <a:srgbClr val="000000"/>
         </a:solidFill>
@@ -573,7 +555,7 @@
         <a:sym typeface="Arial"/>
       </a:defRPr>
     </a:lvl3pPr>
-    <a:lvl4pPr marR="0" lvl="3" algn="l" rtl="0">
+    <a:lvl4pPr lvl="3" marR="0" rtl="0" algn="l">
       <a:lnSpc>
         <a:spcPct val="100000"/>
       </a:lnSpc>
@@ -587,7 +569,7 @@
         <a:srgbClr val="000000"/>
       </a:buClr>
       <a:buFont typeface="Arial"/>
-      <a:defRPr sz="1400" b="0" i="0" u="none" strike="noStrike" cap="none">
+      <a:defRPr b="0" i="0" sz="1400" u="none" cap="none" strike="noStrike">
         <a:solidFill>
           <a:srgbClr val="000000"/>
         </a:solidFill>
@@ -597,7 +579,7 @@
         <a:sym typeface="Arial"/>
       </a:defRPr>
     </a:lvl4pPr>
-    <a:lvl5pPr marR="0" lvl="4" algn="l" rtl="0">
+    <a:lvl5pPr lvl="4" marR="0" rtl="0" algn="l">
       <a:lnSpc>
         <a:spcPct val="100000"/>
       </a:lnSpc>
@@ -611,7 +593,7 @@
         <a:srgbClr val="000000"/>
       </a:buClr>
       <a:buFont typeface="Arial"/>
-      <a:defRPr sz="1400" b="0" i="0" u="none" strike="noStrike" cap="none">
+      <a:defRPr b="0" i="0" sz="1400" u="none" cap="none" strike="noStrike">
         <a:solidFill>
           <a:srgbClr val="000000"/>
         </a:solidFill>
@@ -621,7 +603,7 @@
         <a:sym typeface="Arial"/>
       </a:defRPr>
     </a:lvl5pPr>
-    <a:lvl6pPr marR="0" lvl="5" algn="l" rtl="0">
+    <a:lvl6pPr lvl="5" marR="0" rtl="0" algn="l">
       <a:lnSpc>
         <a:spcPct val="100000"/>
       </a:lnSpc>
@@ -635,7 +617,7 @@
         <a:srgbClr val="000000"/>
       </a:buClr>
       <a:buFont typeface="Arial"/>
-      <a:defRPr sz="1400" b="0" i="0" u="none" strike="noStrike" cap="none">
+      <a:defRPr b="0" i="0" sz="1400" u="none" cap="none" strike="noStrike">
         <a:solidFill>
           <a:srgbClr val="000000"/>
         </a:solidFill>
@@ -645,7 +627,7 @@
         <a:sym typeface="Arial"/>
       </a:defRPr>
     </a:lvl6pPr>
-    <a:lvl7pPr marR="0" lvl="6" algn="l" rtl="0">
+    <a:lvl7pPr lvl="6" marR="0" rtl="0" algn="l">
       <a:lnSpc>
         <a:spcPct val="100000"/>
       </a:lnSpc>
@@ -659,7 +641,7 @@
         <a:srgbClr val="000000"/>
       </a:buClr>
       <a:buFont typeface="Arial"/>
-      <a:defRPr sz="1400" b="0" i="0" u="none" strike="noStrike" cap="none">
+      <a:defRPr b="0" i="0" sz="1400" u="none" cap="none" strike="noStrike">
         <a:solidFill>
           <a:srgbClr val="000000"/>
         </a:solidFill>
@@ -669,7 +651,7 @@
         <a:sym typeface="Arial"/>
       </a:defRPr>
     </a:lvl7pPr>
-    <a:lvl8pPr marR="0" lvl="7" algn="l" rtl="0">
+    <a:lvl8pPr lvl="7" marR="0" rtl="0" algn="l">
       <a:lnSpc>
         <a:spcPct val="100000"/>
       </a:lnSpc>
@@ -683,7 +665,7 @@
         <a:srgbClr val="000000"/>
       </a:buClr>
       <a:buFont typeface="Arial"/>
-      <a:defRPr sz="1400" b="0" i="0" u="none" strike="noStrike" cap="none">
+      <a:defRPr b="0" i="0" sz="1400" u="none" cap="none" strike="noStrike">
         <a:solidFill>
           <a:srgbClr val="000000"/>
         </a:solidFill>
@@ -693,7 +675,7 @@
         <a:sym typeface="Arial"/>
       </a:defRPr>
     </a:lvl8pPr>
-    <a:lvl9pPr marR="0" lvl="8" algn="l" rtl="0">
+    <a:lvl9pPr lvl="8" marR="0" rtl="0" algn="l">
       <a:lnSpc>
         <a:spcPct val="100000"/>
       </a:lnSpc>
@@ -707,7 +689,7 @@
         <a:srgbClr val="000000"/>
       </a:buClr>
       <a:buFont typeface="Arial"/>
-      <a:defRPr sz="1400" b="0" i="0" u="none" strike="noStrike" cap="none">
+      <a:defRPr b="0" i="0" sz="1400" u="none" cap="none" strike="noStrike">
         <a:solidFill>
           <a:srgbClr val="000000"/>
         </a:solidFill>
@@ -722,11 +704,11 @@
 </file>
 
 <file path=ppt/notesSlides/notesSlide1.xml><?xml version="1.0" encoding="utf-8"?>
-<p:notes xmlns:a="http://schemas.openxmlformats.org/drawingml/2006/main" xmlns:r="http://schemas.openxmlformats.org/officeDocument/2006/relationships" xmlns:p="http://schemas.openxmlformats.org/presentationml/2006/main" showMasterSp="0" showMasterPhAnim="0">
+<p:notes xmlns:a="http://schemas.openxmlformats.org/drawingml/2006/main" xmlns:r="http://schemas.openxmlformats.org/officeDocument/2006/relationships" xmlns:mc="http://schemas.openxmlformats.org/markup-compatibility/2006" xmlns:mv="urn:schemas-microsoft-com:mac:vml" xmlns:p="http://schemas.openxmlformats.org/presentationml/2006/main" xmlns:c="http://schemas.openxmlformats.org/drawingml/2006/chart" xmlns:dgm="http://schemas.openxmlformats.org/drawingml/2006/diagram" xmlns:o="urn:schemas-microsoft-com:office:office" xmlns:v="urn:schemas-microsoft-com:vml" xmlns:pvml="urn:schemas-microsoft-com:office:powerpoint" xmlns:com="http://schemas.openxmlformats.org/drawingml/2006/compatibility" xmlns:p14="http://schemas.microsoft.com/office/powerpoint/2010/main" xmlns:p15="http://schemas.microsoft.com/office/powerpoint/2012/main" xmlns:ahyp="http://schemas.microsoft.com/office/drawing/2018/hyperlinkcolor" showMasterPhAnim="0" showMasterSp="0">
   <p:cSld>
     <p:spTree>
       <p:nvGrpSpPr>
-        <p:cNvPr id="1" name="Shape 54"/>
+        <p:cNvPr id="54" name="Shape 54"/>
         <p:cNvGrpSpPr/>
         <p:nvPr/>
       </p:nvGrpSpPr>
@@ -741,11 +723,9 @@
       <p:sp>
         <p:nvSpPr>
           <p:cNvPr id="55" name="Google Shape;55;gc6f9544c1_0_0:notes"/>
-          <p:cNvSpPr>
-            <a:spLocks noGrp="1" noRot="1" noChangeAspect="1"/>
-          </p:cNvSpPr>
+          <p:cNvSpPr/>
           <p:nvPr>
-            <p:ph type="sldImg" idx="2"/>
+            <p:ph idx="2" type="sldImg"/>
           </p:nvPr>
         </p:nvSpPr>
         <p:spPr>
@@ -754,13 +734,9 @@
             <a:ext cx="6096300" cy="3429000"/>
           </a:xfrm>
           <a:custGeom>
-            <a:avLst/>
-            <a:gdLst/>
-            <a:ahLst/>
-            <a:cxnLst/>
-            <a:rect l="l" t="t" r="r" b="b"/>
+            <a:rect b="b" l="l" r="r" t="t"/>
             <a:pathLst>
-              <a:path w="120000" h="120000" extrusionOk="0">
+              <a:path extrusionOk="0" h="120000" w="120000">
                 <a:moveTo>
                   <a:pt x="0" y="0"/>
                 </a:moveTo>
@@ -782,11 +758,9 @@
       <p:sp>
         <p:nvSpPr>
           <p:cNvPr id="56" name="Google Shape;56;gc6f9544c1_0_0:notes"/>
-          <p:cNvSpPr txBox="1">
-            <a:spLocks noGrp="1"/>
-          </p:cNvSpPr>
+          <p:cNvSpPr txBox="1"/>
           <p:nvPr>
-            <p:ph type="body" idx="1"/>
+            <p:ph idx="1" type="body"/>
           </p:nvPr>
         </p:nvSpPr>
         <p:spPr>
@@ -799,12 +773,12 @@
           </a:prstGeom>
         </p:spPr>
         <p:txBody>
-          <a:bodyPr spcFirstLastPara="1" wrap="square" lIns="91425" tIns="91425" rIns="91425" bIns="91425" anchor="t" anchorCtr="0">
+          <a:bodyPr anchorCtr="0" anchor="t" bIns="91425" lIns="91425" spcFirstLastPara="1" rIns="91425" wrap="square" tIns="91425">
             <a:noAutofit/>
           </a:bodyPr>
           <a:lstStyle/>
           <a:p>
-            <a:pPr marL="0" lvl="0" indent="0" algn="l" rtl="0">
+            <a:pPr indent="0" lvl="0" marL="0" rtl="0" algn="l">
               <a:spcBef>
                 <a:spcPts val="0"/>
               </a:spcBef>
@@ -813,6 +787,9 @@
               </a:spcAft>
               <a:buNone/>
             </a:pPr>
+            <a:r>
+              <a:t/>
+            </a:r>
             <a:endParaRPr/>
           </a:p>
         </p:txBody>
@@ -826,11 +803,11 @@
 </file>
 
 <file path=ppt/notesSlides/notesSlide2.xml><?xml version="1.0" encoding="utf-8"?>
-<p:notes xmlns:a="http://schemas.openxmlformats.org/drawingml/2006/main" xmlns:r="http://schemas.openxmlformats.org/officeDocument/2006/relationships" xmlns:p="http://schemas.openxmlformats.org/presentationml/2006/main" showMasterSp="0" showMasterPhAnim="0">
+<p:notes xmlns:a="http://schemas.openxmlformats.org/drawingml/2006/main" xmlns:r="http://schemas.openxmlformats.org/officeDocument/2006/relationships" xmlns:mc="http://schemas.openxmlformats.org/markup-compatibility/2006" xmlns:mv="urn:schemas-microsoft-com:mac:vml" xmlns:p="http://schemas.openxmlformats.org/presentationml/2006/main" xmlns:c="http://schemas.openxmlformats.org/drawingml/2006/chart" xmlns:dgm="http://schemas.openxmlformats.org/drawingml/2006/diagram" xmlns:o="urn:schemas-microsoft-com:office:office" xmlns:v="urn:schemas-microsoft-com:vml" xmlns:pvml="urn:schemas-microsoft-com:office:powerpoint" xmlns:com="http://schemas.openxmlformats.org/drawingml/2006/compatibility" xmlns:p14="http://schemas.microsoft.com/office/powerpoint/2010/main" xmlns:p15="http://schemas.microsoft.com/office/powerpoint/2012/main" xmlns:ahyp="http://schemas.microsoft.com/office/drawing/2018/hyperlinkcolor" showMasterPhAnim="0" showMasterSp="0">
   <p:cSld>
     <p:spTree>
       <p:nvGrpSpPr>
-        <p:cNvPr id="1" name="Shape 62"/>
+        <p:cNvPr id="62" name="Shape 62"/>
         <p:cNvGrpSpPr/>
         <p:nvPr/>
       </p:nvGrpSpPr>
@@ -845,11 +822,9 @@
       <p:sp>
         <p:nvSpPr>
           <p:cNvPr id="63" name="Google Shape;63;gc6f9544c1_0_5:notes"/>
-          <p:cNvSpPr>
-            <a:spLocks noGrp="1" noRot="1" noChangeAspect="1"/>
-          </p:cNvSpPr>
+          <p:cNvSpPr/>
           <p:nvPr>
-            <p:ph type="sldImg" idx="2"/>
+            <p:ph idx="2" type="sldImg"/>
           </p:nvPr>
         </p:nvSpPr>
         <p:spPr>
@@ -858,13 +833,9 @@
             <a:ext cx="6096300" cy="3429000"/>
           </a:xfrm>
           <a:custGeom>
-            <a:avLst/>
-            <a:gdLst/>
-            <a:ahLst/>
-            <a:cxnLst/>
-            <a:rect l="l" t="t" r="r" b="b"/>
+            <a:rect b="b" l="l" r="r" t="t"/>
             <a:pathLst>
-              <a:path w="120000" h="120000" extrusionOk="0">
+              <a:path extrusionOk="0" h="120000" w="120000">
                 <a:moveTo>
                   <a:pt x="0" y="0"/>
                 </a:moveTo>
@@ -886,11 +857,9 @@
       <p:sp>
         <p:nvSpPr>
           <p:cNvPr id="64" name="Google Shape;64;gc6f9544c1_0_5:notes"/>
-          <p:cNvSpPr txBox="1">
-            <a:spLocks noGrp="1"/>
-          </p:cNvSpPr>
+          <p:cNvSpPr txBox="1"/>
           <p:nvPr>
-            <p:ph type="body" idx="1"/>
+            <p:ph idx="1" type="body"/>
           </p:nvPr>
         </p:nvSpPr>
         <p:spPr>
@@ -903,12 +872,12 @@
           </a:prstGeom>
         </p:spPr>
         <p:txBody>
-          <a:bodyPr spcFirstLastPara="1" wrap="square" lIns="91425" tIns="91425" rIns="91425" bIns="91425" anchor="t" anchorCtr="0">
+          <a:bodyPr anchorCtr="0" anchor="t" bIns="91425" lIns="91425" spcFirstLastPara="1" rIns="91425" wrap="square" tIns="91425">
             <a:noAutofit/>
           </a:bodyPr>
           <a:lstStyle/>
           <a:p>
-            <a:pPr marL="0" lvl="0" indent="0" algn="l" rtl="0">
+            <a:pPr indent="0" lvl="0" marL="0" rtl="0" algn="l">
               <a:spcBef>
                 <a:spcPts val="0"/>
               </a:spcBef>
@@ -917,6 +886,9 @@
               </a:spcAft>
               <a:buNone/>
             </a:pPr>
+            <a:r>
+              <a:t/>
+            </a:r>
             <a:endParaRPr/>
           </a:p>
         </p:txBody>
@@ -930,11 +902,11 @@
 </file>
 
 <file path=ppt/notesSlides/notesSlide3.xml><?xml version="1.0" encoding="utf-8"?>
-<p:notes xmlns:a="http://schemas.openxmlformats.org/drawingml/2006/main" xmlns:r="http://schemas.openxmlformats.org/officeDocument/2006/relationships" xmlns:p="http://schemas.openxmlformats.org/presentationml/2006/main" showMasterSp="0" showMasterPhAnim="0">
+<p:notes xmlns:a="http://schemas.openxmlformats.org/drawingml/2006/main" xmlns:r="http://schemas.openxmlformats.org/officeDocument/2006/relationships" xmlns:mc="http://schemas.openxmlformats.org/markup-compatibility/2006" xmlns:mv="urn:schemas-microsoft-com:mac:vml" xmlns:p="http://schemas.openxmlformats.org/presentationml/2006/main" xmlns:c="http://schemas.openxmlformats.org/drawingml/2006/chart" xmlns:dgm="http://schemas.openxmlformats.org/drawingml/2006/diagram" xmlns:o="urn:schemas-microsoft-com:office:office" xmlns:v="urn:schemas-microsoft-com:vml" xmlns:pvml="urn:schemas-microsoft-com:office:powerpoint" xmlns:com="http://schemas.openxmlformats.org/drawingml/2006/compatibility" xmlns:p14="http://schemas.microsoft.com/office/powerpoint/2010/main" xmlns:p15="http://schemas.microsoft.com/office/powerpoint/2012/main" xmlns:ahyp="http://schemas.microsoft.com/office/drawing/2018/hyperlinkcolor" showMasterPhAnim="0" showMasterSp="0">
   <p:cSld>
     <p:spTree>
       <p:nvGrpSpPr>
-        <p:cNvPr id="1" name="Shape 69"/>
+        <p:cNvPr id="69" name="Shape 69"/>
         <p:cNvGrpSpPr/>
         <p:nvPr/>
       </p:nvGrpSpPr>
@@ -949,11 +921,9 @@
       <p:sp>
         <p:nvSpPr>
           <p:cNvPr id="70" name="Google Shape;70;g2a8d7081787_0_21:notes"/>
-          <p:cNvSpPr>
-            <a:spLocks noGrp="1" noRot="1" noChangeAspect="1"/>
-          </p:cNvSpPr>
+          <p:cNvSpPr/>
           <p:nvPr>
-            <p:ph type="sldImg" idx="2"/>
+            <p:ph idx="2" type="sldImg"/>
           </p:nvPr>
         </p:nvSpPr>
         <p:spPr>
@@ -962,13 +932,9 @@
             <a:ext cx="6096000" cy="3429000"/>
           </a:xfrm>
           <a:custGeom>
-            <a:avLst/>
-            <a:gdLst/>
-            <a:ahLst/>
-            <a:cxnLst/>
-            <a:rect l="l" t="t" r="r" b="b"/>
+            <a:rect b="b" l="l" r="r" t="t"/>
             <a:pathLst>
-              <a:path w="120000" h="120000" extrusionOk="0">
+              <a:path extrusionOk="0" h="120000" w="120000">
                 <a:moveTo>
                   <a:pt x="0" y="0"/>
                 </a:moveTo>
@@ -990,11 +956,9 @@
       <p:sp>
         <p:nvSpPr>
           <p:cNvPr id="71" name="Google Shape;71;g2a8d7081787_0_21:notes"/>
-          <p:cNvSpPr txBox="1">
-            <a:spLocks noGrp="1"/>
-          </p:cNvSpPr>
+          <p:cNvSpPr txBox="1"/>
           <p:nvPr>
-            <p:ph type="body" idx="1"/>
+            <p:ph idx="1" type="body"/>
           </p:nvPr>
         </p:nvSpPr>
         <p:spPr>
@@ -1007,12 +971,12 @@
           </a:prstGeom>
         </p:spPr>
         <p:txBody>
-          <a:bodyPr spcFirstLastPara="1" wrap="square" lIns="91425" tIns="91425" rIns="91425" bIns="91425" anchor="t" anchorCtr="0">
+          <a:bodyPr anchorCtr="0" anchor="t" bIns="91425" lIns="91425" spcFirstLastPara="1" rIns="91425" wrap="square" tIns="91425">
             <a:noAutofit/>
           </a:bodyPr>
           <a:lstStyle/>
           <a:p>
-            <a:pPr marL="0" lvl="0" indent="0" algn="l" rtl="0">
+            <a:pPr indent="0" lvl="0" marL="0" rtl="0" algn="l">
               <a:spcBef>
                 <a:spcPts val="0"/>
               </a:spcBef>
@@ -1021,6 +985,9 @@
               </a:spcAft>
               <a:buNone/>
             </a:pPr>
+            <a:r>
+              <a:t/>
+            </a:r>
             <a:endParaRPr/>
           </a:p>
         </p:txBody>
@@ -1034,11 +1001,11 @@
 </file>
 
 <file path=ppt/notesSlides/notesSlide4.xml><?xml version="1.0" encoding="utf-8"?>
-<p:notes xmlns:a="http://schemas.openxmlformats.org/drawingml/2006/main" xmlns:r="http://schemas.openxmlformats.org/officeDocument/2006/relationships" xmlns:p="http://schemas.openxmlformats.org/presentationml/2006/main" showMasterSp="0" showMasterPhAnim="0">
+<p:notes xmlns:a="http://schemas.openxmlformats.org/drawingml/2006/main" xmlns:r="http://schemas.openxmlformats.org/officeDocument/2006/relationships" xmlns:mc="http://schemas.openxmlformats.org/markup-compatibility/2006" xmlns:mv="urn:schemas-microsoft-com:mac:vml" xmlns:p="http://schemas.openxmlformats.org/presentationml/2006/main" xmlns:c="http://schemas.openxmlformats.org/drawingml/2006/chart" xmlns:dgm="http://schemas.openxmlformats.org/drawingml/2006/diagram" xmlns:o="urn:schemas-microsoft-com:office:office" xmlns:v="urn:schemas-microsoft-com:vml" xmlns:pvml="urn:schemas-microsoft-com:office:powerpoint" xmlns:com="http://schemas.openxmlformats.org/drawingml/2006/compatibility" xmlns:p14="http://schemas.microsoft.com/office/powerpoint/2010/main" xmlns:p15="http://schemas.microsoft.com/office/powerpoint/2012/main" xmlns:ahyp="http://schemas.microsoft.com/office/drawing/2018/hyperlinkcolor" showMasterPhAnim="0" showMasterSp="0">
   <p:cSld>
     <p:spTree>
       <p:nvGrpSpPr>
-        <p:cNvPr id="1" name="Shape 77"/>
+        <p:cNvPr id="77" name="Shape 77"/>
         <p:cNvGrpSpPr/>
         <p:nvPr/>
       </p:nvGrpSpPr>
@@ -1052,27 +1019,21 @@
       </p:grpSpPr>
       <p:sp>
         <p:nvSpPr>
-          <p:cNvPr id="78" name="Google Shape;78;gc6f9544c1_0_15:notes"/>
-          <p:cNvSpPr>
-            <a:spLocks noGrp="1" noRot="1" noChangeAspect="1"/>
-          </p:cNvSpPr>
+          <p:cNvPr id="78" name="Google Shape;78;g2aa405e7ddf_0_0:notes"/>
+          <p:cNvSpPr/>
           <p:nvPr>
-            <p:ph type="sldImg" idx="2"/>
+            <p:ph idx="2" type="sldImg"/>
           </p:nvPr>
         </p:nvSpPr>
         <p:spPr>
           <a:xfrm>
-            <a:off x="381188" y="685800"/>
-            <a:ext cx="6096300" cy="3429000"/>
+            <a:off x="381300" y="685800"/>
+            <a:ext cx="6096000" cy="3429000"/>
           </a:xfrm>
           <a:custGeom>
-            <a:avLst/>
-            <a:gdLst/>
-            <a:ahLst/>
-            <a:cxnLst/>
-            <a:rect l="l" t="t" r="r" b="b"/>
+            <a:rect b="b" l="l" r="r" t="t"/>
             <a:pathLst>
-              <a:path w="120000" h="120000" extrusionOk="0">
+              <a:path extrusionOk="0" h="120000" w="120000">
                 <a:moveTo>
                   <a:pt x="0" y="0"/>
                 </a:moveTo>
@@ -1093,12 +1054,10 @@
       </p:sp>
       <p:sp>
         <p:nvSpPr>
-          <p:cNvPr id="79" name="Google Shape;79;gc6f9544c1_0_15:notes"/>
-          <p:cNvSpPr txBox="1">
-            <a:spLocks noGrp="1"/>
-          </p:cNvSpPr>
+          <p:cNvPr id="79" name="Google Shape;79;g2aa405e7ddf_0_0:notes"/>
+          <p:cNvSpPr txBox="1"/>
           <p:nvPr>
-            <p:ph type="body" idx="1"/>
+            <p:ph idx="1" type="body"/>
           </p:nvPr>
         </p:nvSpPr>
         <p:spPr>
@@ -1111,12 +1070,12 @@
           </a:prstGeom>
         </p:spPr>
         <p:txBody>
-          <a:bodyPr spcFirstLastPara="1" wrap="square" lIns="91425" tIns="91425" rIns="91425" bIns="91425" anchor="t" anchorCtr="0">
+          <a:bodyPr anchorCtr="0" anchor="t" bIns="91425" lIns="91425" spcFirstLastPara="1" rIns="91425" wrap="square" tIns="91425">
             <a:noAutofit/>
           </a:bodyPr>
           <a:lstStyle/>
           <a:p>
-            <a:pPr marL="0" lvl="0" indent="0" algn="l" rtl="0">
+            <a:pPr indent="0" lvl="0" marL="0" rtl="0" algn="l">
               <a:spcBef>
                 <a:spcPts val="0"/>
               </a:spcBef>
@@ -1125,6 +1084,9 @@
               </a:spcAft>
               <a:buNone/>
             </a:pPr>
+            <a:r>
+              <a:t/>
+            </a:r>
             <a:endParaRPr/>
           </a:p>
         </p:txBody>
@@ -1138,11 +1100,11 @@
 </file>
 
 <file path=ppt/notesSlides/notesSlide5.xml><?xml version="1.0" encoding="utf-8"?>
-<p:notes xmlns:a="http://schemas.openxmlformats.org/drawingml/2006/main" xmlns:r="http://schemas.openxmlformats.org/officeDocument/2006/relationships" xmlns:p="http://schemas.openxmlformats.org/presentationml/2006/main" showMasterSp="0" showMasterPhAnim="0">
+<p:notes xmlns:a="http://schemas.openxmlformats.org/drawingml/2006/main" xmlns:r="http://schemas.openxmlformats.org/officeDocument/2006/relationships" xmlns:mc="http://schemas.openxmlformats.org/markup-compatibility/2006" xmlns:mv="urn:schemas-microsoft-com:mac:vml" xmlns:p="http://schemas.openxmlformats.org/presentationml/2006/main" xmlns:c="http://schemas.openxmlformats.org/drawingml/2006/chart" xmlns:dgm="http://schemas.openxmlformats.org/drawingml/2006/diagram" xmlns:o="urn:schemas-microsoft-com:office:office" xmlns:v="urn:schemas-microsoft-com:vml" xmlns:pvml="urn:schemas-microsoft-com:office:powerpoint" xmlns:com="http://schemas.openxmlformats.org/drawingml/2006/compatibility" xmlns:p14="http://schemas.microsoft.com/office/powerpoint/2010/main" xmlns:p15="http://schemas.microsoft.com/office/powerpoint/2012/main" xmlns:ahyp="http://schemas.microsoft.com/office/drawing/2018/hyperlinkcolor" showMasterPhAnim="0" showMasterSp="0">
   <p:cSld>
     <p:spTree>
       <p:nvGrpSpPr>
-        <p:cNvPr id="1" name="Shape 103"/>
+        <p:cNvPr id="83" name="Shape 83"/>
         <p:cNvGrpSpPr/>
         <p:nvPr/>
       </p:nvGrpSpPr>
@@ -1156,12 +1118,10 @@
       </p:grpSpPr>
       <p:sp>
         <p:nvSpPr>
-          <p:cNvPr id="104" name="Google Shape;104;gc6f9544c1_0_36:notes"/>
-          <p:cNvSpPr>
-            <a:spLocks noGrp="1" noRot="1" noChangeAspect="1"/>
-          </p:cNvSpPr>
+          <p:cNvPr id="84" name="Google Shape;84;gc6f9544c1_0_15:notes"/>
+          <p:cNvSpPr/>
           <p:nvPr>
-            <p:ph type="sldImg" idx="2"/>
+            <p:ph idx="2" type="sldImg"/>
           </p:nvPr>
         </p:nvSpPr>
         <p:spPr>
@@ -1170,13 +1130,9 @@
             <a:ext cx="6096300" cy="3429000"/>
           </a:xfrm>
           <a:custGeom>
-            <a:avLst/>
-            <a:gdLst/>
-            <a:ahLst/>
-            <a:cxnLst/>
-            <a:rect l="l" t="t" r="r" b="b"/>
+            <a:rect b="b" l="l" r="r" t="t"/>
             <a:pathLst>
-              <a:path w="120000" h="120000" extrusionOk="0">
+              <a:path extrusionOk="0" h="120000" w="120000">
                 <a:moveTo>
                   <a:pt x="0" y="0"/>
                 </a:moveTo>
@@ -1197,12 +1153,10 @@
       </p:sp>
       <p:sp>
         <p:nvSpPr>
-          <p:cNvPr id="105" name="Google Shape;105;gc6f9544c1_0_36:notes"/>
-          <p:cNvSpPr txBox="1">
-            <a:spLocks noGrp="1"/>
-          </p:cNvSpPr>
+          <p:cNvPr id="85" name="Google Shape;85;gc6f9544c1_0_15:notes"/>
+          <p:cNvSpPr txBox="1"/>
           <p:nvPr>
-            <p:ph type="body" idx="1"/>
+            <p:ph idx="1" type="body"/>
           </p:nvPr>
         </p:nvSpPr>
         <p:spPr>
@@ -1215,12 +1169,12 @@
           </a:prstGeom>
         </p:spPr>
         <p:txBody>
-          <a:bodyPr spcFirstLastPara="1" wrap="square" lIns="91425" tIns="91425" rIns="91425" bIns="91425" anchor="t" anchorCtr="0">
+          <a:bodyPr anchorCtr="0" anchor="t" bIns="91425" lIns="91425" spcFirstLastPara="1" rIns="91425" wrap="square" tIns="91425">
             <a:noAutofit/>
           </a:bodyPr>
           <a:lstStyle/>
           <a:p>
-            <a:pPr marL="0" lvl="0" indent="0" algn="l" rtl="0">
+            <a:pPr indent="0" lvl="0" marL="0" rtl="0" algn="l">
               <a:spcBef>
                 <a:spcPts val="0"/>
               </a:spcBef>
@@ -1229,6 +1183,9 @@
               </a:spcAft>
               <a:buNone/>
             </a:pPr>
+            <a:r>
+              <a:t/>
+            </a:r>
             <a:endParaRPr/>
           </a:p>
         </p:txBody>
@@ -1242,11 +1199,11 @@
 </file>
 
 <file path=ppt/notesSlides/notesSlide6.xml><?xml version="1.0" encoding="utf-8"?>
-<p:notes xmlns:a="http://schemas.openxmlformats.org/drawingml/2006/main" xmlns:r="http://schemas.openxmlformats.org/officeDocument/2006/relationships" xmlns:p="http://schemas.openxmlformats.org/presentationml/2006/main" showMasterSp="0" showMasterPhAnim="0">
+<p:notes xmlns:a="http://schemas.openxmlformats.org/drawingml/2006/main" xmlns:r="http://schemas.openxmlformats.org/officeDocument/2006/relationships" xmlns:mc="http://schemas.openxmlformats.org/markup-compatibility/2006" xmlns:mv="urn:schemas-microsoft-com:mac:vml" xmlns:p="http://schemas.openxmlformats.org/presentationml/2006/main" xmlns:c="http://schemas.openxmlformats.org/drawingml/2006/chart" xmlns:dgm="http://schemas.openxmlformats.org/drawingml/2006/diagram" xmlns:o="urn:schemas-microsoft-com:office:office" xmlns:v="urn:schemas-microsoft-com:vml" xmlns:pvml="urn:schemas-microsoft-com:office:powerpoint" xmlns:com="http://schemas.openxmlformats.org/drawingml/2006/compatibility" xmlns:p14="http://schemas.microsoft.com/office/powerpoint/2010/main" xmlns:p15="http://schemas.microsoft.com/office/powerpoint/2012/main" xmlns:ahyp="http://schemas.microsoft.com/office/drawing/2018/hyperlinkcolor" showMasterPhAnim="0" showMasterSp="0">
   <p:cSld>
     <p:spTree>
       <p:nvGrpSpPr>
-        <p:cNvPr id="1" name="Shape 126"/>
+        <p:cNvPr id="109" name="Shape 109"/>
         <p:cNvGrpSpPr/>
         <p:nvPr/>
       </p:nvGrpSpPr>
@@ -1260,27 +1217,21 @@
       </p:grpSpPr>
       <p:sp>
         <p:nvSpPr>
-          <p:cNvPr id="127" name="Google Shape;127;g2a90e0402db_0_58:notes"/>
-          <p:cNvSpPr>
-            <a:spLocks noGrp="1" noRot="1" noChangeAspect="1"/>
-          </p:cNvSpPr>
+          <p:cNvPr id="110" name="Google Shape;110;gc6f9544c1_0_36:notes"/>
+          <p:cNvSpPr/>
           <p:nvPr>
-            <p:ph type="sldImg" idx="2"/>
+            <p:ph idx="2" type="sldImg"/>
           </p:nvPr>
         </p:nvSpPr>
         <p:spPr>
           <a:xfrm>
-            <a:off x="381300" y="685800"/>
-            <a:ext cx="6096000" cy="3429000"/>
+            <a:off x="381188" y="685800"/>
+            <a:ext cx="6096300" cy="3429000"/>
           </a:xfrm>
           <a:custGeom>
-            <a:avLst/>
-            <a:gdLst/>
-            <a:ahLst/>
-            <a:cxnLst/>
-            <a:rect l="l" t="t" r="r" b="b"/>
+            <a:rect b="b" l="l" r="r" t="t"/>
             <a:pathLst>
-              <a:path w="120000" h="120000" extrusionOk="0">
+              <a:path extrusionOk="0" h="120000" w="120000">
                 <a:moveTo>
                   <a:pt x="0" y="0"/>
                 </a:moveTo>
@@ -1301,12 +1252,10 @@
       </p:sp>
       <p:sp>
         <p:nvSpPr>
-          <p:cNvPr id="128" name="Google Shape;128;g2a90e0402db_0_58:notes"/>
-          <p:cNvSpPr txBox="1">
-            <a:spLocks noGrp="1"/>
-          </p:cNvSpPr>
+          <p:cNvPr id="111" name="Google Shape;111;gc6f9544c1_0_36:notes"/>
+          <p:cNvSpPr txBox="1"/>
           <p:nvPr>
-            <p:ph type="body" idx="1"/>
+            <p:ph idx="1" type="body"/>
           </p:nvPr>
         </p:nvSpPr>
         <p:spPr>
@@ -1319,12 +1268,12 @@
           </a:prstGeom>
         </p:spPr>
         <p:txBody>
-          <a:bodyPr spcFirstLastPara="1" wrap="square" lIns="91425" tIns="91425" rIns="91425" bIns="91425" anchor="t" anchorCtr="0">
+          <a:bodyPr anchorCtr="0" anchor="t" bIns="91425" lIns="91425" spcFirstLastPara="1" rIns="91425" wrap="square" tIns="91425">
             <a:noAutofit/>
           </a:bodyPr>
           <a:lstStyle/>
           <a:p>
-            <a:pPr marL="0" lvl="0" indent="0" algn="l" rtl="0">
+            <a:pPr indent="0" lvl="0" marL="0" rtl="0" algn="l">
               <a:spcBef>
                 <a:spcPts val="0"/>
               </a:spcBef>
@@ -1333,6 +1282,9 @@
               </a:spcAft>
               <a:buNone/>
             </a:pPr>
+            <a:r>
+              <a:t/>
+            </a:r>
             <a:endParaRPr/>
           </a:p>
         </p:txBody>
@@ -1346,11 +1298,11 @@
 </file>
 
 <file path=ppt/notesSlides/notesSlide7.xml><?xml version="1.0" encoding="utf-8"?>
-<p:notes xmlns:a="http://schemas.openxmlformats.org/drawingml/2006/main" xmlns:r="http://schemas.openxmlformats.org/officeDocument/2006/relationships" xmlns:p="http://schemas.openxmlformats.org/presentationml/2006/main" showMasterSp="0" showMasterPhAnim="0">
+<p:notes xmlns:a="http://schemas.openxmlformats.org/drawingml/2006/main" xmlns:r="http://schemas.openxmlformats.org/officeDocument/2006/relationships" xmlns:mc="http://schemas.openxmlformats.org/markup-compatibility/2006" xmlns:mv="urn:schemas-microsoft-com:mac:vml" xmlns:p="http://schemas.openxmlformats.org/presentationml/2006/main" xmlns:c="http://schemas.openxmlformats.org/drawingml/2006/chart" xmlns:dgm="http://schemas.openxmlformats.org/drawingml/2006/diagram" xmlns:o="urn:schemas-microsoft-com:office:office" xmlns:v="urn:schemas-microsoft-com:vml" xmlns:pvml="urn:schemas-microsoft-com:office:powerpoint" xmlns:com="http://schemas.openxmlformats.org/drawingml/2006/compatibility" xmlns:p14="http://schemas.microsoft.com/office/powerpoint/2010/main" xmlns:p15="http://schemas.microsoft.com/office/powerpoint/2012/main" xmlns:ahyp="http://schemas.microsoft.com/office/drawing/2018/hyperlinkcolor" showMasterPhAnim="0" showMasterSp="0">
   <p:cSld>
     <p:spTree>
       <p:nvGrpSpPr>
-        <p:cNvPr id="1" name="Shape 134"/>
+        <p:cNvPr id="132" name="Shape 132"/>
         <p:cNvGrpSpPr/>
         <p:nvPr/>
       </p:nvGrpSpPr>
@@ -1364,27 +1316,21 @@
       </p:grpSpPr>
       <p:sp>
         <p:nvSpPr>
-          <p:cNvPr id="135" name="Google Shape;135;gc6f9544c1_0_44:notes"/>
-          <p:cNvSpPr>
-            <a:spLocks noGrp="1" noRot="1" noChangeAspect="1"/>
-          </p:cNvSpPr>
+          <p:cNvPr id="133" name="Google Shape;133;g2a90e0402db_0_58:notes"/>
+          <p:cNvSpPr/>
           <p:nvPr>
-            <p:ph type="sldImg" idx="2"/>
+            <p:ph idx="2" type="sldImg"/>
           </p:nvPr>
         </p:nvSpPr>
         <p:spPr>
           <a:xfrm>
-            <a:off x="381188" y="685800"/>
-            <a:ext cx="6096300" cy="3429000"/>
+            <a:off x="381300" y="685800"/>
+            <a:ext cx="6096000" cy="3429000"/>
           </a:xfrm>
           <a:custGeom>
-            <a:avLst/>
-            <a:gdLst/>
-            <a:ahLst/>
-            <a:cxnLst/>
-            <a:rect l="l" t="t" r="r" b="b"/>
+            <a:rect b="b" l="l" r="r" t="t"/>
             <a:pathLst>
-              <a:path w="120000" h="120000" extrusionOk="0">
+              <a:path extrusionOk="0" h="120000" w="120000">
                 <a:moveTo>
                   <a:pt x="0" y="0"/>
                 </a:moveTo>
@@ -1405,12 +1351,10 @@
       </p:sp>
       <p:sp>
         <p:nvSpPr>
-          <p:cNvPr id="136" name="Google Shape;136;gc6f9544c1_0_44:notes"/>
-          <p:cNvSpPr txBox="1">
-            <a:spLocks noGrp="1"/>
-          </p:cNvSpPr>
+          <p:cNvPr id="134" name="Google Shape;134;g2a90e0402db_0_58:notes"/>
+          <p:cNvSpPr txBox="1"/>
           <p:nvPr>
-            <p:ph type="body" idx="1"/>
+            <p:ph idx="1" type="body"/>
           </p:nvPr>
         </p:nvSpPr>
         <p:spPr>
@@ -1423,12 +1367,12 @@
           </a:prstGeom>
         </p:spPr>
         <p:txBody>
-          <a:bodyPr spcFirstLastPara="1" wrap="square" lIns="91425" tIns="91425" rIns="91425" bIns="91425" anchor="t" anchorCtr="0">
+          <a:bodyPr anchorCtr="0" anchor="t" bIns="91425" lIns="91425" spcFirstLastPara="1" rIns="91425" wrap="square" tIns="91425">
             <a:noAutofit/>
           </a:bodyPr>
           <a:lstStyle/>
           <a:p>
-            <a:pPr marL="0" lvl="0" indent="0" algn="l" rtl="0">
+            <a:pPr indent="0" lvl="0" marL="0" rtl="0" algn="l">
               <a:spcBef>
                 <a:spcPts val="0"/>
               </a:spcBef>
@@ -1437,6 +1381,9 @@
               </a:spcAft>
               <a:buNone/>
             </a:pPr>
+            <a:r>
+              <a:t/>
+            </a:r>
             <a:endParaRPr/>
           </a:p>
         </p:txBody>
@@ -1450,11 +1397,11 @@
 </file>
 
 <file path=ppt/notesSlides/notesSlide8.xml><?xml version="1.0" encoding="utf-8"?>
-<p:notes xmlns:a="http://schemas.openxmlformats.org/drawingml/2006/main" xmlns:r="http://schemas.openxmlformats.org/officeDocument/2006/relationships" xmlns:p="http://schemas.openxmlformats.org/presentationml/2006/main" showMasterSp="0" showMasterPhAnim="0">
+<p:notes xmlns:a="http://schemas.openxmlformats.org/drawingml/2006/main" xmlns:r="http://schemas.openxmlformats.org/officeDocument/2006/relationships" xmlns:mc="http://schemas.openxmlformats.org/markup-compatibility/2006" xmlns:mv="urn:schemas-microsoft-com:mac:vml" xmlns:p="http://schemas.openxmlformats.org/presentationml/2006/main" xmlns:c="http://schemas.openxmlformats.org/drawingml/2006/chart" xmlns:dgm="http://schemas.openxmlformats.org/drawingml/2006/diagram" xmlns:o="urn:schemas-microsoft-com:office:office" xmlns:v="urn:schemas-microsoft-com:vml" xmlns:pvml="urn:schemas-microsoft-com:office:powerpoint" xmlns:com="http://schemas.openxmlformats.org/drawingml/2006/compatibility" xmlns:p14="http://schemas.microsoft.com/office/powerpoint/2010/main" xmlns:p15="http://schemas.microsoft.com/office/powerpoint/2012/main" xmlns:ahyp="http://schemas.microsoft.com/office/drawing/2018/hyperlinkcolor" showMasterPhAnim="0" showMasterSp="0">
   <p:cSld>
     <p:spTree>
       <p:nvGrpSpPr>
-        <p:cNvPr id="1" name="Shape 140"/>
+        <p:cNvPr id="140" name="Shape 140"/>
         <p:cNvGrpSpPr/>
         <p:nvPr/>
       </p:nvGrpSpPr>
@@ -1468,12 +1415,10 @@
       </p:grpSpPr>
       <p:sp>
         <p:nvSpPr>
-          <p:cNvPr id="141" name="Google Shape;141;gc6f9544c1_0_48:notes"/>
-          <p:cNvSpPr>
-            <a:spLocks noGrp="1" noRot="1" noChangeAspect="1"/>
-          </p:cNvSpPr>
+          <p:cNvPr id="141" name="Google Shape;141;gc6f9544c1_0_44:notes"/>
+          <p:cNvSpPr/>
           <p:nvPr>
-            <p:ph type="sldImg" idx="2"/>
+            <p:ph idx="2" type="sldImg"/>
           </p:nvPr>
         </p:nvSpPr>
         <p:spPr>
@@ -1482,13 +1427,9 @@
             <a:ext cx="6096300" cy="3429000"/>
           </a:xfrm>
           <a:custGeom>
-            <a:avLst/>
-            <a:gdLst/>
-            <a:ahLst/>
-            <a:cxnLst/>
-            <a:rect l="l" t="t" r="r" b="b"/>
+            <a:rect b="b" l="l" r="r" t="t"/>
             <a:pathLst>
-              <a:path w="120000" h="120000" extrusionOk="0">
+              <a:path extrusionOk="0" h="120000" w="120000">
                 <a:moveTo>
                   <a:pt x="0" y="0"/>
                 </a:moveTo>
@@ -1509,12 +1450,10 @@
       </p:sp>
       <p:sp>
         <p:nvSpPr>
-          <p:cNvPr id="142" name="Google Shape;142;gc6f9544c1_0_48:notes"/>
-          <p:cNvSpPr txBox="1">
-            <a:spLocks noGrp="1"/>
-          </p:cNvSpPr>
+          <p:cNvPr id="142" name="Google Shape;142;gc6f9544c1_0_44:notes"/>
+          <p:cNvSpPr txBox="1"/>
           <p:nvPr>
-            <p:ph type="body" idx="1"/>
+            <p:ph idx="1" type="body"/>
           </p:nvPr>
         </p:nvSpPr>
         <p:spPr>
@@ -1527,12 +1466,12 @@
           </a:prstGeom>
         </p:spPr>
         <p:txBody>
-          <a:bodyPr spcFirstLastPara="1" wrap="square" lIns="91425" tIns="91425" rIns="91425" bIns="91425" anchor="t" anchorCtr="0">
+          <a:bodyPr anchorCtr="0" anchor="t" bIns="91425" lIns="91425" spcFirstLastPara="1" rIns="91425" wrap="square" tIns="91425">
             <a:noAutofit/>
           </a:bodyPr>
           <a:lstStyle/>
           <a:p>
-            <a:pPr marL="0" lvl="0" indent="0" algn="l" rtl="0">
+            <a:pPr indent="0" lvl="0" marL="0" rtl="0" algn="l">
               <a:spcBef>
                 <a:spcPts val="0"/>
               </a:spcBef>
@@ -1541,6 +1480,108 @@
               </a:spcAft>
               <a:buNone/>
             </a:pPr>
+            <a:r>
+              <a:t/>
+            </a:r>
+            <a:endParaRPr/>
+          </a:p>
+        </p:txBody>
+      </p:sp>
+    </p:spTree>
+  </p:cSld>
+  <p:clrMapOvr>
+    <a:masterClrMapping/>
+  </p:clrMapOvr>
+</p:notes>
+</file>
+
+<file path=ppt/notesSlides/notesSlide9.xml><?xml version="1.0" encoding="utf-8"?>
+<p:notes xmlns:a="http://schemas.openxmlformats.org/drawingml/2006/main" xmlns:r="http://schemas.openxmlformats.org/officeDocument/2006/relationships" xmlns:mc="http://schemas.openxmlformats.org/markup-compatibility/2006" xmlns:mv="urn:schemas-microsoft-com:mac:vml" xmlns:p="http://schemas.openxmlformats.org/presentationml/2006/main" xmlns:c="http://schemas.openxmlformats.org/drawingml/2006/chart" xmlns:dgm="http://schemas.openxmlformats.org/drawingml/2006/diagram" xmlns:o="urn:schemas-microsoft-com:office:office" xmlns:v="urn:schemas-microsoft-com:vml" xmlns:pvml="urn:schemas-microsoft-com:office:powerpoint" xmlns:com="http://schemas.openxmlformats.org/drawingml/2006/compatibility" xmlns:p14="http://schemas.microsoft.com/office/powerpoint/2010/main" xmlns:p15="http://schemas.microsoft.com/office/powerpoint/2012/main" xmlns:ahyp="http://schemas.microsoft.com/office/drawing/2018/hyperlinkcolor" showMasterPhAnim="0" showMasterSp="0">
+  <p:cSld>
+    <p:spTree>
+      <p:nvGrpSpPr>
+        <p:cNvPr id="146" name="Shape 146"/>
+        <p:cNvGrpSpPr/>
+        <p:nvPr/>
+      </p:nvGrpSpPr>
+      <p:grpSpPr>
+        <a:xfrm>
+          <a:off x="0" y="0"/>
+          <a:ext cx="0" cy="0"/>
+          <a:chOff x="0" y="0"/>
+          <a:chExt cx="0" cy="0"/>
+        </a:xfrm>
+      </p:grpSpPr>
+      <p:sp>
+        <p:nvSpPr>
+          <p:cNvPr id="147" name="Google Shape;147;gc6f9544c1_0_48:notes"/>
+          <p:cNvSpPr/>
+          <p:nvPr>
+            <p:ph idx="2" type="sldImg"/>
+          </p:nvPr>
+        </p:nvSpPr>
+        <p:spPr>
+          <a:xfrm>
+            <a:off x="381188" y="685800"/>
+            <a:ext cx="6096300" cy="3429000"/>
+          </a:xfrm>
+          <a:custGeom>
+            <a:rect b="b" l="l" r="r" t="t"/>
+            <a:pathLst>
+              <a:path extrusionOk="0" h="120000" w="120000">
+                <a:moveTo>
+                  <a:pt x="0" y="0"/>
+                </a:moveTo>
+                <a:lnTo>
+                  <a:pt x="120000" y="0"/>
+                </a:lnTo>
+                <a:lnTo>
+                  <a:pt x="120000" y="120000"/>
+                </a:lnTo>
+                <a:lnTo>
+                  <a:pt x="0" y="120000"/>
+                </a:lnTo>
+                <a:close/>
+              </a:path>
+            </a:pathLst>
+          </a:custGeom>
+        </p:spPr>
+      </p:sp>
+      <p:sp>
+        <p:nvSpPr>
+          <p:cNvPr id="148" name="Google Shape;148;gc6f9544c1_0_48:notes"/>
+          <p:cNvSpPr txBox="1"/>
+          <p:nvPr>
+            <p:ph idx="1" type="body"/>
+          </p:nvPr>
+        </p:nvSpPr>
+        <p:spPr>
+          <a:xfrm>
+            <a:off x="685800" y="4343400"/>
+            <a:ext cx="5486400" cy="4114800"/>
+          </a:xfrm>
+          <a:prstGeom prst="rect">
+            <a:avLst/>
+          </a:prstGeom>
+        </p:spPr>
+        <p:txBody>
+          <a:bodyPr anchorCtr="0" anchor="t" bIns="91425" lIns="91425" spcFirstLastPara="1" rIns="91425" wrap="square" tIns="91425">
+            <a:noAutofit/>
+          </a:bodyPr>
+          <a:lstStyle/>
+          <a:p>
+            <a:pPr indent="0" lvl="0" marL="0" rtl="0" algn="l">
+              <a:spcBef>
+                <a:spcPts val="0"/>
+              </a:spcBef>
+              <a:spcAft>
+                <a:spcPts val="0"/>
+              </a:spcAft>
+              <a:buNone/>
+            </a:pPr>
+            <a:r>
+              <a:t/>
+            </a:r>
             <a:endParaRPr/>
           </a:p>
         </p:txBody>
@@ -1554,11 +1595,11 @@
 </file>
 
 <file path=ppt/slideLayouts/slideLayout1.xml><?xml version="1.0" encoding="utf-8"?>
-<p:sldLayout xmlns:a="http://schemas.openxmlformats.org/drawingml/2006/main" xmlns:r="http://schemas.openxmlformats.org/officeDocument/2006/relationships" xmlns:p="http://schemas.openxmlformats.org/presentationml/2006/main" matchingName="Title slide" type="title">
+<p:sldLayout xmlns:a="http://schemas.openxmlformats.org/drawingml/2006/main" xmlns:r="http://schemas.openxmlformats.org/officeDocument/2006/relationships" xmlns:mc="http://schemas.openxmlformats.org/markup-compatibility/2006" xmlns:mv="urn:schemas-microsoft-com:mac:vml" xmlns:p="http://schemas.openxmlformats.org/presentationml/2006/main" xmlns:c="http://schemas.openxmlformats.org/drawingml/2006/chart" xmlns:dgm="http://schemas.openxmlformats.org/drawingml/2006/diagram" xmlns:o="urn:schemas-microsoft-com:office:office" xmlns:v="urn:schemas-microsoft-com:vml" xmlns:pvml="urn:schemas-microsoft-com:office:powerpoint" xmlns:com="http://schemas.openxmlformats.org/drawingml/2006/compatibility" xmlns:p14="http://schemas.microsoft.com/office/powerpoint/2010/main" xmlns:p15="http://schemas.microsoft.com/office/powerpoint/2012/main" xmlns:ahyp="http://schemas.microsoft.com/office/drawing/2018/hyperlinkcolor" matchingName="Title slide" type="title">
   <p:cSld name="TITLE">
     <p:spTree>
       <p:nvGrpSpPr>
-        <p:cNvPr id="1" name="Shape 9"/>
+        <p:cNvPr id="9" name="Shape 9"/>
         <p:cNvGrpSpPr/>
         <p:nvPr/>
       </p:nvGrpSpPr>
@@ -1592,12 +1633,12 @@
           </a:ln>
         </p:spPr>
         <p:txBody>
-          <a:bodyPr spcFirstLastPara="1" wrap="square" lIns="91425" tIns="91425" rIns="91425" bIns="91425" anchor="ctr" anchorCtr="0">
+          <a:bodyPr anchorCtr="0" anchor="ctr" bIns="91425" lIns="91425" spcFirstLastPara="1" rIns="91425" wrap="square" tIns="91425">
             <a:noAutofit/>
           </a:bodyPr>
           <a:lstStyle/>
           <a:p>
-            <a:pPr marL="0" lvl="0" indent="0" algn="l" rtl="0">
+            <a:pPr indent="0" lvl="0" marL="0" rtl="0" algn="l">
               <a:spcBef>
                 <a:spcPts val="0"/>
               </a:spcBef>
@@ -1606,6 +1647,9 @@
               </a:spcAft>
               <a:buNone/>
             </a:pPr>
+            <a:r>
+              <a:t/>
+            </a:r>
             <a:endParaRPr/>
           </a:p>
         </p:txBody>
@@ -1613,9 +1657,7 @@
       <p:sp>
         <p:nvSpPr>
           <p:cNvPr id="11" name="Google Shape;11;p2"/>
-          <p:cNvSpPr txBox="1">
-            <a:spLocks noGrp="1"/>
-          </p:cNvSpPr>
+          <p:cNvSpPr txBox="1"/>
           <p:nvPr>
             <p:ph type="ctrTitle"/>
           </p:nvPr>
@@ -1630,7 +1672,7 @@
           </a:prstGeom>
         </p:spPr>
         <p:txBody>
-          <a:bodyPr spcFirstLastPara="1" wrap="square" lIns="91425" tIns="91425" rIns="91425" bIns="91425" anchor="b" anchorCtr="0">
+          <a:bodyPr anchorCtr="0" anchor="b" bIns="91425" lIns="91425" spcFirstLastPara="1" rIns="91425" wrap="square" tIns="91425">
             <a:noAutofit/>
           </a:bodyPr>
           <a:lstStyle>
@@ -1734,19 +1776,15 @@
               <a:defRPr sz="4200"/>
             </a:lvl9pPr>
           </a:lstStyle>
-          <a:p>
-            <a:endParaRPr/>
-          </a:p>
+          <a:p/>
         </p:txBody>
       </p:sp>
       <p:sp>
         <p:nvSpPr>
           <p:cNvPr id="12" name="Google Shape;12;p2"/>
-          <p:cNvSpPr txBox="1">
-            <a:spLocks noGrp="1"/>
-          </p:cNvSpPr>
+          <p:cNvSpPr txBox="1"/>
           <p:nvPr>
-            <p:ph type="subTitle" idx="1"/>
+            <p:ph idx="1" type="subTitle"/>
           </p:nvPr>
         </p:nvSpPr>
         <p:spPr>
@@ -1759,7 +1797,7 @@
           </a:prstGeom>
         </p:spPr>
         <p:txBody>
-          <a:bodyPr spcFirstLastPara="1" wrap="square" lIns="91425" tIns="91425" rIns="91425" bIns="91425" anchor="t" anchorCtr="0">
+          <a:bodyPr anchorCtr="0" anchor="t" bIns="91425" lIns="91425" spcFirstLastPara="1" rIns="91425" wrap="square" tIns="91425">
             <a:noAutofit/>
           </a:bodyPr>
           <a:lstStyle>
@@ -1890,19 +1928,15 @@
               <a:defRPr sz="2400"/>
             </a:lvl9pPr>
           </a:lstStyle>
-          <a:p>
-            <a:endParaRPr/>
-          </a:p>
+          <a:p/>
         </p:txBody>
       </p:sp>
       <p:sp>
         <p:nvSpPr>
           <p:cNvPr id="13" name="Google Shape;13;p2"/>
-          <p:cNvSpPr txBox="1">
-            <a:spLocks noGrp="1"/>
-          </p:cNvSpPr>
+          <p:cNvSpPr txBox="1"/>
           <p:nvPr>
-            <p:ph type="sldNum" idx="12"/>
+            <p:ph idx="12" type="sldNum"/>
           </p:nvPr>
         </p:nvSpPr>
         <p:spPr>
@@ -1915,7 +1949,7 @@
           </a:prstGeom>
         </p:spPr>
         <p:txBody>
-          <a:bodyPr spcFirstLastPara="1" wrap="square" lIns="91425" tIns="91425" rIns="91425" bIns="91425" anchor="ctr" anchorCtr="0">
+          <a:bodyPr anchorCtr="0" anchor="ctr" bIns="91425" lIns="91425" spcFirstLastPara="1" rIns="91425" wrap="square" tIns="91425">
             <a:noAutofit/>
           </a:bodyPr>
           <a:lstStyle>
@@ -1993,7 +2027,7 @@
             </a:lvl9pPr>
           </a:lstStyle>
           <a:p>
-            <a:pPr marL="0" lvl="0" indent="0" algn="r" rtl="0">
+            <a:pPr indent="0" lvl="0" marL="0" rtl="0" algn="r">
               <a:spcBef>
                 <a:spcPts val="0"/>
               </a:spcBef>
@@ -2004,7 +2038,7 @@
             </a:pPr>
             <a:fld id="{00000000-1234-1234-1234-123412341234}" type="slidenum">
               <a:rPr lang="es"/>
-              <a:t>‹Nº›</a:t>
+              <a:t>‹#›</a:t>
             </a:fld>
             <a:endParaRPr/>
           </a:p>
@@ -2019,11 +2053,11 @@
 </file>
 
 <file path=ppt/slideLayouts/slideLayout10.xml><?xml version="1.0" encoding="utf-8"?>
-<p:sldLayout xmlns:a="http://schemas.openxmlformats.org/drawingml/2006/main" xmlns:r="http://schemas.openxmlformats.org/officeDocument/2006/relationships" xmlns:p="http://schemas.openxmlformats.org/presentationml/2006/main" matchingName="Big number">
+<p:sldLayout xmlns:a="http://schemas.openxmlformats.org/drawingml/2006/main" xmlns:r="http://schemas.openxmlformats.org/officeDocument/2006/relationships" xmlns:mc="http://schemas.openxmlformats.org/markup-compatibility/2006" xmlns:mv="urn:schemas-microsoft-com:mac:vml" xmlns:p="http://schemas.openxmlformats.org/presentationml/2006/main" xmlns:c="http://schemas.openxmlformats.org/drawingml/2006/chart" xmlns:dgm="http://schemas.openxmlformats.org/drawingml/2006/diagram" xmlns:o="urn:schemas-microsoft-com:office:office" xmlns:v="urn:schemas-microsoft-com:vml" xmlns:pvml="urn:schemas-microsoft-com:office:powerpoint" xmlns:com="http://schemas.openxmlformats.org/drawingml/2006/compatibility" xmlns:p14="http://schemas.microsoft.com/office/powerpoint/2010/main" xmlns:p15="http://schemas.microsoft.com/office/powerpoint/2012/main" xmlns:ahyp="http://schemas.microsoft.com/office/drawing/2018/hyperlinkcolor" matchingName="Big number">
   <p:cSld name="BIG_NUMBER">
     <p:spTree>
       <p:nvGrpSpPr>
-        <p:cNvPr id="1" name="Shape 47"/>
+        <p:cNvPr id="47" name="Shape 47"/>
         <p:cNvGrpSpPr/>
         <p:nvPr/>
       </p:nvGrpSpPr>
@@ -2057,12 +2091,12 @@
           </a:ln>
         </p:spPr>
         <p:txBody>
-          <a:bodyPr spcFirstLastPara="1" wrap="square" lIns="91425" tIns="91425" rIns="91425" bIns="91425" anchor="ctr" anchorCtr="0">
+          <a:bodyPr anchorCtr="0" anchor="ctr" bIns="91425" lIns="91425" spcFirstLastPara="1" rIns="91425" wrap="square" tIns="91425">
             <a:noAutofit/>
           </a:bodyPr>
           <a:lstStyle/>
           <a:p>
-            <a:pPr marL="0" lvl="0" indent="0" algn="l" rtl="0">
+            <a:pPr indent="0" lvl="0" marL="0" rtl="0" algn="l">
               <a:spcBef>
                 <a:spcPts val="0"/>
               </a:spcBef>
@@ -2071,6 +2105,9 @@
               </a:spcAft>
               <a:buNone/>
             </a:pPr>
+            <a:r>
+              <a:t/>
+            </a:r>
             <a:endParaRPr/>
           </a:p>
         </p:txBody>
@@ -2078,11 +2115,9 @@
       <p:sp>
         <p:nvSpPr>
           <p:cNvPr id="49" name="Google Shape;49;p11"/>
-          <p:cNvSpPr txBox="1">
-            <a:spLocks noGrp="1"/>
-          </p:cNvSpPr>
+          <p:cNvSpPr txBox="1"/>
           <p:nvPr>
-            <p:ph type="title" hasCustomPrompt="1"/>
+            <p:ph hasCustomPrompt="1" type="title"/>
           </p:nvPr>
         </p:nvSpPr>
         <p:spPr>
@@ -2095,7 +2130,7 @@
           </a:prstGeom>
         </p:spPr>
         <p:txBody>
-          <a:bodyPr spcFirstLastPara="1" wrap="square" lIns="91425" tIns="91425" rIns="91425" bIns="91425" anchor="b" anchorCtr="0">
+          <a:bodyPr anchorCtr="0" anchor="b" bIns="91425" lIns="91425" spcFirstLastPara="1" rIns="91425" wrap="square" tIns="91425">
             <a:noAutofit/>
           </a:bodyPr>
           <a:lstStyle>
@@ -2263,11 +2298,9 @@
       <p:sp>
         <p:nvSpPr>
           <p:cNvPr id="50" name="Google Shape;50;p11"/>
-          <p:cNvSpPr txBox="1">
-            <a:spLocks noGrp="1"/>
-          </p:cNvSpPr>
+          <p:cNvSpPr txBox="1"/>
           <p:nvPr>
-            <p:ph type="body" idx="1"/>
+            <p:ph idx="1" type="body"/>
           </p:nvPr>
         </p:nvSpPr>
         <p:spPr>
@@ -2280,11 +2313,11 @@
           </a:prstGeom>
         </p:spPr>
         <p:txBody>
-          <a:bodyPr spcFirstLastPara="1" wrap="square" lIns="91425" tIns="91425" rIns="91425" bIns="91425" anchor="t" anchorCtr="0">
+          <a:bodyPr anchorCtr="0" anchor="t" bIns="91425" lIns="91425" spcFirstLastPara="1" rIns="91425" wrap="square" tIns="91425">
             <a:noAutofit/>
           </a:bodyPr>
           <a:lstStyle>
-            <a:lvl1pPr marL="457200" lvl="0" indent="-342900" algn="ctr">
+            <a:lvl1pPr indent="-342900" lvl="0" marL="457200" algn="ctr">
               <a:spcBef>
                 <a:spcPts val="0"/>
               </a:spcBef>
@@ -2302,7 +2335,7 @@
                 </a:solidFill>
               </a:defRPr>
             </a:lvl1pPr>
-            <a:lvl2pPr marL="914400" lvl="1" indent="-317500" algn="ctr">
+            <a:lvl2pPr indent="-317500" lvl="1" marL="914400" algn="ctr">
               <a:spcBef>
                 <a:spcPts val="1600"/>
               </a:spcBef>
@@ -2320,7 +2353,7 @@
                 </a:solidFill>
               </a:defRPr>
             </a:lvl2pPr>
-            <a:lvl3pPr marL="1371600" lvl="2" indent="-317500" algn="ctr">
+            <a:lvl3pPr indent="-317500" lvl="2" marL="1371600" algn="ctr">
               <a:spcBef>
                 <a:spcPts val="1600"/>
               </a:spcBef>
@@ -2338,7 +2371,7 @@
                 </a:solidFill>
               </a:defRPr>
             </a:lvl3pPr>
-            <a:lvl4pPr marL="1828800" lvl="3" indent="-317500" algn="ctr">
+            <a:lvl4pPr indent="-317500" lvl="3" marL="1828800" algn="ctr">
               <a:spcBef>
                 <a:spcPts val="1600"/>
               </a:spcBef>
@@ -2356,7 +2389,7 @@
                 </a:solidFill>
               </a:defRPr>
             </a:lvl4pPr>
-            <a:lvl5pPr marL="2286000" lvl="4" indent="-317500" algn="ctr">
+            <a:lvl5pPr indent="-317500" lvl="4" marL="2286000" algn="ctr">
               <a:spcBef>
                 <a:spcPts val="1600"/>
               </a:spcBef>
@@ -2374,7 +2407,7 @@
                 </a:solidFill>
               </a:defRPr>
             </a:lvl5pPr>
-            <a:lvl6pPr marL="2743200" lvl="5" indent="-317500" algn="ctr">
+            <a:lvl6pPr indent="-317500" lvl="5" marL="2743200" algn="ctr">
               <a:spcBef>
                 <a:spcPts val="1600"/>
               </a:spcBef>
@@ -2392,7 +2425,7 @@
                 </a:solidFill>
               </a:defRPr>
             </a:lvl6pPr>
-            <a:lvl7pPr marL="3200400" lvl="6" indent="-317500" algn="ctr">
+            <a:lvl7pPr indent="-317500" lvl="6" marL="3200400" algn="ctr">
               <a:spcBef>
                 <a:spcPts val="1600"/>
               </a:spcBef>
@@ -2410,7 +2443,7 @@
                 </a:solidFill>
               </a:defRPr>
             </a:lvl7pPr>
-            <a:lvl8pPr marL="3657600" lvl="7" indent="-317500" algn="ctr">
+            <a:lvl8pPr indent="-317500" lvl="7" marL="3657600" algn="ctr">
               <a:spcBef>
                 <a:spcPts val="1600"/>
               </a:spcBef>
@@ -2428,7 +2461,7 @@
                 </a:solidFill>
               </a:defRPr>
             </a:lvl8pPr>
-            <a:lvl9pPr marL="4114800" lvl="8" indent="-317500" algn="ctr">
+            <a:lvl9pPr indent="-317500" lvl="8" marL="4114800" algn="ctr">
               <a:spcBef>
                 <a:spcPts val="1600"/>
               </a:spcBef>
@@ -2447,19 +2480,15 @@
               </a:defRPr>
             </a:lvl9pPr>
           </a:lstStyle>
-          <a:p>
-            <a:endParaRPr/>
-          </a:p>
+          <a:p/>
         </p:txBody>
       </p:sp>
       <p:sp>
         <p:nvSpPr>
           <p:cNvPr id="51" name="Google Shape;51;p11"/>
-          <p:cNvSpPr txBox="1">
-            <a:spLocks noGrp="1"/>
-          </p:cNvSpPr>
+          <p:cNvSpPr txBox="1"/>
           <p:nvPr>
-            <p:ph type="sldNum" idx="12"/>
+            <p:ph idx="12" type="sldNum"/>
           </p:nvPr>
         </p:nvSpPr>
         <p:spPr>
@@ -2472,7 +2501,7 @@
           </a:prstGeom>
         </p:spPr>
         <p:txBody>
-          <a:bodyPr spcFirstLastPara="1" wrap="square" lIns="91425" tIns="91425" rIns="91425" bIns="91425" anchor="ctr" anchorCtr="0">
+          <a:bodyPr anchorCtr="0" anchor="ctr" bIns="91425" lIns="91425" spcFirstLastPara="1" rIns="91425" wrap="square" tIns="91425">
             <a:noAutofit/>
           </a:bodyPr>
           <a:lstStyle>
@@ -2550,7 +2579,7 @@
             </a:lvl9pPr>
           </a:lstStyle>
           <a:p>
-            <a:pPr marL="0" lvl="0" indent="0" algn="r" rtl="0">
+            <a:pPr indent="0" lvl="0" marL="0" rtl="0" algn="r">
               <a:spcBef>
                 <a:spcPts val="0"/>
               </a:spcBef>
@@ -2561,7 +2590,7 @@
             </a:pPr>
             <a:fld id="{00000000-1234-1234-1234-123412341234}" type="slidenum">
               <a:rPr lang="es"/>
-              <a:t>‹Nº›</a:t>
+              <a:t>‹#›</a:t>
             </a:fld>
             <a:endParaRPr/>
           </a:p>
@@ -2576,11 +2605,11 @@
 </file>
 
 <file path=ppt/slideLayouts/slideLayout11.xml><?xml version="1.0" encoding="utf-8"?>
-<p:sldLayout xmlns:a="http://schemas.openxmlformats.org/drawingml/2006/main" xmlns:r="http://schemas.openxmlformats.org/officeDocument/2006/relationships" xmlns:p="http://schemas.openxmlformats.org/presentationml/2006/main" matchingName="Blank" type="blank">
+<p:sldLayout xmlns:a="http://schemas.openxmlformats.org/drawingml/2006/main" xmlns:r="http://schemas.openxmlformats.org/officeDocument/2006/relationships" xmlns:mc="http://schemas.openxmlformats.org/markup-compatibility/2006" xmlns:mv="urn:schemas-microsoft-com:mac:vml" xmlns:p="http://schemas.openxmlformats.org/presentationml/2006/main" xmlns:c="http://schemas.openxmlformats.org/drawingml/2006/chart" xmlns:dgm="http://schemas.openxmlformats.org/drawingml/2006/diagram" xmlns:o="urn:schemas-microsoft-com:office:office" xmlns:v="urn:schemas-microsoft-com:vml" xmlns:pvml="urn:schemas-microsoft-com:office:powerpoint" xmlns:com="http://schemas.openxmlformats.org/drawingml/2006/compatibility" xmlns:p14="http://schemas.microsoft.com/office/powerpoint/2010/main" xmlns:p15="http://schemas.microsoft.com/office/powerpoint/2012/main" xmlns:ahyp="http://schemas.microsoft.com/office/drawing/2018/hyperlinkcolor" matchingName="Blank" type="blank">
   <p:cSld name="BLANK">
     <p:spTree>
       <p:nvGrpSpPr>
-        <p:cNvPr id="1" name="Shape 52"/>
+        <p:cNvPr id="52" name="Shape 52"/>
         <p:cNvGrpSpPr/>
         <p:nvPr/>
       </p:nvGrpSpPr>
@@ -2595,11 +2624,9 @@
       <p:sp>
         <p:nvSpPr>
           <p:cNvPr id="53" name="Google Shape;53;p12"/>
-          <p:cNvSpPr txBox="1">
-            <a:spLocks noGrp="1"/>
-          </p:cNvSpPr>
+          <p:cNvSpPr txBox="1"/>
           <p:nvPr>
-            <p:ph type="sldNum" idx="12"/>
+            <p:ph idx="12" type="sldNum"/>
           </p:nvPr>
         </p:nvSpPr>
         <p:spPr>
@@ -2612,7 +2639,7 @@
           </a:prstGeom>
         </p:spPr>
         <p:txBody>
-          <a:bodyPr spcFirstLastPara="1" wrap="square" lIns="91425" tIns="91425" rIns="91425" bIns="91425" anchor="ctr" anchorCtr="0">
+          <a:bodyPr anchorCtr="0" anchor="ctr" bIns="91425" lIns="91425" spcFirstLastPara="1" rIns="91425" wrap="square" tIns="91425">
             <a:noAutofit/>
           </a:bodyPr>
           <a:lstStyle>
@@ -2654,7 +2681,7 @@
             </a:lvl9pPr>
           </a:lstStyle>
           <a:p>
-            <a:pPr marL="0" lvl="0" indent="0" algn="r" rtl="0">
+            <a:pPr indent="0" lvl="0" marL="0" rtl="0" algn="r">
               <a:spcBef>
                 <a:spcPts val="0"/>
               </a:spcBef>
@@ -2665,7 +2692,7 @@
             </a:pPr>
             <a:fld id="{00000000-1234-1234-1234-123412341234}" type="slidenum">
               <a:rPr lang="es"/>
-              <a:t>‹Nº›</a:t>
+              <a:t>‹#›</a:t>
             </a:fld>
             <a:endParaRPr/>
           </a:p>
@@ -2680,11 +2707,11 @@
 </file>
 
 <file path=ppt/slideLayouts/slideLayout2.xml><?xml version="1.0" encoding="utf-8"?>
-<p:sldLayout xmlns:a="http://schemas.openxmlformats.org/drawingml/2006/main" xmlns:r="http://schemas.openxmlformats.org/officeDocument/2006/relationships" xmlns:p="http://schemas.openxmlformats.org/presentationml/2006/main" matchingName="Section header" type="secHead">
+<p:sldLayout xmlns:a="http://schemas.openxmlformats.org/drawingml/2006/main" xmlns:r="http://schemas.openxmlformats.org/officeDocument/2006/relationships" xmlns:mc="http://schemas.openxmlformats.org/markup-compatibility/2006" xmlns:mv="urn:schemas-microsoft-com:mac:vml" xmlns:p="http://schemas.openxmlformats.org/presentationml/2006/main" xmlns:c="http://schemas.openxmlformats.org/drawingml/2006/chart" xmlns:dgm="http://schemas.openxmlformats.org/drawingml/2006/diagram" xmlns:o="urn:schemas-microsoft-com:office:office" xmlns:v="urn:schemas-microsoft-com:vml" xmlns:pvml="urn:schemas-microsoft-com:office:powerpoint" xmlns:com="http://schemas.openxmlformats.org/drawingml/2006/compatibility" xmlns:p14="http://schemas.microsoft.com/office/powerpoint/2010/main" xmlns:p15="http://schemas.microsoft.com/office/powerpoint/2012/main" xmlns:ahyp="http://schemas.microsoft.com/office/drawing/2018/hyperlinkcolor" matchingName="Section header" type="secHead">
   <p:cSld name="SECTION_HEADER">
     <p:spTree>
       <p:nvGrpSpPr>
-        <p:cNvPr id="1" name="Shape 14"/>
+        <p:cNvPr id="14" name="Shape 14"/>
         <p:cNvGrpSpPr/>
         <p:nvPr/>
       </p:nvGrpSpPr>
@@ -2718,12 +2745,12 @@
           </a:ln>
         </p:spPr>
         <p:txBody>
-          <a:bodyPr spcFirstLastPara="1" wrap="square" lIns="91425" tIns="91425" rIns="91425" bIns="91425" anchor="ctr" anchorCtr="0">
+          <a:bodyPr anchorCtr="0" anchor="ctr" bIns="91425" lIns="91425" spcFirstLastPara="1" rIns="91425" wrap="square" tIns="91425">
             <a:noAutofit/>
           </a:bodyPr>
           <a:lstStyle/>
           <a:p>
-            <a:pPr marL="0" lvl="0" indent="0" algn="l" rtl="0">
+            <a:pPr indent="0" lvl="0" marL="0" rtl="0" algn="l">
               <a:spcBef>
                 <a:spcPts val="0"/>
               </a:spcBef>
@@ -2732,6 +2759,9 @@
               </a:spcAft>
               <a:buNone/>
             </a:pPr>
+            <a:r>
+              <a:t/>
+            </a:r>
             <a:endParaRPr/>
           </a:p>
         </p:txBody>
@@ -2739,9 +2769,7 @@
       <p:sp>
         <p:nvSpPr>
           <p:cNvPr id="16" name="Google Shape;16;p3"/>
-          <p:cNvSpPr txBox="1">
-            <a:spLocks noGrp="1"/>
-          </p:cNvSpPr>
+          <p:cNvSpPr txBox="1"/>
           <p:nvPr>
             <p:ph type="title"/>
           </p:nvPr>
@@ -2756,7 +2784,7 @@
           </a:prstGeom>
         </p:spPr>
         <p:txBody>
-          <a:bodyPr spcFirstLastPara="1" wrap="square" lIns="91425" tIns="91425" rIns="91425" bIns="91425" anchor="b" anchorCtr="0">
+          <a:bodyPr anchorCtr="0" anchor="b" bIns="91425" lIns="91425" spcFirstLastPara="1" rIns="91425" wrap="square" tIns="91425">
             <a:noAutofit/>
           </a:bodyPr>
           <a:lstStyle>
@@ -2860,19 +2888,15 @@
               <a:defRPr sz="3600"/>
             </a:lvl9pPr>
           </a:lstStyle>
-          <a:p>
-            <a:endParaRPr/>
-          </a:p>
+          <a:p/>
         </p:txBody>
       </p:sp>
       <p:sp>
         <p:nvSpPr>
           <p:cNvPr id="17" name="Google Shape;17;p3"/>
-          <p:cNvSpPr txBox="1">
-            <a:spLocks noGrp="1"/>
-          </p:cNvSpPr>
+          <p:cNvSpPr txBox="1"/>
           <p:nvPr>
-            <p:ph type="sldNum" idx="12"/>
+            <p:ph idx="12" type="sldNum"/>
           </p:nvPr>
         </p:nvSpPr>
         <p:spPr>
@@ -2885,7 +2909,7 @@
           </a:prstGeom>
         </p:spPr>
         <p:txBody>
-          <a:bodyPr spcFirstLastPara="1" wrap="square" lIns="91425" tIns="91425" rIns="91425" bIns="91425" anchor="ctr" anchorCtr="0">
+          <a:bodyPr anchorCtr="0" anchor="ctr" bIns="91425" lIns="91425" spcFirstLastPara="1" rIns="91425" wrap="square" tIns="91425">
             <a:noAutofit/>
           </a:bodyPr>
           <a:lstStyle>
@@ -2963,7 +2987,7 @@
             </a:lvl9pPr>
           </a:lstStyle>
           <a:p>
-            <a:pPr marL="0" lvl="0" indent="0" algn="r" rtl="0">
+            <a:pPr indent="0" lvl="0" marL="0" rtl="0" algn="r">
               <a:spcBef>
                 <a:spcPts val="0"/>
               </a:spcBef>
@@ -2974,7 +2998,7 @@
             </a:pPr>
             <a:fld id="{00000000-1234-1234-1234-123412341234}" type="slidenum">
               <a:rPr lang="es"/>
-              <a:t>‹Nº›</a:t>
+              <a:t>‹#›</a:t>
             </a:fld>
             <a:endParaRPr/>
           </a:p>
@@ -2989,11 +3013,11 @@
 </file>
 
 <file path=ppt/slideLayouts/slideLayout3.xml><?xml version="1.0" encoding="utf-8"?>
-<p:sldLayout xmlns:a="http://schemas.openxmlformats.org/drawingml/2006/main" xmlns:r="http://schemas.openxmlformats.org/officeDocument/2006/relationships" xmlns:p="http://schemas.openxmlformats.org/presentationml/2006/main" matchingName="Title and body" type="tx">
+<p:sldLayout xmlns:a="http://schemas.openxmlformats.org/drawingml/2006/main" xmlns:r="http://schemas.openxmlformats.org/officeDocument/2006/relationships" xmlns:mc="http://schemas.openxmlformats.org/markup-compatibility/2006" xmlns:mv="urn:schemas-microsoft-com:mac:vml" xmlns:p="http://schemas.openxmlformats.org/presentationml/2006/main" xmlns:c="http://schemas.openxmlformats.org/drawingml/2006/chart" xmlns:dgm="http://schemas.openxmlformats.org/drawingml/2006/diagram" xmlns:o="urn:schemas-microsoft-com:office:office" xmlns:v="urn:schemas-microsoft-com:vml" xmlns:pvml="urn:schemas-microsoft-com:office:powerpoint" xmlns:com="http://schemas.openxmlformats.org/drawingml/2006/compatibility" xmlns:p14="http://schemas.microsoft.com/office/powerpoint/2010/main" xmlns:p15="http://schemas.microsoft.com/office/powerpoint/2012/main" xmlns:ahyp="http://schemas.microsoft.com/office/drawing/2018/hyperlinkcolor" matchingName="Title and body" type="tx">
   <p:cSld name="TITLE_AND_BODY">
     <p:spTree>
       <p:nvGrpSpPr>
-        <p:cNvPr id="1" name="Shape 18"/>
+        <p:cNvPr id="18" name="Shape 18"/>
         <p:cNvGrpSpPr/>
         <p:nvPr/>
       </p:nvGrpSpPr>
@@ -3008,9 +3032,7 @@
       <p:sp>
         <p:nvSpPr>
           <p:cNvPr id="19" name="Google Shape;19;p4"/>
-          <p:cNvSpPr txBox="1">
-            <a:spLocks noGrp="1"/>
-          </p:cNvSpPr>
+          <p:cNvSpPr txBox="1"/>
           <p:nvPr>
             <p:ph type="title"/>
           </p:nvPr>
@@ -3025,7 +3047,7 @@
           </a:prstGeom>
         </p:spPr>
         <p:txBody>
-          <a:bodyPr spcFirstLastPara="1" wrap="square" lIns="91425" tIns="91425" rIns="91425" bIns="91425" anchor="t" anchorCtr="0">
+          <a:bodyPr anchorCtr="0" anchor="t" bIns="91425" lIns="91425" spcFirstLastPara="1" rIns="91425" wrap="square" tIns="91425">
             <a:noAutofit/>
           </a:bodyPr>
           <a:lstStyle>
@@ -3129,19 +3151,15 @@
               <a:defRPr/>
             </a:lvl9pPr>
           </a:lstStyle>
-          <a:p>
-            <a:endParaRPr/>
-          </a:p>
+          <a:p/>
         </p:txBody>
       </p:sp>
       <p:sp>
         <p:nvSpPr>
           <p:cNvPr id="20" name="Google Shape;20;p4"/>
-          <p:cNvSpPr txBox="1">
-            <a:spLocks noGrp="1"/>
-          </p:cNvSpPr>
+          <p:cNvSpPr txBox="1"/>
           <p:nvPr>
-            <p:ph type="body" idx="1"/>
+            <p:ph idx="1" type="body"/>
           </p:nvPr>
         </p:nvSpPr>
         <p:spPr>
@@ -3154,11 +3172,11 @@
           </a:prstGeom>
         </p:spPr>
         <p:txBody>
-          <a:bodyPr spcFirstLastPara="1" wrap="square" lIns="91425" tIns="91425" rIns="91425" bIns="91425" anchor="t" anchorCtr="0">
+          <a:bodyPr anchorCtr="0" anchor="t" bIns="91425" lIns="91425" spcFirstLastPara="1" rIns="91425" wrap="square" tIns="91425">
             <a:noAutofit/>
           </a:bodyPr>
           <a:lstStyle>
-            <a:lvl1pPr marL="457200" lvl="0" indent="-342900">
+            <a:lvl1pPr indent="-342900" lvl="0" marL="457200">
               <a:spcBef>
                 <a:spcPts val="0"/>
               </a:spcBef>
@@ -3169,7 +3187,7 @@
               <a:buChar char="●"/>
               <a:defRPr/>
             </a:lvl1pPr>
-            <a:lvl2pPr marL="914400" lvl="1" indent="-317500">
+            <a:lvl2pPr indent="-317500" lvl="1" marL="914400">
               <a:spcBef>
                 <a:spcPts val="1600"/>
               </a:spcBef>
@@ -3180,7 +3198,7 @@
               <a:buChar char="○"/>
               <a:defRPr/>
             </a:lvl2pPr>
-            <a:lvl3pPr marL="1371600" lvl="2" indent="-317500">
+            <a:lvl3pPr indent="-317500" lvl="2" marL="1371600">
               <a:spcBef>
                 <a:spcPts val="1600"/>
               </a:spcBef>
@@ -3191,7 +3209,7 @@
               <a:buChar char="■"/>
               <a:defRPr/>
             </a:lvl3pPr>
-            <a:lvl4pPr marL="1828800" lvl="3" indent="-317500">
+            <a:lvl4pPr indent="-317500" lvl="3" marL="1828800">
               <a:spcBef>
                 <a:spcPts val="1600"/>
               </a:spcBef>
@@ -3202,7 +3220,7 @@
               <a:buChar char="●"/>
               <a:defRPr/>
             </a:lvl4pPr>
-            <a:lvl5pPr marL="2286000" lvl="4" indent="-317500">
+            <a:lvl5pPr indent="-317500" lvl="4" marL="2286000">
               <a:spcBef>
                 <a:spcPts val="1600"/>
               </a:spcBef>
@@ -3213,7 +3231,7 @@
               <a:buChar char="○"/>
               <a:defRPr/>
             </a:lvl5pPr>
-            <a:lvl6pPr marL="2743200" lvl="5" indent="-317500">
+            <a:lvl6pPr indent="-317500" lvl="5" marL="2743200">
               <a:spcBef>
                 <a:spcPts val="1600"/>
               </a:spcBef>
@@ -3224,7 +3242,7 @@
               <a:buChar char="■"/>
               <a:defRPr/>
             </a:lvl6pPr>
-            <a:lvl7pPr marL="3200400" lvl="6" indent="-317500">
+            <a:lvl7pPr indent="-317500" lvl="6" marL="3200400">
               <a:spcBef>
                 <a:spcPts val="1600"/>
               </a:spcBef>
@@ -3235,7 +3253,7 @@
               <a:buChar char="●"/>
               <a:defRPr/>
             </a:lvl7pPr>
-            <a:lvl8pPr marL="3657600" lvl="7" indent="-317500">
+            <a:lvl8pPr indent="-317500" lvl="7" marL="3657600">
               <a:spcBef>
                 <a:spcPts val="1600"/>
               </a:spcBef>
@@ -3246,7 +3264,7 @@
               <a:buChar char="○"/>
               <a:defRPr/>
             </a:lvl8pPr>
-            <a:lvl9pPr marL="4114800" lvl="8" indent="-317500">
+            <a:lvl9pPr indent="-317500" lvl="8" marL="4114800">
               <a:spcBef>
                 <a:spcPts val="1600"/>
               </a:spcBef>
@@ -3258,19 +3276,15 @@
               <a:defRPr/>
             </a:lvl9pPr>
           </a:lstStyle>
-          <a:p>
-            <a:endParaRPr/>
-          </a:p>
+          <a:p/>
         </p:txBody>
       </p:sp>
       <p:sp>
         <p:nvSpPr>
           <p:cNvPr id="21" name="Google Shape;21;p4"/>
-          <p:cNvSpPr txBox="1">
-            <a:spLocks noGrp="1"/>
-          </p:cNvSpPr>
+          <p:cNvSpPr txBox="1"/>
           <p:nvPr>
-            <p:ph type="sldNum" idx="12"/>
+            <p:ph idx="12" type="sldNum"/>
           </p:nvPr>
         </p:nvSpPr>
         <p:spPr>
@@ -3283,7 +3297,7 @@
           </a:prstGeom>
         </p:spPr>
         <p:txBody>
-          <a:bodyPr spcFirstLastPara="1" wrap="square" lIns="91425" tIns="91425" rIns="91425" bIns="91425" anchor="ctr" anchorCtr="0">
+          <a:bodyPr anchorCtr="0" anchor="ctr" bIns="91425" lIns="91425" spcFirstLastPara="1" rIns="91425" wrap="square" tIns="91425">
             <a:noAutofit/>
           </a:bodyPr>
           <a:lstStyle>
@@ -3325,7 +3339,7 @@
             </a:lvl9pPr>
           </a:lstStyle>
           <a:p>
-            <a:pPr marL="0" lvl="0" indent="0" algn="r" rtl="0">
+            <a:pPr indent="0" lvl="0" marL="0" rtl="0" algn="r">
               <a:spcBef>
                 <a:spcPts val="0"/>
               </a:spcBef>
@@ -3336,7 +3350,7 @@
             </a:pPr>
             <a:fld id="{00000000-1234-1234-1234-123412341234}" type="slidenum">
               <a:rPr lang="es"/>
-              <a:t>‹Nº›</a:t>
+              <a:t>‹#›</a:t>
             </a:fld>
             <a:endParaRPr/>
           </a:p>
@@ -3351,11 +3365,11 @@
 </file>
 
 <file path=ppt/slideLayouts/slideLayout4.xml><?xml version="1.0" encoding="utf-8"?>
-<p:sldLayout xmlns:a="http://schemas.openxmlformats.org/drawingml/2006/main" xmlns:r="http://schemas.openxmlformats.org/officeDocument/2006/relationships" xmlns:p="http://schemas.openxmlformats.org/presentationml/2006/main" matchingName="Title and two columns" type="twoColTx">
+<p:sldLayout xmlns:a="http://schemas.openxmlformats.org/drawingml/2006/main" xmlns:r="http://schemas.openxmlformats.org/officeDocument/2006/relationships" xmlns:mc="http://schemas.openxmlformats.org/markup-compatibility/2006" xmlns:mv="urn:schemas-microsoft-com:mac:vml" xmlns:p="http://schemas.openxmlformats.org/presentationml/2006/main" xmlns:c="http://schemas.openxmlformats.org/drawingml/2006/chart" xmlns:dgm="http://schemas.openxmlformats.org/drawingml/2006/diagram" xmlns:o="urn:schemas-microsoft-com:office:office" xmlns:v="urn:schemas-microsoft-com:vml" xmlns:pvml="urn:schemas-microsoft-com:office:powerpoint" xmlns:com="http://schemas.openxmlformats.org/drawingml/2006/compatibility" xmlns:p14="http://schemas.microsoft.com/office/powerpoint/2010/main" xmlns:p15="http://schemas.microsoft.com/office/powerpoint/2012/main" xmlns:ahyp="http://schemas.microsoft.com/office/drawing/2018/hyperlinkcolor" matchingName="Title and two columns" type="twoColTx">
   <p:cSld name="TITLE_AND_TWO_COLUMNS">
     <p:spTree>
       <p:nvGrpSpPr>
-        <p:cNvPr id="1" name="Shape 22"/>
+        <p:cNvPr id="22" name="Shape 22"/>
         <p:cNvGrpSpPr/>
         <p:nvPr/>
       </p:nvGrpSpPr>
@@ -3370,9 +3384,7 @@
       <p:sp>
         <p:nvSpPr>
           <p:cNvPr id="23" name="Google Shape;23;p5"/>
-          <p:cNvSpPr txBox="1">
-            <a:spLocks noGrp="1"/>
-          </p:cNvSpPr>
+          <p:cNvSpPr txBox="1"/>
           <p:nvPr>
             <p:ph type="title"/>
           </p:nvPr>
@@ -3387,7 +3399,7 @@
           </a:prstGeom>
         </p:spPr>
         <p:txBody>
-          <a:bodyPr spcFirstLastPara="1" wrap="square" lIns="91425" tIns="91425" rIns="91425" bIns="91425" anchor="t" anchorCtr="0">
+          <a:bodyPr anchorCtr="0" anchor="t" bIns="91425" lIns="91425" spcFirstLastPara="1" rIns="91425" wrap="square" tIns="91425">
             <a:noAutofit/>
           </a:bodyPr>
           <a:lstStyle>
@@ -3491,19 +3503,15 @@
               <a:defRPr/>
             </a:lvl9pPr>
           </a:lstStyle>
-          <a:p>
-            <a:endParaRPr/>
-          </a:p>
+          <a:p/>
         </p:txBody>
       </p:sp>
       <p:sp>
         <p:nvSpPr>
           <p:cNvPr id="24" name="Google Shape;24;p5"/>
-          <p:cNvSpPr txBox="1">
-            <a:spLocks noGrp="1"/>
-          </p:cNvSpPr>
+          <p:cNvSpPr txBox="1"/>
           <p:nvPr>
-            <p:ph type="body" idx="1"/>
+            <p:ph idx="1" type="body"/>
           </p:nvPr>
         </p:nvSpPr>
         <p:spPr>
@@ -3516,11 +3524,11 @@
           </a:prstGeom>
         </p:spPr>
         <p:txBody>
-          <a:bodyPr spcFirstLastPara="1" wrap="square" lIns="91425" tIns="91425" rIns="91425" bIns="91425" anchor="t" anchorCtr="0">
+          <a:bodyPr anchorCtr="0" anchor="t" bIns="91425" lIns="91425" spcFirstLastPara="1" rIns="91425" wrap="square" tIns="91425">
             <a:noAutofit/>
           </a:bodyPr>
           <a:lstStyle>
-            <a:lvl1pPr marL="457200" lvl="0" indent="-317500">
+            <a:lvl1pPr indent="-317500" lvl="0" marL="457200">
               <a:spcBef>
                 <a:spcPts val="0"/>
               </a:spcBef>
@@ -3531,7 +3539,7 @@
               <a:buChar char="●"/>
               <a:defRPr sz="1400"/>
             </a:lvl1pPr>
-            <a:lvl2pPr marL="914400" lvl="1" indent="-304800">
+            <a:lvl2pPr indent="-304800" lvl="1" marL="914400">
               <a:spcBef>
                 <a:spcPts val="1600"/>
               </a:spcBef>
@@ -3542,7 +3550,7 @@
               <a:buChar char="○"/>
               <a:defRPr sz="1200"/>
             </a:lvl2pPr>
-            <a:lvl3pPr marL="1371600" lvl="2" indent="-304800">
+            <a:lvl3pPr indent="-304800" lvl="2" marL="1371600">
               <a:spcBef>
                 <a:spcPts val="1600"/>
               </a:spcBef>
@@ -3553,7 +3561,7 @@
               <a:buChar char="■"/>
               <a:defRPr sz="1200"/>
             </a:lvl3pPr>
-            <a:lvl4pPr marL="1828800" lvl="3" indent="-304800">
+            <a:lvl4pPr indent="-304800" lvl="3" marL="1828800">
               <a:spcBef>
                 <a:spcPts val="1600"/>
               </a:spcBef>
@@ -3564,7 +3572,7 @@
               <a:buChar char="●"/>
               <a:defRPr sz="1200"/>
             </a:lvl4pPr>
-            <a:lvl5pPr marL="2286000" lvl="4" indent="-304800">
+            <a:lvl5pPr indent="-304800" lvl="4" marL="2286000">
               <a:spcBef>
                 <a:spcPts val="1600"/>
               </a:spcBef>
@@ -3575,7 +3583,7 @@
               <a:buChar char="○"/>
               <a:defRPr sz="1200"/>
             </a:lvl5pPr>
-            <a:lvl6pPr marL="2743200" lvl="5" indent="-304800">
+            <a:lvl6pPr indent="-304800" lvl="5" marL="2743200">
               <a:spcBef>
                 <a:spcPts val="1600"/>
               </a:spcBef>
@@ -3586,7 +3594,7 @@
               <a:buChar char="■"/>
               <a:defRPr sz="1200"/>
             </a:lvl6pPr>
-            <a:lvl7pPr marL="3200400" lvl="6" indent="-304800">
+            <a:lvl7pPr indent="-304800" lvl="6" marL="3200400">
               <a:spcBef>
                 <a:spcPts val="1600"/>
               </a:spcBef>
@@ -3597,7 +3605,7 @@
               <a:buChar char="●"/>
               <a:defRPr sz="1200"/>
             </a:lvl7pPr>
-            <a:lvl8pPr marL="3657600" lvl="7" indent="-304800">
+            <a:lvl8pPr indent="-304800" lvl="7" marL="3657600">
               <a:spcBef>
                 <a:spcPts val="1600"/>
               </a:spcBef>
@@ -3608,7 +3616,7 @@
               <a:buChar char="○"/>
               <a:defRPr sz="1200"/>
             </a:lvl8pPr>
-            <a:lvl9pPr marL="4114800" lvl="8" indent="-304800">
+            <a:lvl9pPr indent="-304800" lvl="8" marL="4114800">
               <a:spcBef>
                 <a:spcPts val="1600"/>
               </a:spcBef>
@@ -3620,19 +3628,15 @@
               <a:defRPr sz="1200"/>
             </a:lvl9pPr>
           </a:lstStyle>
-          <a:p>
-            <a:endParaRPr/>
-          </a:p>
+          <a:p/>
         </p:txBody>
       </p:sp>
       <p:sp>
         <p:nvSpPr>
           <p:cNvPr id="25" name="Google Shape;25;p5"/>
-          <p:cNvSpPr txBox="1">
-            <a:spLocks noGrp="1"/>
-          </p:cNvSpPr>
+          <p:cNvSpPr txBox="1"/>
           <p:nvPr>
-            <p:ph type="body" idx="2"/>
+            <p:ph idx="2" type="body"/>
           </p:nvPr>
         </p:nvSpPr>
         <p:spPr>
@@ -3645,11 +3649,11 @@
           </a:prstGeom>
         </p:spPr>
         <p:txBody>
-          <a:bodyPr spcFirstLastPara="1" wrap="square" lIns="91425" tIns="91425" rIns="91425" bIns="91425" anchor="t" anchorCtr="0">
+          <a:bodyPr anchorCtr="0" anchor="t" bIns="91425" lIns="91425" spcFirstLastPara="1" rIns="91425" wrap="square" tIns="91425">
             <a:noAutofit/>
           </a:bodyPr>
           <a:lstStyle>
-            <a:lvl1pPr marL="457200" lvl="0" indent="-317500">
+            <a:lvl1pPr indent="-317500" lvl="0" marL="457200">
               <a:spcBef>
                 <a:spcPts val="0"/>
               </a:spcBef>
@@ -3660,7 +3664,7 @@
               <a:buChar char="●"/>
               <a:defRPr sz="1400"/>
             </a:lvl1pPr>
-            <a:lvl2pPr marL="914400" lvl="1" indent="-304800">
+            <a:lvl2pPr indent="-304800" lvl="1" marL="914400">
               <a:spcBef>
                 <a:spcPts val="1600"/>
               </a:spcBef>
@@ -3671,7 +3675,7 @@
               <a:buChar char="○"/>
               <a:defRPr sz="1200"/>
             </a:lvl2pPr>
-            <a:lvl3pPr marL="1371600" lvl="2" indent="-304800">
+            <a:lvl3pPr indent="-304800" lvl="2" marL="1371600">
               <a:spcBef>
                 <a:spcPts val="1600"/>
               </a:spcBef>
@@ -3682,7 +3686,7 @@
               <a:buChar char="■"/>
               <a:defRPr sz="1200"/>
             </a:lvl3pPr>
-            <a:lvl4pPr marL="1828800" lvl="3" indent="-304800">
+            <a:lvl4pPr indent="-304800" lvl="3" marL="1828800">
               <a:spcBef>
                 <a:spcPts val="1600"/>
               </a:spcBef>
@@ -3693,7 +3697,7 @@
               <a:buChar char="●"/>
               <a:defRPr sz="1200"/>
             </a:lvl4pPr>
-            <a:lvl5pPr marL="2286000" lvl="4" indent="-304800">
+            <a:lvl5pPr indent="-304800" lvl="4" marL="2286000">
               <a:spcBef>
                 <a:spcPts val="1600"/>
               </a:spcBef>
@@ -3704,7 +3708,7 @@
               <a:buChar char="○"/>
               <a:defRPr sz="1200"/>
             </a:lvl5pPr>
-            <a:lvl6pPr marL="2743200" lvl="5" indent="-304800">
+            <a:lvl6pPr indent="-304800" lvl="5" marL="2743200">
               <a:spcBef>
                 <a:spcPts val="1600"/>
               </a:spcBef>
@@ -3715,7 +3719,7 @@
               <a:buChar char="■"/>
               <a:defRPr sz="1200"/>
             </a:lvl6pPr>
-            <a:lvl7pPr marL="3200400" lvl="6" indent="-304800">
+            <a:lvl7pPr indent="-304800" lvl="6" marL="3200400">
               <a:spcBef>
                 <a:spcPts val="1600"/>
               </a:spcBef>
@@ -3726,7 +3730,7 @@
               <a:buChar char="●"/>
               <a:defRPr sz="1200"/>
             </a:lvl7pPr>
-            <a:lvl8pPr marL="3657600" lvl="7" indent="-304800">
+            <a:lvl8pPr indent="-304800" lvl="7" marL="3657600">
               <a:spcBef>
                 <a:spcPts val="1600"/>
               </a:spcBef>
@@ -3737,7 +3741,7 @@
               <a:buChar char="○"/>
               <a:defRPr sz="1200"/>
             </a:lvl8pPr>
-            <a:lvl9pPr marL="4114800" lvl="8" indent="-304800">
+            <a:lvl9pPr indent="-304800" lvl="8" marL="4114800">
               <a:spcBef>
                 <a:spcPts val="1600"/>
               </a:spcBef>
@@ -3749,19 +3753,15 @@
               <a:defRPr sz="1200"/>
             </a:lvl9pPr>
           </a:lstStyle>
-          <a:p>
-            <a:endParaRPr/>
-          </a:p>
+          <a:p/>
         </p:txBody>
       </p:sp>
       <p:sp>
         <p:nvSpPr>
           <p:cNvPr id="26" name="Google Shape;26;p5"/>
-          <p:cNvSpPr txBox="1">
-            <a:spLocks noGrp="1"/>
-          </p:cNvSpPr>
+          <p:cNvSpPr txBox="1"/>
           <p:nvPr>
-            <p:ph type="sldNum" idx="12"/>
+            <p:ph idx="12" type="sldNum"/>
           </p:nvPr>
         </p:nvSpPr>
         <p:spPr>
@@ -3774,7 +3774,7 @@
           </a:prstGeom>
         </p:spPr>
         <p:txBody>
-          <a:bodyPr spcFirstLastPara="1" wrap="square" lIns="91425" tIns="91425" rIns="91425" bIns="91425" anchor="ctr" anchorCtr="0">
+          <a:bodyPr anchorCtr="0" anchor="ctr" bIns="91425" lIns="91425" spcFirstLastPara="1" rIns="91425" wrap="square" tIns="91425">
             <a:noAutofit/>
           </a:bodyPr>
           <a:lstStyle>
@@ -3816,7 +3816,7 @@
             </a:lvl9pPr>
           </a:lstStyle>
           <a:p>
-            <a:pPr marL="0" lvl="0" indent="0" algn="r" rtl="0">
+            <a:pPr indent="0" lvl="0" marL="0" rtl="0" algn="r">
               <a:spcBef>
                 <a:spcPts val="0"/>
               </a:spcBef>
@@ -3827,7 +3827,7 @@
             </a:pPr>
             <a:fld id="{00000000-1234-1234-1234-123412341234}" type="slidenum">
               <a:rPr lang="es"/>
-              <a:t>‹Nº›</a:t>
+              <a:t>‹#›</a:t>
             </a:fld>
             <a:endParaRPr/>
           </a:p>
@@ -3842,11 +3842,11 @@
 </file>
 
 <file path=ppt/slideLayouts/slideLayout5.xml><?xml version="1.0" encoding="utf-8"?>
-<p:sldLayout xmlns:a="http://schemas.openxmlformats.org/drawingml/2006/main" xmlns:r="http://schemas.openxmlformats.org/officeDocument/2006/relationships" xmlns:p="http://schemas.openxmlformats.org/presentationml/2006/main" matchingName="Title only" type="titleOnly">
+<p:sldLayout xmlns:a="http://schemas.openxmlformats.org/drawingml/2006/main" xmlns:r="http://schemas.openxmlformats.org/officeDocument/2006/relationships" xmlns:mc="http://schemas.openxmlformats.org/markup-compatibility/2006" xmlns:mv="urn:schemas-microsoft-com:mac:vml" xmlns:p="http://schemas.openxmlformats.org/presentationml/2006/main" xmlns:c="http://schemas.openxmlformats.org/drawingml/2006/chart" xmlns:dgm="http://schemas.openxmlformats.org/drawingml/2006/diagram" xmlns:o="urn:schemas-microsoft-com:office:office" xmlns:v="urn:schemas-microsoft-com:vml" xmlns:pvml="urn:schemas-microsoft-com:office:powerpoint" xmlns:com="http://schemas.openxmlformats.org/drawingml/2006/compatibility" xmlns:p14="http://schemas.microsoft.com/office/powerpoint/2010/main" xmlns:p15="http://schemas.microsoft.com/office/powerpoint/2012/main" xmlns:ahyp="http://schemas.microsoft.com/office/drawing/2018/hyperlinkcolor" matchingName="Title only" type="titleOnly">
   <p:cSld name="TITLE_ONLY">
     <p:spTree>
       <p:nvGrpSpPr>
-        <p:cNvPr id="1" name="Shape 27"/>
+        <p:cNvPr id="27" name="Shape 27"/>
         <p:cNvGrpSpPr/>
         <p:nvPr/>
       </p:nvGrpSpPr>
@@ -3861,9 +3861,7 @@
       <p:sp>
         <p:nvSpPr>
           <p:cNvPr id="28" name="Google Shape;28;p6"/>
-          <p:cNvSpPr txBox="1">
-            <a:spLocks noGrp="1"/>
-          </p:cNvSpPr>
+          <p:cNvSpPr txBox="1"/>
           <p:nvPr>
             <p:ph type="title"/>
           </p:nvPr>
@@ -3878,7 +3876,7 @@
           </a:prstGeom>
         </p:spPr>
         <p:txBody>
-          <a:bodyPr spcFirstLastPara="1" wrap="square" lIns="91425" tIns="91425" rIns="91425" bIns="91425" anchor="t" anchorCtr="0">
+          <a:bodyPr anchorCtr="0" anchor="t" bIns="91425" lIns="91425" spcFirstLastPara="1" rIns="91425" wrap="square" tIns="91425">
             <a:noAutofit/>
           </a:bodyPr>
           <a:lstStyle>
@@ -3982,19 +3980,15 @@
               <a:defRPr/>
             </a:lvl9pPr>
           </a:lstStyle>
-          <a:p>
-            <a:endParaRPr/>
-          </a:p>
+          <a:p/>
         </p:txBody>
       </p:sp>
       <p:sp>
         <p:nvSpPr>
           <p:cNvPr id="29" name="Google Shape;29;p6"/>
-          <p:cNvSpPr txBox="1">
-            <a:spLocks noGrp="1"/>
-          </p:cNvSpPr>
+          <p:cNvSpPr txBox="1"/>
           <p:nvPr>
-            <p:ph type="sldNum" idx="12"/>
+            <p:ph idx="12" type="sldNum"/>
           </p:nvPr>
         </p:nvSpPr>
         <p:spPr>
@@ -4007,7 +4001,7 @@
           </a:prstGeom>
         </p:spPr>
         <p:txBody>
-          <a:bodyPr spcFirstLastPara="1" wrap="square" lIns="91425" tIns="91425" rIns="91425" bIns="91425" anchor="ctr" anchorCtr="0">
+          <a:bodyPr anchorCtr="0" anchor="ctr" bIns="91425" lIns="91425" spcFirstLastPara="1" rIns="91425" wrap="square" tIns="91425">
             <a:noAutofit/>
           </a:bodyPr>
           <a:lstStyle>
@@ -4049,7 +4043,7 @@
             </a:lvl9pPr>
           </a:lstStyle>
           <a:p>
-            <a:pPr marL="0" lvl="0" indent="0" algn="r" rtl="0">
+            <a:pPr indent="0" lvl="0" marL="0" rtl="0" algn="r">
               <a:spcBef>
                 <a:spcPts val="0"/>
               </a:spcBef>
@@ -4060,7 +4054,7 @@
             </a:pPr>
             <a:fld id="{00000000-1234-1234-1234-123412341234}" type="slidenum">
               <a:rPr lang="es"/>
-              <a:t>‹Nº›</a:t>
+              <a:t>‹#›</a:t>
             </a:fld>
             <a:endParaRPr/>
           </a:p>
@@ -4075,11 +4069,11 @@
 </file>
 
 <file path=ppt/slideLayouts/slideLayout6.xml><?xml version="1.0" encoding="utf-8"?>
-<p:sldLayout xmlns:a="http://schemas.openxmlformats.org/drawingml/2006/main" xmlns:r="http://schemas.openxmlformats.org/officeDocument/2006/relationships" xmlns:p="http://schemas.openxmlformats.org/presentationml/2006/main" matchingName="One column text">
+<p:sldLayout xmlns:a="http://schemas.openxmlformats.org/drawingml/2006/main" xmlns:r="http://schemas.openxmlformats.org/officeDocument/2006/relationships" xmlns:mc="http://schemas.openxmlformats.org/markup-compatibility/2006" xmlns:mv="urn:schemas-microsoft-com:mac:vml" xmlns:p="http://schemas.openxmlformats.org/presentationml/2006/main" xmlns:c="http://schemas.openxmlformats.org/drawingml/2006/chart" xmlns:dgm="http://schemas.openxmlformats.org/drawingml/2006/diagram" xmlns:o="urn:schemas-microsoft-com:office:office" xmlns:v="urn:schemas-microsoft-com:vml" xmlns:pvml="urn:schemas-microsoft-com:office:powerpoint" xmlns:com="http://schemas.openxmlformats.org/drawingml/2006/compatibility" xmlns:p14="http://schemas.microsoft.com/office/powerpoint/2010/main" xmlns:p15="http://schemas.microsoft.com/office/powerpoint/2012/main" xmlns:ahyp="http://schemas.microsoft.com/office/drawing/2018/hyperlinkcolor" matchingName="One column text">
   <p:cSld name="ONE_COLUMN_TEXT">
     <p:spTree>
       <p:nvGrpSpPr>
-        <p:cNvPr id="1" name="Shape 30"/>
+        <p:cNvPr id="30" name="Shape 30"/>
         <p:cNvGrpSpPr/>
         <p:nvPr/>
       </p:nvGrpSpPr>
@@ -4094,9 +4088,7 @@
       <p:sp>
         <p:nvSpPr>
           <p:cNvPr id="31" name="Google Shape;31;p7"/>
-          <p:cNvSpPr txBox="1">
-            <a:spLocks noGrp="1"/>
-          </p:cNvSpPr>
+          <p:cNvSpPr txBox="1"/>
           <p:nvPr>
             <p:ph type="title"/>
           </p:nvPr>
@@ -4111,7 +4103,7 @@
           </a:prstGeom>
         </p:spPr>
         <p:txBody>
-          <a:bodyPr spcFirstLastPara="1" wrap="square" lIns="91425" tIns="91425" rIns="91425" bIns="91425" anchor="b" anchorCtr="0">
+          <a:bodyPr anchorCtr="0" anchor="b" bIns="91425" lIns="91425" spcFirstLastPara="1" rIns="91425" wrap="square" tIns="91425">
             <a:noAutofit/>
           </a:bodyPr>
           <a:lstStyle>
@@ -4215,19 +4207,15 @@
               <a:defRPr sz="2400"/>
             </a:lvl9pPr>
           </a:lstStyle>
-          <a:p>
-            <a:endParaRPr/>
-          </a:p>
+          <a:p/>
         </p:txBody>
       </p:sp>
       <p:sp>
         <p:nvSpPr>
           <p:cNvPr id="32" name="Google Shape;32;p7"/>
-          <p:cNvSpPr txBox="1">
-            <a:spLocks noGrp="1"/>
-          </p:cNvSpPr>
+          <p:cNvSpPr txBox="1"/>
           <p:nvPr>
-            <p:ph type="body" idx="1"/>
+            <p:ph idx="1" type="body"/>
           </p:nvPr>
         </p:nvSpPr>
         <p:spPr>
@@ -4240,11 +4228,11 @@
           </a:prstGeom>
         </p:spPr>
         <p:txBody>
-          <a:bodyPr spcFirstLastPara="1" wrap="square" lIns="91425" tIns="91425" rIns="91425" bIns="91425" anchor="t" anchorCtr="0">
+          <a:bodyPr anchorCtr="0" anchor="t" bIns="91425" lIns="91425" spcFirstLastPara="1" rIns="91425" wrap="square" tIns="91425">
             <a:noAutofit/>
           </a:bodyPr>
           <a:lstStyle>
-            <a:lvl1pPr marL="457200" lvl="0" indent="-304800">
+            <a:lvl1pPr indent="-304800" lvl="0" marL="457200">
               <a:spcBef>
                 <a:spcPts val="0"/>
               </a:spcBef>
@@ -4255,7 +4243,7 @@
               <a:buChar char="●"/>
               <a:defRPr sz="1200"/>
             </a:lvl1pPr>
-            <a:lvl2pPr marL="914400" lvl="1" indent="-304800">
+            <a:lvl2pPr indent="-304800" lvl="1" marL="914400">
               <a:spcBef>
                 <a:spcPts val="1600"/>
               </a:spcBef>
@@ -4266,7 +4254,7 @@
               <a:buChar char="○"/>
               <a:defRPr sz="1200"/>
             </a:lvl2pPr>
-            <a:lvl3pPr marL="1371600" lvl="2" indent="-304800">
+            <a:lvl3pPr indent="-304800" lvl="2" marL="1371600">
               <a:spcBef>
                 <a:spcPts val="1600"/>
               </a:spcBef>
@@ -4277,7 +4265,7 @@
               <a:buChar char="■"/>
               <a:defRPr sz="1200"/>
             </a:lvl3pPr>
-            <a:lvl4pPr marL="1828800" lvl="3" indent="-304800">
+            <a:lvl4pPr indent="-304800" lvl="3" marL="1828800">
               <a:spcBef>
                 <a:spcPts val="1600"/>
               </a:spcBef>
@@ -4288,7 +4276,7 @@
               <a:buChar char="●"/>
               <a:defRPr sz="1200"/>
             </a:lvl4pPr>
-            <a:lvl5pPr marL="2286000" lvl="4" indent="-304800">
+            <a:lvl5pPr indent="-304800" lvl="4" marL="2286000">
               <a:spcBef>
                 <a:spcPts val="1600"/>
               </a:spcBef>
@@ -4299,7 +4287,7 @@
               <a:buChar char="○"/>
               <a:defRPr sz="1200"/>
             </a:lvl5pPr>
-            <a:lvl6pPr marL="2743200" lvl="5" indent="-304800">
+            <a:lvl6pPr indent="-304800" lvl="5" marL="2743200">
               <a:spcBef>
                 <a:spcPts val="1600"/>
               </a:spcBef>
@@ -4310,7 +4298,7 @@
               <a:buChar char="■"/>
               <a:defRPr sz="1200"/>
             </a:lvl6pPr>
-            <a:lvl7pPr marL="3200400" lvl="6" indent="-304800">
+            <a:lvl7pPr indent="-304800" lvl="6" marL="3200400">
               <a:spcBef>
                 <a:spcPts val="1600"/>
               </a:spcBef>
@@ -4321,7 +4309,7 @@
               <a:buChar char="●"/>
               <a:defRPr sz="1200"/>
             </a:lvl7pPr>
-            <a:lvl8pPr marL="3657600" lvl="7" indent="-304800">
+            <a:lvl8pPr indent="-304800" lvl="7" marL="3657600">
               <a:spcBef>
                 <a:spcPts val="1600"/>
               </a:spcBef>
@@ -4332,7 +4320,7 @@
               <a:buChar char="○"/>
               <a:defRPr sz="1200"/>
             </a:lvl8pPr>
-            <a:lvl9pPr marL="4114800" lvl="8" indent="-304800">
+            <a:lvl9pPr indent="-304800" lvl="8" marL="4114800">
               <a:spcBef>
                 <a:spcPts val="1600"/>
               </a:spcBef>
@@ -4344,19 +4332,15 @@
               <a:defRPr sz="1200"/>
             </a:lvl9pPr>
           </a:lstStyle>
-          <a:p>
-            <a:endParaRPr/>
-          </a:p>
+          <a:p/>
         </p:txBody>
       </p:sp>
       <p:sp>
         <p:nvSpPr>
           <p:cNvPr id="33" name="Google Shape;33;p7"/>
-          <p:cNvSpPr txBox="1">
-            <a:spLocks noGrp="1"/>
-          </p:cNvSpPr>
+          <p:cNvSpPr txBox="1"/>
           <p:nvPr>
-            <p:ph type="sldNum" idx="12"/>
+            <p:ph idx="12" type="sldNum"/>
           </p:nvPr>
         </p:nvSpPr>
         <p:spPr>
@@ -4369,7 +4353,7 @@
           </a:prstGeom>
         </p:spPr>
         <p:txBody>
-          <a:bodyPr spcFirstLastPara="1" wrap="square" lIns="91425" tIns="91425" rIns="91425" bIns="91425" anchor="ctr" anchorCtr="0">
+          <a:bodyPr anchorCtr="0" anchor="ctr" bIns="91425" lIns="91425" spcFirstLastPara="1" rIns="91425" wrap="square" tIns="91425">
             <a:noAutofit/>
           </a:bodyPr>
           <a:lstStyle>
@@ -4411,7 +4395,7 @@
             </a:lvl9pPr>
           </a:lstStyle>
           <a:p>
-            <a:pPr marL="0" lvl="0" indent="0" algn="r" rtl="0">
+            <a:pPr indent="0" lvl="0" marL="0" rtl="0" algn="r">
               <a:spcBef>
                 <a:spcPts val="0"/>
               </a:spcBef>
@@ -4422,7 +4406,7 @@
             </a:pPr>
             <a:fld id="{00000000-1234-1234-1234-123412341234}" type="slidenum">
               <a:rPr lang="es"/>
-              <a:t>‹Nº›</a:t>
+              <a:t>‹#›</a:t>
             </a:fld>
             <a:endParaRPr/>
           </a:p>
@@ -4437,19 +4421,18 @@
 </file>
 
 <file path=ppt/slideLayouts/slideLayout7.xml><?xml version="1.0" encoding="utf-8"?>
-<p:sldLayout xmlns:a="http://schemas.openxmlformats.org/drawingml/2006/main" xmlns:r="http://schemas.openxmlformats.org/officeDocument/2006/relationships" xmlns:p="http://schemas.openxmlformats.org/presentationml/2006/main" matchingName="Main point">
+<p:sldLayout xmlns:a="http://schemas.openxmlformats.org/drawingml/2006/main" xmlns:r="http://schemas.openxmlformats.org/officeDocument/2006/relationships" xmlns:mc="http://schemas.openxmlformats.org/markup-compatibility/2006" xmlns:mv="urn:schemas-microsoft-com:mac:vml" xmlns:p="http://schemas.openxmlformats.org/presentationml/2006/main" xmlns:c="http://schemas.openxmlformats.org/drawingml/2006/chart" xmlns:dgm="http://schemas.openxmlformats.org/drawingml/2006/diagram" xmlns:o="urn:schemas-microsoft-com:office:office" xmlns:v="urn:schemas-microsoft-com:vml" xmlns:pvml="urn:schemas-microsoft-com:office:powerpoint" xmlns:com="http://schemas.openxmlformats.org/drawingml/2006/compatibility" xmlns:p14="http://schemas.microsoft.com/office/powerpoint/2010/main" xmlns:p15="http://schemas.microsoft.com/office/powerpoint/2012/main" xmlns:ahyp="http://schemas.microsoft.com/office/drawing/2018/hyperlinkcolor" matchingName="Main point">
   <p:cSld name="MAIN_POINT">
     <p:bg>
       <p:bgPr>
         <a:solidFill>
           <a:schemeClr val="accent2"/>
         </a:solidFill>
-        <a:effectLst/>
       </p:bgPr>
     </p:bg>
     <p:spTree>
       <p:nvGrpSpPr>
-        <p:cNvPr id="1" name="Shape 34"/>
+        <p:cNvPr id="34" name="Shape 34"/>
         <p:cNvGrpSpPr/>
         <p:nvPr/>
       </p:nvGrpSpPr>
@@ -4464,9 +4447,7 @@
       <p:sp>
         <p:nvSpPr>
           <p:cNvPr id="35" name="Google Shape;35;p8"/>
-          <p:cNvSpPr txBox="1">
-            <a:spLocks noGrp="1"/>
-          </p:cNvSpPr>
+          <p:cNvSpPr txBox="1"/>
           <p:nvPr>
             <p:ph type="title"/>
           </p:nvPr>
@@ -4481,7 +4462,7 @@
           </a:prstGeom>
         </p:spPr>
         <p:txBody>
-          <a:bodyPr spcFirstLastPara="1" wrap="square" lIns="91425" tIns="91425" rIns="91425" bIns="91425" anchor="ctr" anchorCtr="0">
+          <a:bodyPr anchorCtr="0" anchor="ctr" bIns="91425" lIns="91425" spcFirstLastPara="1" rIns="91425" wrap="square" tIns="91425">
             <a:noAutofit/>
           </a:bodyPr>
           <a:lstStyle>
@@ -4648,19 +4629,15 @@
               </a:defRPr>
             </a:lvl9pPr>
           </a:lstStyle>
-          <a:p>
-            <a:endParaRPr/>
-          </a:p>
+          <a:p/>
         </p:txBody>
       </p:sp>
       <p:sp>
         <p:nvSpPr>
           <p:cNvPr id="36" name="Google Shape;36;p8"/>
-          <p:cNvSpPr txBox="1">
-            <a:spLocks noGrp="1"/>
-          </p:cNvSpPr>
+          <p:cNvSpPr txBox="1"/>
           <p:nvPr>
-            <p:ph type="sldNum" idx="12"/>
+            <p:ph idx="12" type="sldNum"/>
           </p:nvPr>
         </p:nvSpPr>
         <p:spPr>
@@ -4673,7 +4650,7 @@
           </a:prstGeom>
         </p:spPr>
         <p:txBody>
-          <a:bodyPr spcFirstLastPara="1" wrap="square" lIns="91425" tIns="91425" rIns="91425" bIns="91425" anchor="ctr" anchorCtr="0">
+          <a:bodyPr anchorCtr="0" anchor="ctr" bIns="91425" lIns="91425" spcFirstLastPara="1" rIns="91425" wrap="square" tIns="91425">
             <a:noAutofit/>
           </a:bodyPr>
           <a:lstStyle>
@@ -4751,7 +4728,7 @@
             </a:lvl9pPr>
           </a:lstStyle>
           <a:p>
-            <a:pPr marL="0" lvl="0" indent="0" algn="r" rtl="0">
+            <a:pPr indent="0" lvl="0" marL="0" rtl="0" algn="r">
               <a:spcBef>
                 <a:spcPts val="0"/>
               </a:spcBef>
@@ -4762,7 +4739,7 @@
             </a:pPr>
             <a:fld id="{00000000-1234-1234-1234-123412341234}" type="slidenum">
               <a:rPr lang="es"/>
-              <a:t>‹Nº›</a:t>
+              <a:t>‹#›</a:t>
             </a:fld>
             <a:endParaRPr/>
           </a:p>
@@ -4777,11 +4754,11 @@
 </file>
 
 <file path=ppt/slideLayouts/slideLayout8.xml><?xml version="1.0" encoding="utf-8"?>
-<p:sldLayout xmlns:a="http://schemas.openxmlformats.org/drawingml/2006/main" xmlns:r="http://schemas.openxmlformats.org/officeDocument/2006/relationships" xmlns:p="http://schemas.openxmlformats.org/presentationml/2006/main" matchingName="Section title and description">
+<p:sldLayout xmlns:a="http://schemas.openxmlformats.org/drawingml/2006/main" xmlns:r="http://schemas.openxmlformats.org/officeDocument/2006/relationships" xmlns:mc="http://schemas.openxmlformats.org/markup-compatibility/2006" xmlns:mv="urn:schemas-microsoft-com:mac:vml" xmlns:p="http://schemas.openxmlformats.org/presentationml/2006/main" xmlns:c="http://schemas.openxmlformats.org/drawingml/2006/chart" xmlns:dgm="http://schemas.openxmlformats.org/drawingml/2006/diagram" xmlns:o="urn:schemas-microsoft-com:office:office" xmlns:v="urn:schemas-microsoft-com:vml" xmlns:pvml="urn:schemas-microsoft-com:office:powerpoint" xmlns:com="http://schemas.openxmlformats.org/drawingml/2006/compatibility" xmlns:p14="http://schemas.microsoft.com/office/powerpoint/2010/main" xmlns:p15="http://schemas.microsoft.com/office/powerpoint/2012/main" xmlns:ahyp="http://schemas.microsoft.com/office/drawing/2018/hyperlinkcolor" matchingName="Section title and description">
   <p:cSld name="SECTION_TITLE_AND_DESCRIPTION">
     <p:spTree>
       <p:nvGrpSpPr>
-        <p:cNvPr id="1" name="Shape 37"/>
+        <p:cNvPr id="37" name="Shape 37"/>
         <p:cNvGrpSpPr/>
         <p:nvPr/>
       </p:nvGrpSpPr>
@@ -4815,12 +4792,12 @@
           </a:ln>
         </p:spPr>
         <p:txBody>
-          <a:bodyPr spcFirstLastPara="1" wrap="square" lIns="91425" tIns="91425" rIns="91425" bIns="91425" anchor="ctr" anchorCtr="0">
+          <a:bodyPr anchorCtr="0" anchor="ctr" bIns="91425" lIns="91425" spcFirstLastPara="1" rIns="91425" wrap="square" tIns="91425">
             <a:noAutofit/>
           </a:bodyPr>
           <a:lstStyle/>
           <a:p>
-            <a:pPr marL="0" lvl="0" indent="0" algn="l" rtl="0">
+            <a:pPr indent="0" lvl="0" marL="0" rtl="0" algn="l">
               <a:spcBef>
                 <a:spcPts val="0"/>
               </a:spcBef>
@@ -4829,6 +4806,9 @@
               </a:spcAft>
               <a:buNone/>
             </a:pPr>
+            <a:r>
+              <a:t/>
+            </a:r>
             <a:endParaRPr/>
           </a:p>
         </p:txBody>
@@ -4848,23 +4828,21 @@
             <a:avLst/>
           </a:prstGeom>
           <a:noFill/>
-          <a:ln w="19050" cap="flat" cmpd="sng">
+          <a:ln cap="flat" cmpd="sng" w="19050">
             <a:solidFill>
               <a:schemeClr val="lt1"/>
             </a:solidFill>
             <a:prstDash val="solid"/>
             <a:round/>
-            <a:headEnd type="none" w="sm" len="sm"/>
-            <a:tailEnd type="none" w="sm" len="sm"/>
+            <a:headEnd len="sm" w="sm" type="none"/>
+            <a:tailEnd len="sm" w="sm" type="none"/>
           </a:ln>
         </p:spPr>
       </p:cxnSp>
       <p:sp>
         <p:nvSpPr>
           <p:cNvPr id="40" name="Google Shape;40;p9"/>
-          <p:cNvSpPr txBox="1">
-            <a:spLocks noGrp="1"/>
-          </p:cNvSpPr>
+          <p:cNvSpPr txBox="1"/>
           <p:nvPr>
             <p:ph type="title"/>
           </p:nvPr>
@@ -4879,7 +4857,7 @@
           </a:prstGeom>
         </p:spPr>
         <p:txBody>
-          <a:bodyPr spcFirstLastPara="1" wrap="square" lIns="91425" tIns="91425" rIns="91425" bIns="91425" anchor="b" anchorCtr="0">
+          <a:bodyPr anchorCtr="0" anchor="b" bIns="91425" lIns="91425" spcFirstLastPara="1" rIns="91425" wrap="square" tIns="91425">
             <a:noAutofit/>
           </a:bodyPr>
           <a:lstStyle>
@@ -4983,19 +4961,15 @@
               <a:defRPr sz="3800"/>
             </a:lvl9pPr>
           </a:lstStyle>
-          <a:p>
-            <a:endParaRPr/>
-          </a:p>
+          <a:p/>
         </p:txBody>
       </p:sp>
       <p:sp>
         <p:nvSpPr>
           <p:cNvPr id="41" name="Google Shape;41;p9"/>
-          <p:cNvSpPr txBox="1">
-            <a:spLocks noGrp="1"/>
-          </p:cNvSpPr>
+          <p:cNvSpPr txBox="1"/>
           <p:nvPr>
-            <p:ph type="subTitle" idx="1"/>
+            <p:ph idx="1" type="subTitle"/>
           </p:nvPr>
         </p:nvSpPr>
         <p:spPr>
@@ -5008,7 +4982,7 @@
           </a:prstGeom>
         </p:spPr>
         <p:txBody>
-          <a:bodyPr spcFirstLastPara="1" wrap="square" lIns="91425" tIns="91425" rIns="91425" bIns="91425" anchor="t" anchorCtr="0">
+          <a:bodyPr anchorCtr="0" anchor="t" bIns="91425" lIns="91425" spcFirstLastPara="1" rIns="91425" wrap="square" tIns="91425">
             <a:noAutofit/>
           </a:bodyPr>
           <a:lstStyle>
@@ -5139,19 +5113,15 @@
               <a:defRPr sz="2100"/>
             </a:lvl9pPr>
           </a:lstStyle>
-          <a:p>
-            <a:endParaRPr/>
-          </a:p>
+          <a:p/>
         </p:txBody>
       </p:sp>
       <p:sp>
         <p:nvSpPr>
           <p:cNvPr id="42" name="Google Shape;42;p9"/>
-          <p:cNvSpPr txBox="1">
-            <a:spLocks noGrp="1"/>
-          </p:cNvSpPr>
+          <p:cNvSpPr txBox="1"/>
           <p:nvPr>
-            <p:ph type="body" idx="2"/>
+            <p:ph idx="2" type="body"/>
           </p:nvPr>
         </p:nvSpPr>
         <p:spPr>
@@ -5164,11 +5134,11 @@
           </a:prstGeom>
         </p:spPr>
         <p:txBody>
-          <a:bodyPr spcFirstLastPara="1" wrap="square" lIns="91425" tIns="91425" rIns="91425" bIns="91425" anchor="ctr" anchorCtr="0">
+          <a:bodyPr anchorCtr="0" anchor="ctr" bIns="91425" lIns="91425" spcFirstLastPara="1" rIns="91425" wrap="square" tIns="91425">
             <a:noAutofit/>
           </a:bodyPr>
           <a:lstStyle>
-            <a:lvl1pPr marL="457200" lvl="0" indent="-342900">
+            <a:lvl1pPr indent="-342900" lvl="0" marL="457200">
               <a:spcBef>
                 <a:spcPts val="0"/>
               </a:spcBef>
@@ -5186,7 +5156,7 @@
                 </a:solidFill>
               </a:defRPr>
             </a:lvl1pPr>
-            <a:lvl2pPr marL="914400" lvl="1" indent="-317500">
+            <a:lvl2pPr indent="-317500" lvl="1" marL="914400">
               <a:spcBef>
                 <a:spcPts val="1600"/>
               </a:spcBef>
@@ -5204,7 +5174,7 @@
                 </a:solidFill>
               </a:defRPr>
             </a:lvl2pPr>
-            <a:lvl3pPr marL="1371600" lvl="2" indent="-317500">
+            <a:lvl3pPr indent="-317500" lvl="2" marL="1371600">
               <a:spcBef>
                 <a:spcPts val="1600"/>
               </a:spcBef>
@@ -5222,7 +5192,7 @@
                 </a:solidFill>
               </a:defRPr>
             </a:lvl3pPr>
-            <a:lvl4pPr marL="1828800" lvl="3" indent="-317500">
+            <a:lvl4pPr indent="-317500" lvl="3" marL="1828800">
               <a:spcBef>
                 <a:spcPts val="1600"/>
               </a:spcBef>
@@ -5240,7 +5210,7 @@
                 </a:solidFill>
               </a:defRPr>
             </a:lvl4pPr>
-            <a:lvl5pPr marL="2286000" lvl="4" indent="-317500">
+            <a:lvl5pPr indent="-317500" lvl="4" marL="2286000">
               <a:spcBef>
                 <a:spcPts val="1600"/>
               </a:spcBef>
@@ -5258,7 +5228,7 @@
                 </a:solidFill>
               </a:defRPr>
             </a:lvl5pPr>
-            <a:lvl6pPr marL="2743200" lvl="5" indent="-317500">
+            <a:lvl6pPr indent="-317500" lvl="5" marL="2743200">
               <a:spcBef>
                 <a:spcPts val="1600"/>
               </a:spcBef>
@@ -5276,7 +5246,7 @@
                 </a:solidFill>
               </a:defRPr>
             </a:lvl6pPr>
-            <a:lvl7pPr marL="3200400" lvl="6" indent="-317500">
+            <a:lvl7pPr indent="-317500" lvl="6" marL="3200400">
               <a:spcBef>
                 <a:spcPts val="1600"/>
               </a:spcBef>
@@ -5294,7 +5264,7 @@
                 </a:solidFill>
               </a:defRPr>
             </a:lvl7pPr>
-            <a:lvl8pPr marL="3657600" lvl="7" indent="-317500">
+            <a:lvl8pPr indent="-317500" lvl="7" marL="3657600">
               <a:spcBef>
                 <a:spcPts val="1600"/>
               </a:spcBef>
@@ -5312,7 +5282,7 @@
                 </a:solidFill>
               </a:defRPr>
             </a:lvl8pPr>
-            <a:lvl9pPr marL="4114800" lvl="8" indent="-317500">
+            <a:lvl9pPr indent="-317500" lvl="8" marL="4114800">
               <a:spcBef>
                 <a:spcPts val="1600"/>
               </a:spcBef>
@@ -5331,19 +5301,15 @@
               </a:defRPr>
             </a:lvl9pPr>
           </a:lstStyle>
-          <a:p>
-            <a:endParaRPr/>
-          </a:p>
+          <a:p/>
         </p:txBody>
       </p:sp>
       <p:sp>
         <p:nvSpPr>
           <p:cNvPr id="43" name="Google Shape;43;p9"/>
-          <p:cNvSpPr txBox="1">
-            <a:spLocks noGrp="1"/>
-          </p:cNvSpPr>
+          <p:cNvSpPr txBox="1"/>
           <p:nvPr>
-            <p:ph type="sldNum" idx="12"/>
+            <p:ph idx="12" type="sldNum"/>
           </p:nvPr>
         </p:nvSpPr>
         <p:spPr>
@@ -5356,7 +5322,7 @@
           </a:prstGeom>
         </p:spPr>
         <p:txBody>
-          <a:bodyPr spcFirstLastPara="1" wrap="square" lIns="91425" tIns="91425" rIns="91425" bIns="91425" anchor="ctr" anchorCtr="0">
+          <a:bodyPr anchorCtr="0" anchor="ctr" bIns="91425" lIns="91425" spcFirstLastPara="1" rIns="91425" wrap="square" tIns="91425">
             <a:noAutofit/>
           </a:bodyPr>
           <a:lstStyle>
@@ -5434,7 +5400,7 @@
             </a:lvl9pPr>
           </a:lstStyle>
           <a:p>
-            <a:pPr marL="0" lvl="0" indent="0" algn="r" rtl="0">
+            <a:pPr indent="0" lvl="0" marL="0" rtl="0" algn="r">
               <a:spcBef>
                 <a:spcPts val="0"/>
               </a:spcBef>
@@ -5445,7 +5411,7 @@
             </a:pPr>
             <a:fld id="{00000000-1234-1234-1234-123412341234}" type="slidenum">
               <a:rPr lang="es"/>
-              <a:t>‹Nº›</a:t>
+              <a:t>‹#›</a:t>
             </a:fld>
             <a:endParaRPr/>
           </a:p>
@@ -5460,11 +5426,11 @@
 </file>
 
 <file path=ppt/slideLayouts/slideLayout9.xml><?xml version="1.0" encoding="utf-8"?>
-<p:sldLayout xmlns:a="http://schemas.openxmlformats.org/drawingml/2006/main" xmlns:r="http://schemas.openxmlformats.org/officeDocument/2006/relationships" xmlns:p="http://schemas.openxmlformats.org/presentationml/2006/main" matchingName="Caption">
+<p:sldLayout xmlns:a="http://schemas.openxmlformats.org/drawingml/2006/main" xmlns:r="http://schemas.openxmlformats.org/officeDocument/2006/relationships" xmlns:mc="http://schemas.openxmlformats.org/markup-compatibility/2006" xmlns:mv="urn:schemas-microsoft-com:mac:vml" xmlns:p="http://schemas.openxmlformats.org/presentationml/2006/main" xmlns:c="http://schemas.openxmlformats.org/drawingml/2006/chart" xmlns:dgm="http://schemas.openxmlformats.org/drawingml/2006/diagram" xmlns:o="urn:schemas-microsoft-com:office:office" xmlns:v="urn:schemas-microsoft-com:vml" xmlns:pvml="urn:schemas-microsoft-com:office:powerpoint" xmlns:com="http://schemas.openxmlformats.org/drawingml/2006/compatibility" xmlns:p14="http://schemas.microsoft.com/office/powerpoint/2010/main" xmlns:p15="http://schemas.microsoft.com/office/powerpoint/2012/main" xmlns:ahyp="http://schemas.microsoft.com/office/drawing/2018/hyperlinkcolor" matchingName="Caption">
   <p:cSld name="CAPTION_ONLY">
     <p:spTree>
       <p:nvGrpSpPr>
-        <p:cNvPr id="1" name="Shape 44"/>
+        <p:cNvPr id="44" name="Shape 44"/>
         <p:cNvGrpSpPr/>
         <p:nvPr/>
       </p:nvGrpSpPr>
@@ -5479,11 +5445,9 @@
       <p:sp>
         <p:nvSpPr>
           <p:cNvPr id="45" name="Google Shape;45;p10"/>
-          <p:cNvSpPr txBox="1">
-            <a:spLocks noGrp="1"/>
-          </p:cNvSpPr>
+          <p:cNvSpPr txBox="1"/>
           <p:nvPr>
-            <p:ph type="body" idx="1"/>
+            <p:ph idx="1" type="body"/>
           </p:nvPr>
         </p:nvSpPr>
         <p:spPr>
@@ -5496,11 +5460,11 @@
           </a:prstGeom>
         </p:spPr>
         <p:txBody>
-          <a:bodyPr spcFirstLastPara="1" wrap="square" lIns="91425" tIns="91425" rIns="91425" bIns="91425" anchor="ctr" anchorCtr="0">
+          <a:bodyPr anchorCtr="0" anchor="ctr" bIns="91425" lIns="91425" spcFirstLastPara="1" rIns="91425" wrap="square" tIns="91425">
             <a:noAutofit/>
           </a:bodyPr>
           <a:lstStyle>
-            <a:lvl1pPr marL="457200" lvl="0" indent="-228600">
+            <a:lvl1pPr indent="-228600" lvl="0" marL="457200">
               <a:lnSpc>
                 <a:spcPct val="100000"/>
               </a:lnSpc>
@@ -5515,19 +5479,15 @@
               <a:defRPr sz="2100"/>
             </a:lvl1pPr>
           </a:lstStyle>
-          <a:p>
-            <a:endParaRPr/>
-          </a:p>
+          <a:p/>
         </p:txBody>
       </p:sp>
       <p:sp>
         <p:nvSpPr>
           <p:cNvPr id="46" name="Google Shape;46;p10"/>
-          <p:cNvSpPr txBox="1">
-            <a:spLocks noGrp="1"/>
-          </p:cNvSpPr>
+          <p:cNvSpPr txBox="1"/>
           <p:nvPr>
-            <p:ph type="sldNum" idx="12"/>
+            <p:ph idx="12" type="sldNum"/>
           </p:nvPr>
         </p:nvSpPr>
         <p:spPr>
@@ -5540,7 +5500,7 @@
           </a:prstGeom>
         </p:spPr>
         <p:txBody>
-          <a:bodyPr spcFirstLastPara="1" wrap="square" lIns="91425" tIns="91425" rIns="91425" bIns="91425" anchor="ctr" anchorCtr="0">
+          <a:bodyPr anchorCtr="0" anchor="ctr" bIns="91425" lIns="91425" spcFirstLastPara="1" rIns="91425" wrap="square" tIns="91425">
             <a:noAutofit/>
           </a:bodyPr>
           <a:lstStyle>
@@ -5582,7 +5542,7 @@
             </a:lvl9pPr>
           </a:lstStyle>
           <a:p>
-            <a:pPr marL="0" lvl="0" indent="0" algn="r" rtl="0">
+            <a:pPr indent="0" lvl="0" marL="0" rtl="0" algn="r">
               <a:spcBef>
                 <a:spcPts val="0"/>
               </a:spcBef>
@@ -5593,7 +5553,7 @@
             </a:pPr>
             <a:fld id="{00000000-1234-1234-1234-123412341234}" type="slidenum">
               <a:rPr lang="es"/>
-              <a:t>‹Nº›</a:t>
+              <a:t>‹#›</a:t>
             </a:fld>
             <a:endParaRPr/>
           </a:p>
@@ -5608,19 +5568,18 @@
 </file>
 
 <file path=ppt/slideMasters/slideMaster1.xml><?xml version="1.0" encoding="utf-8"?>
-<p:sldMaster xmlns:a="http://schemas.openxmlformats.org/drawingml/2006/main" xmlns:r="http://schemas.openxmlformats.org/officeDocument/2006/relationships" xmlns:p="http://schemas.openxmlformats.org/presentationml/2006/main">
+<p:sldMaster xmlns:a="http://schemas.openxmlformats.org/drawingml/2006/main" xmlns:r="http://schemas.openxmlformats.org/officeDocument/2006/relationships" xmlns:mc="http://schemas.openxmlformats.org/markup-compatibility/2006" xmlns:mv="urn:schemas-microsoft-com:mac:vml" xmlns:p="http://schemas.openxmlformats.org/presentationml/2006/main" xmlns:c="http://schemas.openxmlformats.org/drawingml/2006/chart" xmlns:dgm="http://schemas.openxmlformats.org/drawingml/2006/diagram" xmlns:o="urn:schemas-microsoft-com:office:office" xmlns:v="urn:schemas-microsoft-com:vml" xmlns:pvml="urn:schemas-microsoft-com:office:powerpoint" xmlns:com="http://schemas.openxmlformats.org/drawingml/2006/compatibility" xmlns:p14="http://schemas.microsoft.com/office/powerpoint/2010/main" xmlns:p15="http://schemas.microsoft.com/office/powerpoint/2012/main" xmlns:ahyp="http://schemas.microsoft.com/office/drawing/2018/hyperlinkcolor">
   <p:cSld name="plum">
     <p:bg>
       <p:bgPr>
         <a:solidFill>
           <a:schemeClr val="lt1"/>
         </a:solidFill>
-        <a:effectLst/>
       </p:bgPr>
     </p:bg>
     <p:spTree>
       <p:nvGrpSpPr>
-        <p:cNvPr id="1" name="Shape 5"/>
+        <p:cNvPr id="5" name="Shape 5"/>
         <p:cNvGrpSpPr/>
         <p:nvPr/>
       </p:nvGrpSpPr>
@@ -5635,9 +5594,7 @@
       <p:sp>
         <p:nvSpPr>
           <p:cNvPr id="6" name="Google Shape;6;p1"/>
-          <p:cNvSpPr txBox="1">
-            <a:spLocks noGrp="1"/>
-          </p:cNvSpPr>
+          <p:cNvSpPr txBox="1"/>
           <p:nvPr>
             <p:ph type="title"/>
           </p:nvPr>
@@ -5656,7 +5613,7 @@
           </a:ln>
         </p:spPr>
         <p:txBody>
-          <a:bodyPr spcFirstLastPara="1" wrap="square" lIns="91425" tIns="91425" rIns="91425" bIns="91425" anchor="t" anchorCtr="0">
+          <a:bodyPr anchorCtr="0" anchor="t" bIns="91425" lIns="91425" spcFirstLastPara="1" rIns="91425" wrap="square" tIns="91425">
             <a:noAutofit/>
           </a:bodyPr>
           <a:lstStyle>
@@ -5673,7 +5630,7 @@
               <a:buSzPts val="3000"/>
               <a:buFont typeface="Raleway"/>
               <a:buNone/>
-              <a:defRPr sz="3000" b="1">
+              <a:defRPr b="1" sz="3000">
                 <a:solidFill>
                   <a:schemeClr val="dk2"/>
                 </a:solidFill>
@@ -5696,7 +5653,7 @@
               <a:buSzPts val="3000"/>
               <a:buFont typeface="Raleway"/>
               <a:buNone/>
-              <a:defRPr sz="3000" b="1">
+              <a:defRPr b="1" sz="3000">
                 <a:solidFill>
                   <a:schemeClr val="dk2"/>
                 </a:solidFill>
@@ -5719,7 +5676,7 @@
               <a:buSzPts val="3000"/>
               <a:buFont typeface="Raleway"/>
               <a:buNone/>
-              <a:defRPr sz="3000" b="1">
+              <a:defRPr b="1" sz="3000">
                 <a:solidFill>
                   <a:schemeClr val="dk2"/>
                 </a:solidFill>
@@ -5742,7 +5699,7 @@
               <a:buSzPts val="3000"/>
               <a:buFont typeface="Raleway"/>
               <a:buNone/>
-              <a:defRPr sz="3000" b="1">
+              <a:defRPr b="1" sz="3000">
                 <a:solidFill>
                   <a:schemeClr val="dk2"/>
                 </a:solidFill>
@@ -5765,7 +5722,7 @@
               <a:buSzPts val="3000"/>
               <a:buFont typeface="Raleway"/>
               <a:buNone/>
-              <a:defRPr sz="3000" b="1">
+              <a:defRPr b="1" sz="3000">
                 <a:solidFill>
                   <a:schemeClr val="dk2"/>
                 </a:solidFill>
@@ -5788,7 +5745,7 @@
               <a:buSzPts val="3000"/>
               <a:buFont typeface="Raleway"/>
               <a:buNone/>
-              <a:defRPr sz="3000" b="1">
+              <a:defRPr b="1" sz="3000">
                 <a:solidFill>
                   <a:schemeClr val="dk2"/>
                 </a:solidFill>
@@ -5811,7 +5768,7 @@
               <a:buSzPts val="3000"/>
               <a:buFont typeface="Raleway"/>
               <a:buNone/>
-              <a:defRPr sz="3000" b="1">
+              <a:defRPr b="1" sz="3000">
                 <a:solidFill>
                   <a:schemeClr val="dk2"/>
                 </a:solidFill>
@@ -5834,7 +5791,7 @@
               <a:buSzPts val="3000"/>
               <a:buFont typeface="Raleway"/>
               <a:buNone/>
-              <a:defRPr sz="3000" b="1">
+              <a:defRPr b="1" sz="3000">
                 <a:solidFill>
                   <a:schemeClr val="dk2"/>
                 </a:solidFill>
@@ -5857,7 +5814,7 @@
               <a:buSzPts val="3000"/>
               <a:buFont typeface="Raleway"/>
               <a:buNone/>
-              <a:defRPr sz="3000" b="1">
+              <a:defRPr b="1" sz="3000">
                 <a:solidFill>
                   <a:schemeClr val="dk2"/>
                 </a:solidFill>
@@ -5868,19 +5825,15 @@
               </a:defRPr>
             </a:lvl9pPr>
           </a:lstStyle>
-          <a:p>
-            <a:endParaRPr/>
-          </a:p>
+          <a:p/>
         </p:txBody>
       </p:sp>
       <p:sp>
         <p:nvSpPr>
           <p:cNvPr id="7" name="Google Shape;7;p1"/>
-          <p:cNvSpPr txBox="1">
-            <a:spLocks noGrp="1"/>
-          </p:cNvSpPr>
+          <p:cNvSpPr txBox="1"/>
           <p:nvPr>
-            <p:ph type="body" idx="1"/>
+            <p:ph idx="1" type="body"/>
           </p:nvPr>
         </p:nvSpPr>
         <p:spPr>
@@ -5897,11 +5850,11 @@
           </a:ln>
         </p:spPr>
         <p:txBody>
-          <a:bodyPr spcFirstLastPara="1" wrap="square" lIns="91425" tIns="91425" rIns="91425" bIns="91425" anchor="t" anchorCtr="0">
+          <a:bodyPr anchorCtr="0" anchor="t" bIns="91425" lIns="91425" spcFirstLastPara="1" rIns="91425" wrap="square" tIns="91425">
             <a:noAutofit/>
           </a:bodyPr>
           <a:lstStyle>
-            <a:lvl1pPr marL="457200" lvl="0" indent="-342900">
+            <a:lvl1pPr indent="-342900" lvl="0" marL="457200">
               <a:lnSpc>
                 <a:spcPct val="115000"/>
               </a:lnSpc>
@@ -5927,7 +5880,7 @@
                 <a:sym typeface="Source Sans Pro"/>
               </a:defRPr>
             </a:lvl1pPr>
-            <a:lvl2pPr marL="914400" lvl="1" indent="-317500">
+            <a:lvl2pPr indent="-317500" lvl="1" marL="914400">
               <a:lnSpc>
                 <a:spcPct val="115000"/>
               </a:lnSpc>
@@ -5953,7 +5906,7 @@
                 <a:sym typeface="Source Sans Pro"/>
               </a:defRPr>
             </a:lvl2pPr>
-            <a:lvl3pPr marL="1371600" lvl="2" indent="-317500">
+            <a:lvl3pPr indent="-317500" lvl="2" marL="1371600">
               <a:lnSpc>
                 <a:spcPct val="115000"/>
               </a:lnSpc>
@@ -5979,7 +5932,7 @@
                 <a:sym typeface="Source Sans Pro"/>
               </a:defRPr>
             </a:lvl3pPr>
-            <a:lvl4pPr marL="1828800" lvl="3" indent="-317500">
+            <a:lvl4pPr indent="-317500" lvl="3" marL="1828800">
               <a:lnSpc>
                 <a:spcPct val="115000"/>
               </a:lnSpc>
@@ -6005,7 +5958,7 @@
                 <a:sym typeface="Source Sans Pro"/>
               </a:defRPr>
             </a:lvl4pPr>
-            <a:lvl5pPr marL="2286000" lvl="4" indent="-317500">
+            <a:lvl5pPr indent="-317500" lvl="4" marL="2286000">
               <a:lnSpc>
                 <a:spcPct val="115000"/>
               </a:lnSpc>
@@ -6031,7 +5984,7 @@
                 <a:sym typeface="Source Sans Pro"/>
               </a:defRPr>
             </a:lvl5pPr>
-            <a:lvl6pPr marL="2743200" lvl="5" indent="-317500">
+            <a:lvl6pPr indent="-317500" lvl="5" marL="2743200">
               <a:lnSpc>
                 <a:spcPct val="115000"/>
               </a:lnSpc>
@@ -6057,7 +6010,7 @@
                 <a:sym typeface="Source Sans Pro"/>
               </a:defRPr>
             </a:lvl6pPr>
-            <a:lvl7pPr marL="3200400" lvl="6" indent="-317500">
+            <a:lvl7pPr indent="-317500" lvl="6" marL="3200400">
               <a:lnSpc>
                 <a:spcPct val="115000"/>
               </a:lnSpc>
@@ -6083,7 +6036,7 @@
                 <a:sym typeface="Source Sans Pro"/>
               </a:defRPr>
             </a:lvl7pPr>
-            <a:lvl8pPr marL="3657600" lvl="7" indent="-317500">
+            <a:lvl8pPr indent="-317500" lvl="7" marL="3657600">
               <a:lnSpc>
                 <a:spcPct val="115000"/>
               </a:lnSpc>
@@ -6109,7 +6062,7 @@
                 <a:sym typeface="Source Sans Pro"/>
               </a:defRPr>
             </a:lvl8pPr>
-            <a:lvl9pPr marL="4114800" lvl="8" indent="-317500">
+            <a:lvl9pPr indent="-317500" lvl="8" marL="4114800">
               <a:lnSpc>
                 <a:spcPct val="115000"/>
               </a:lnSpc>
@@ -6136,19 +6089,15 @@
               </a:defRPr>
             </a:lvl9pPr>
           </a:lstStyle>
-          <a:p>
-            <a:endParaRPr/>
-          </a:p>
+          <a:p/>
         </p:txBody>
       </p:sp>
       <p:sp>
         <p:nvSpPr>
           <p:cNvPr id="8" name="Google Shape;8;p1"/>
-          <p:cNvSpPr txBox="1">
-            <a:spLocks noGrp="1"/>
-          </p:cNvSpPr>
+          <p:cNvSpPr txBox="1"/>
           <p:nvPr>
-            <p:ph type="sldNum" idx="12"/>
+            <p:ph idx="12" type="sldNum"/>
           </p:nvPr>
         </p:nvSpPr>
         <p:spPr>
@@ -6165,7 +6114,7 @@
           </a:ln>
         </p:spPr>
         <p:txBody>
-          <a:bodyPr spcFirstLastPara="1" wrap="square" lIns="91425" tIns="91425" rIns="91425" bIns="91425" anchor="ctr" anchorCtr="0">
+          <a:bodyPr anchorCtr="0" anchor="ctr" bIns="91425" lIns="91425" spcFirstLastPara="1" rIns="91425" wrap="square" tIns="91425">
             <a:noAutofit/>
           </a:bodyPr>
           <a:lstStyle>
@@ -6279,7 +6228,7 @@
             </a:lvl9pPr>
           </a:lstStyle>
           <a:p>
-            <a:pPr marL="0" lvl="0" indent="0" algn="r" rtl="0">
+            <a:pPr indent="0" lvl="0" marL="0" rtl="0" algn="r">
               <a:spcBef>
                 <a:spcPts val="0"/>
               </a:spcBef>
@@ -6290,7 +6239,7 @@
             </a:pPr>
             <a:fld id="{00000000-1234-1234-1234-123412341234}" type="slidenum">
               <a:rPr lang="es"/>
-              <a:t>‹Nº›</a:t>
+              <a:t>‹#›</a:t>
             </a:fld>
             <a:endParaRPr/>
           </a:p>
@@ -6298,7 +6247,7 @@
       </p:sp>
     </p:spTree>
   </p:cSld>
-  <p:clrMap bg1="lt1" tx1="dk1" bg2="dk2" tx2="lt2" accent1="accent1" accent2="accent2" accent3="accent3" accent4="accent4" accent5="accent5" accent6="accent6" hlink="hlink" folHlink="folHlink"/>
+  <p:clrMap accent1="accent1" accent2="accent2" accent3="accent3" accent4="accent4" accent5="accent5" accent6="accent6" bg1="lt1" bg2="dk2" tx1="dk1" tx2="lt2" folHlink="folHlink" hlink="hlink"/>
   <p:sldLayoutIdLst>
     <p:sldLayoutId id="2147483648" r:id="rId1"/>
     <p:sldLayoutId id="2147483649" r:id="rId2"/>
@@ -6312,10 +6261,10 @@
     <p:sldLayoutId id="2147483657" r:id="rId10"/>
     <p:sldLayoutId id="2147483658" r:id="rId11"/>
   </p:sldLayoutIdLst>
-  <p:hf sldNum="0" hdr="0" ftr="0" dt="0"/>
+  <p:hf dt="0" ftr="0" hdr="0" sldNum="0"/>
   <p:txStyles>
     <p:titleStyle>
-      <a:defPPr marR="0" lvl="0" algn="l" rtl="0">
+      <a:defPPr lvl="0" marR="0" rtl="0" algn="l">
         <a:lnSpc>
           <a:spcPct val="100000"/>
         </a:lnSpc>
@@ -6326,7 +6275,7 @@
           <a:spcPts val="0"/>
         </a:spcAft>
       </a:defPPr>
-      <a:lvl1pPr marR="0" lvl="0" algn="l" rtl="0">
+      <a:lvl1pPr lvl="0" marR="0" rtl="0" algn="l">
         <a:lnSpc>
           <a:spcPct val="100000"/>
         </a:lnSpc>
@@ -6340,7 +6289,7 @@
           <a:srgbClr val="000000"/>
         </a:buClr>
         <a:buFont typeface="Arial"/>
-        <a:defRPr sz="1400" b="0" i="0" u="none" strike="noStrike" cap="none">
+        <a:defRPr b="0" i="0" sz="1400" u="none" cap="none" strike="noStrike">
           <a:solidFill>
             <a:srgbClr val="000000"/>
           </a:solidFill>
@@ -6350,7 +6299,7 @@
           <a:sym typeface="Arial"/>
         </a:defRPr>
       </a:lvl1pPr>
-      <a:lvl2pPr marR="0" lvl="1" algn="l" rtl="0">
+      <a:lvl2pPr lvl="1" marR="0" rtl="0" algn="l">
         <a:lnSpc>
           <a:spcPct val="100000"/>
         </a:lnSpc>
@@ -6364,7 +6313,7 @@
           <a:srgbClr val="000000"/>
         </a:buClr>
         <a:buFont typeface="Arial"/>
-        <a:defRPr sz="1400" b="0" i="0" u="none" strike="noStrike" cap="none">
+        <a:defRPr b="0" i="0" sz="1400" u="none" cap="none" strike="noStrike">
           <a:solidFill>
             <a:srgbClr val="000000"/>
           </a:solidFill>
@@ -6374,7 +6323,7 @@
           <a:sym typeface="Arial"/>
         </a:defRPr>
       </a:lvl2pPr>
-      <a:lvl3pPr marR="0" lvl="2" algn="l" rtl="0">
+      <a:lvl3pPr lvl="2" marR="0" rtl="0" algn="l">
         <a:lnSpc>
           <a:spcPct val="100000"/>
         </a:lnSpc>
@@ -6388,7 +6337,7 @@
           <a:srgbClr val="000000"/>
         </a:buClr>
         <a:buFont typeface="Arial"/>
-        <a:defRPr sz="1400" b="0" i="0" u="none" strike="noStrike" cap="none">
+        <a:defRPr b="0" i="0" sz="1400" u="none" cap="none" strike="noStrike">
           <a:solidFill>
             <a:srgbClr val="000000"/>
           </a:solidFill>
@@ -6398,7 +6347,7 @@
           <a:sym typeface="Arial"/>
         </a:defRPr>
       </a:lvl3pPr>
-      <a:lvl4pPr marR="0" lvl="3" algn="l" rtl="0">
+      <a:lvl4pPr lvl="3" marR="0" rtl="0" algn="l">
         <a:lnSpc>
           <a:spcPct val="100000"/>
         </a:lnSpc>
@@ -6412,7 +6361,7 @@
           <a:srgbClr val="000000"/>
         </a:buClr>
         <a:buFont typeface="Arial"/>
-        <a:defRPr sz="1400" b="0" i="0" u="none" strike="noStrike" cap="none">
+        <a:defRPr b="0" i="0" sz="1400" u="none" cap="none" strike="noStrike">
           <a:solidFill>
             <a:srgbClr val="000000"/>
           </a:solidFill>
@@ -6422,7 +6371,7 @@
           <a:sym typeface="Arial"/>
         </a:defRPr>
       </a:lvl4pPr>
-      <a:lvl5pPr marR="0" lvl="4" algn="l" rtl="0">
+      <a:lvl5pPr lvl="4" marR="0" rtl="0" algn="l">
         <a:lnSpc>
           <a:spcPct val="100000"/>
         </a:lnSpc>
@@ -6436,7 +6385,7 @@
           <a:srgbClr val="000000"/>
         </a:buClr>
         <a:buFont typeface="Arial"/>
-        <a:defRPr sz="1400" b="0" i="0" u="none" strike="noStrike" cap="none">
+        <a:defRPr b="0" i="0" sz="1400" u="none" cap="none" strike="noStrike">
           <a:solidFill>
             <a:srgbClr val="000000"/>
           </a:solidFill>
@@ -6446,7 +6395,7 @@
           <a:sym typeface="Arial"/>
         </a:defRPr>
       </a:lvl5pPr>
-      <a:lvl6pPr marR="0" lvl="5" algn="l" rtl="0">
+      <a:lvl6pPr lvl="5" marR="0" rtl="0" algn="l">
         <a:lnSpc>
           <a:spcPct val="100000"/>
         </a:lnSpc>
@@ -6460,7 +6409,7 @@
           <a:srgbClr val="000000"/>
         </a:buClr>
         <a:buFont typeface="Arial"/>
-        <a:defRPr sz="1400" b="0" i="0" u="none" strike="noStrike" cap="none">
+        <a:defRPr b="0" i="0" sz="1400" u="none" cap="none" strike="noStrike">
           <a:solidFill>
             <a:srgbClr val="000000"/>
           </a:solidFill>
@@ -6470,7 +6419,7 @@
           <a:sym typeface="Arial"/>
         </a:defRPr>
       </a:lvl6pPr>
-      <a:lvl7pPr marR="0" lvl="6" algn="l" rtl="0">
+      <a:lvl7pPr lvl="6" marR="0" rtl="0" algn="l">
         <a:lnSpc>
           <a:spcPct val="100000"/>
         </a:lnSpc>
@@ -6484,7 +6433,7 @@
           <a:srgbClr val="000000"/>
         </a:buClr>
         <a:buFont typeface="Arial"/>
-        <a:defRPr sz="1400" b="0" i="0" u="none" strike="noStrike" cap="none">
+        <a:defRPr b="0" i="0" sz="1400" u="none" cap="none" strike="noStrike">
           <a:solidFill>
             <a:srgbClr val="000000"/>
           </a:solidFill>
@@ -6494,7 +6443,7 @@
           <a:sym typeface="Arial"/>
         </a:defRPr>
       </a:lvl7pPr>
-      <a:lvl8pPr marR="0" lvl="7" algn="l" rtl="0">
+      <a:lvl8pPr lvl="7" marR="0" rtl="0" algn="l">
         <a:lnSpc>
           <a:spcPct val="100000"/>
         </a:lnSpc>
@@ -6508,7 +6457,7 @@
           <a:srgbClr val="000000"/>
         </a:buClr>
         <a:buFont typeface="Arial"/>
-        <a:defRPr sz="1400" b="0" i="0" u="none" strike="noStrike" cap="none">
+        <a:defRPr b="0" i="0" sz="1400" u="none" cap="none" strike="noStrike">
           <a:solidFill>
             <a:srgbClr val="000000"/>
           </a:solidFill>
@@ -6518,7 +6467,7 @@
           <a:sym typeface="Arial"/>
         </a:defRPr>
       </a:lvl8pPr>
-      <a:lvl9pPr marR="0" lvl="8" algn="l" rtl="0">
+      <a:lvl9pPr lvl="8" marR="0" rtl="0" algn="l">
         <a:lnSpc>
           <a:spcPct val="100000"/>
         </a:lnSpc>
@@ -6532,7 +6481,7 @@
           <a:srgbClr val="000000"/>
         </a:buClr>
         <a:buFont typeface="Arial"/>
-        <a:defRPr sz="1400" b="0" i="0" u="none" strike="noStrike" cap="none">
+        <a:defRPr b="0" i="0" sz="1400" u="none" cap="none" strike="noStrike">
           <a:solidFill>
             <a:srgbClr val="000000"/>
           </a:solidFill>
@@ -6544,7 +6493,7 @@
       </a:lvl9pPr>
     </p:titleStyle>
     <p:bodyStyle>
-      <a:defPPr marR="0" lvl="0" algn="l" rtl="0">
+      <a:defPPr lvl="0" marR="0" rtl="0" algn="l">
         <a:lnSpc>
           <a:spcPct val="100000"/>
         </a:lnSpc>
@@ -6555,7 +6504,7 @@
           <a:spcPts val="0"/>
         </a:spcAft>
       </a:defPPr>
-      <a:lvl1pPr marR="0" lvl="0" algn="l" rtl="0">
+      <a:lvl1pPr lvl="0" marR="0" rtl="0" algn="l">
         <a:lnSpc>
           <a:spcPct val="100000"/>
         </a:lnSpc>
@@ -6569,7 +6518,7 @@
           <a:srgbClr val="000000"/>
         </a:buClr>
         <a:buFont typeface="Arial"/>
-        <a:defRPr sz="1400" b="0" i="0" u="none" strike="noStrike" cap="none">
+        <a:defRPr b="0" i="0" sz="1400" u="none" cap="none" strike="noStrike">
           <a:solidFill>
             <a:srgbClr val="000000"/>
           </a:solidFill>
@@ -6579,7 +6528,7 @@
           <a:sym typeface="Arial"/>
         </a:defRPr>
       </a:lvl1pPr>
-      <a:lvl2pPr marR="0" lvl="1" algn="l" rtl="0">
+      <a:lvl2pPr lvl="1" marR="0" rtl="0" algn="l">
         <a:lnSpc>
           <a:spcPct val="100000"/>
         </a:lnSpc>
@@ -6593,7 +6542,7 @@
           <a:srgbClr val="000000"/>
         </a:buClr>
         <a:buFont typeface="Arial"/>
-        <a:defRPr sz="1400" b="0" i="0" u="none" strike="noStrike" cap="none">
+        <a:defRPr b="0" i="0" sz="1400" u="none" cap="none" strike="noStrike">
           <a:solidFill>
             <a:srgbClr val="000000"/>
           </a:solidFill>
@@ -6603,7 +6552,7 @@
           <a:sym typeface="Arial"/>
         </a:defRPr>
       </a:lvl2pPr>
-      <a:lvl3pPr marR="0" lvl="2" algn="l" rtl="0">
+      <a:lvl3pPr lvl="2" marR="0" rtl="0" algn="l">
         <a:lnSpc>
           <a:spcPct val="100000"/>
         </a:lnSpc>
@@ -6617,7 +6566,7 @@
           <a:srgbClr val="000000"/>
         </a:buClr>
         <a:buFont typeface="Arial"/>
-        <a:defRPr sz="1400" b="0" i="0" u="none" strike="noStrike" cap="none">
+        <a:defRPr b="0" i="0" sz="1400" u="none" cap="none" strike="noStrike">
           <a:solidFill>
             <a:srgbClr val="000000"/>
           </a:solidFill>
@@ -6627,7 +6576,7 @@
           <a:sym typeface="Arial"/>
         </a:defRPr>
       </a:lvl3pPr>
-      <a:lvl4pPr marR="0" lvl="3" algn="l" rtl="0">
+      <a:lvl4pPr lvl="3" marR="0" rtl="0" algn="l">
         <a:lnSpc>
           <a:spcPct val="100000"/>
         </a:lnSpc>
@@ -6641,7 +6590,7 @@
           <a:srgbClr val="000000"/>
         </a:buClr>
         <a:buFont typeface="Arial"/>
-        <a:defRPr sz="1400" b="0" i="0" u="none" strike="noStrike" cap="none">
+        <a:defRPr b="0" i="0" sz="1400" u="none" cap="none" strike="noStrike">
           <a:solidFill>
             <a:srgbClr val="000000"/>
           </a:solidFill>
@@ -6651,7 +6600,7 @@
           <a:sym typeface="Arial"/>
         </a:defRPr>
       </a:lvl4pPr>
-      <a:lvl5pPr marR="0" lvl="4" algn="l" rtl="0">
+      <a:lvl5pPr lvl="4" marR="0" rtl="0" algn="l">
         <a:lnSpc>
           <a:spcPct val="100000"/>
         </a:lnSpc>
@@ -6665,7 +6614,7 @@
           <a:srgbClr val="000000"/>
         </a:buClr>
         <a:buFont typeface="Arial"/>
-        <a:defRPr sz="1400" b="0" i="0" u="none" strike="noStrike" cap="none">
+        <a:defRPr b="0" i="0" sz="1400" u="none" cap="none" strike="noStrike">
           <a:solidFill>
             <a:srgbClr val="000000"/>
           </a:solidFill>
@@ -6675,7 +6624,7 @@
           <a:sym typeface="Arial"/>
         </a:defRPr>
       </a:lvl5pPr>
-      <a:lvl6pPr marR="0" lvl="5" algn="l" rtl="0">
+      <a:lvl6pPr lvl="5" marR="0" rtl="0" algn="l">
         <a:lnSpc>
           <a:spcPct val="100000"/>
         </a:lnSpc>
@@ -6689,7 +6638,7 @@
           <a:srgbClr val="000000"/>
         </a:buClr>
         <a:buFont typeface="Arial"/>
-        <a:defRPr sz="1400" b="0" i="0" u="none" strike="noStrike" cap="none">
+        <a:defRPr b="0" i="0" sz="1400" u="none" cap="none" strike="noStrike">
           <a:solidFill>
             <a:srgbClr val="000000"/>
           </a:solidFill>
@@ -6699,7 +6648,7 @@
           <a:sym typeface="Arial"/>
         </a:defRPr>
       </a:lvl6pPr>
-      <a:lvl7pPr marR="0" lvl="6" algn="l" rtl="0">
+      <a:lvl7pPr lvl="6" marR="0" rtl="0" algn="l">
         <a:lnSpc>
           <a:spcPct val="100000"/>
         </a:lnSpc>
@@ -6713,7 +6662,7 @@
           <a:srgbClr val="000000"/>
         </a:buClr>
         <a:buFont typeface="Arial"/>
-        <a:defRPr sz="1400" b="0" i="0" u="none" strike="noStrike" cap="none">
+        <a:defRPr b="0" i="0" sz="1400" u="none" cap="none" strike="noStrike">
           <a:solidFill>
             <a:srgbClr val="000000"/>
           </a:solidFill>
@@ -6723,7 +6672,7 @@
           <a:sym typeface="Arial"/>
         </a:defRPr>
       </a:lvl7pPr>
-      <a:lvl8pPr marR="0" lvl="7" algn="l" rtl="0">
+      <a:lvl8pPr lvl="7" marR="0" rtl="0" algn="l">
         <a:lnSpc>
           <a:spcPct val="100000"/>
         </a:lnSpc>
@@ -6737,7 +6686,7 @@
           <a:srgbClr val="000000"/>
         </a:buClr>
         <a:buFont typeface="Arial"/>
-        <a:defRPr sz="1400" b="0" i="0" u="none" strike="noStrike" cap="none">
+        <a:defRPr b="0" i="0" sz="1400" u="none" cap="none" strike="noStrike">
           <a:solidFill>
             <a:srgbClr val="000000"/>
           </a:solidFill>
@@ -6747,7 +6696,7 @@
           <a:sym typeface="Arial"/>
         </a:defRPr>
       </a:lvl8pPr>
-      <a:lvl9pPr marR="0" lvl="8" algn="l" rtl="0">
+      <a:lvl9pPr lvl="8" marR="0" rtl="0" algn="l">
         <a:lnSpc>
           <a:spcPct val="100000"/>
         </a:lnSpc>
@@ -6761,7 +6710,7 @@
           <a:srgbClr val="000000"/>
         </a:buClr>
         <a:buFont typeface="Arial"/>
-        <a:defRPr sz="1400" b="0" i="0" u="none" strike="noStrike" cap="none">
+        <a:defRPr b="0" i="0" sz="1400" u="none" cap="none" strike="noStrike">
           <a:solidFill>
             <a:srgbClr val="000000"/>
           </a:solidFill>
@@ -6773,7 +6722,7 @@
       </a:lvl9pPr>
     </p:bodyStyle>
     <p:otherStyle>
-      <a:defPPr marR="0" lvl="0" algn="l" rtl="0">
+      <a:defPPr lvl="0" marR="0" rtl="0" algn="l">
         <a:lnSpc>
           <a:spcPct val="100000"/>
         </a:lnSpc>
@@ -6784,7 +6733,7 @@
           <a:spcPts val="0"/>
         </a:spcAft>
       </a:defPPr>
-      <a:lvl1pPr marR="0" lvl="0" algn="l" rtl="0">
+      <a:lvl1pPr lvl="0" marR="0" rtl="0" algn="l">
         <a:lnSpc>
           <a:spcPct val="100000"/>
         </a:lnSpc>
@@ -6798,7 +6747,7 @@
           <a:srgbClr val="000000"/>
         </a:buClr>
         <a:buFont typeface="Arial"/>
-        <a:defRPr sz="1400" b="0" i="0" u="none" strike="noStrike" cap="none">
+        <a:defRPr b="0" i="0" sz="1400" u="none" cap="none" strike="noStrike">
           <a:solidFill>
             <a:srgbClr val="000000"/>
           </a:solidFill>
@@ -6808,7 +6757,7 @@
           <a:sym typeface="Arial"/>
         </a:defRPr>
       </a:lvl1pPr>
-      <a:lvl2pPr marR="0" lvl="1" algn="l" rtl="0">
+      <a:lvl2pPr lvl="1" marR="0" rtl="0" algn="l">
         <a:lnSpc>
           <a:spcPct val="100000"/>
         </a:lnSpc>
@@ -6822,7 +6771,7 @@
           <a:srgbClr val="000000"/>
         </a:buClr>
         <a:buFont typeface="Arial"/>
-        <a:defRPr sz="1400" b="0" i="0" u="none" strike="noStrike" cap="none">
+        <a:defRPr b="0" i="0" sz="1400" u="none" cap="none" strike="noStrike">
           <a:solidFill>
             <a:srgbClr val="000000"/>
           </a:solidFill>
@@ -6832,7 +6781,7 @@
           <a:sym typeface="Arial"/>
         </a:defRPr>
       </a:lvl2pPr>
-      <a:lvl3pPr marR="0" lvl="2" algn="l" rtl="0">
+      <a:lvl3pPr lvl="2" marR="0" rtl="0" algn="l">
         <a:lnSpc>
           <a:spcPct val="100000"/>
         </a:lnSpc>
@@ -6846,7 +6795,7 @@
           <a:srgbClr val="000000"/>
         </a:buClr>
         <a:buFont typeface="Arial"/>
-        <a:defRPr sz="1400" b="0" i="0" u="none" strike="noStrike" cap="none">
+        <a:defRPr b="0" i="0" sz="1400" u="none" cap="none" strike="noStrike">
           <a:solidFill>
             <a:srgbClr val="000000"/>
           </a:solidFill>
@@ -6856,7 +6805,7 @@
           <a:sym typeface="Arial"/>
         </a:defRPr>
       </a:lvl3pPr>
-      <a:lvl4pPr marR="0" lvl="3" algn="l" rtl="0">
+      <a:lvl4pPr lvl="3" marR="0" rtl="0" algn="l">
         <a:lnSpc>
           <a:spcPct val="100000"/>
         </a:lnSpc>
@@ -6870,7 +6819,7 @@
           <a:srgbClr val="000000"/>
         </a:buClr>
         <a:buFont typeface="Arial"/>
-        <a:defRPr sz="1400" b="0" i="0" u="none" strike="noStrike" cap="none">
+        <a:defRPr b="0" i="0" sz="1400" u="none" cap="none" strike="noStrike">
           <a:solidFill>
             <a:srgbClr val="000000"/>
           </a:solidFill>
@@ -6880,7 +6829,7 @@
           <a:sym typeface="Arial"/>
         </a:defRPr>
       </a:lvl4pPr>
-      <a:lvl5pPr marR="0" lvl="4" algn="l" rtl="0">
+      <a:lvl5pPr lvl="4" marR="0" rtl="0" algn="l">
         <a:lnSpc>
           <a:spcPct val="100000"/>
         </a:lnSpc>
@@ -6894,7 +6843,7 @@
           <a:srgbClr val="000000"/>
         </a:buClr>
         <a:buFont typeface="Arial"/>
-        <a:defRPr sz="1400" b="0" i="0" u="none" strike="noStrike" cap="none">
+        <a:defRPr b="0" i="0" sz="1400" u="none" cap="none" strike="noStrike">
           <a:solidFill>
             <a:srgbClr val="000000"/>
           </a:solidFill>
@@ -6904,7 +6853,7 @@
           <a:sym typeface="Arial"/>
         </a:defRPr>
       </a:lvl5pPr>
-      <a:lvl6pPr marR="0" lvl="5" algn="l" rtl="0">
+      <a:lvl6pPr lvl="5" marR="0" rtl="0" algn="l">
         <a:lnSpc>
           <a:spcPct val="100000"/>
         </a:lnSpc>
@@ -6918,7 +6867,7 @@
           <a:srgbClr val="000000"/>
         </a:buClr>
         <a:buFont typeface="Arial"/>
-        <a:defRPr sz="1400" b="0" i="0" u="none" strike="noStrike" cap="none">
+        <a:defRPr b="0" i="0" sz="1400" u="none" cap="none" strike="noStrike">
           <a:solidFill>
             <a:srgbClr val="000000"/>
           </a:solidFill>
@@ -6928,7 +6877,7 @@
           <a:sym typeface="Arial"/>
         </a:defRPr>
       </a:lvl6pPr>
-      <a:lvl7pPr marR="0" lvl="6" algn="l" rtl="0">
+      <a:lvl7pPr lvl="6" marR="0" rtl="0" algn="l">
         <a:lnSpc>
           <a:spcPct val="100000"/>
         </a:lnSpc>
@@ -6942,7 +6891,7 @@
           <a:srgbClr val="000000"/>
         </a:buClr>
         <a:buFont typeface="Arial"/>
-        <a:defRPr sz="1400" b="0" i="0" u="none" strike="noStrike" cap="none">
+        <a:defRPr b="0" i="0" sz="1400" u="none" cap="none" strike="noStrike">
           <a:solidFill>
             <a:srgbClr val="000000"/>
           </a:solidFill>
@@ -6952,7 +6901,7 @@
           <a:sym typeface="Arial"/>
         </a:defRPr>
       </a:lvl7pPr>
-      <a:lvl8pPr marR="0" lvl="7" algn="l" rtl="0">
+      <a:lvl8pPr lvl="7" marR="0" rtl="0" algn="l">
         <a:lnSpc>
           <a:spcPct val="100000"/>
         </a:lnSpc>
@@ -6966,7 +6915,7 @@
           <a:srgbClr val="000000"/>
         </a:buClr>
         <a:buFont typeface="Arial"/>
-        <a:defRPr sz="1400" b="0" i="0" u="none" strike="noStrike" cap="none">
+        <a:defRPr b="0" i="0" sz="1400" u="none" cap="none" strike="noStrike">
           <a:solidFill>
             <a:srgbClr val="000000"/>
           </a:solidFill>
@@ -6976,7 +6925,7 @@
           <a:sym typeface="Arial"/>
         </a:defRPr>
       </a:lvl8pPr>
-      <a:lvl9pPr marR="0" lvl="8" algn="l" rtl="0">
+      <a:lvl9pPr lvl="8" marR="0" rtl="0" algn="l">
         <a:lnSpc>
           <a:spcPct val="100000"/>
         </a:lnSpc>
@@ -6990,7 +6939,7 @@
           <a:srgbClr val="000000"/>
         </a:buClr>
         <a:buFont typeface="Arial"/>
-        <a:defRPr sz="1400" b="0" i="0" u="none" strike="noStrike" cap="none">
+        <a:defRPr b="0" i="0" sz="1400" u="none" cap="none" strike="noStrike">
           <a:solidFill>
             <a:srgbClr val="000000"/>
           </a:solidFill>
@@ -7006,11 +6955,11 @@
 </file>
 
 <file path=ppt/slides/slide1.xml><?xml version="1.0" encoding="utf-8"?>
-<p:sld xmlns:a="http://schemas.openxmlformats.org/drawingml/2006/main" xmlns:r="http://schemas.openxmlformats.org/officeDocument/2006/relationships" xmlns:p="http://schemas.openxmlformats.org/presentationml/2006/main">
+<p:sld xmlns:a="http://schemas.openxmlformats.org/drawingml/2006/main" xmlns:r="http://schemas.openxmlformats.org/officeDocument/2006/relationships" xmlns:mc="http://schemas.openxmlformats.org/markup-compatibility/2006" xmlns:mv="urn:schemas-microsoft-com:mac:vml" xmlns:p="http://schemas.openxmlformats.org/presentationml/2006/main" xmlns:c="http://schemas.openxmlformats.org/drawingml/2006/chart" xmlns:dgm="http://schemas.openxmlformats.org/drawingml/2006/diagram" xmlns:o="urn:schemas-microsoft-com:office:office" xmlns:v="urn:schemas-microsoft-com:vml" xmlns:pvml="urn:schemas-microsoft-com:office:powerpoint" xmlns:com="http://schemas.openxmlformats.org/drawingml/2006/compatibility" xmlns:p14="http://schemas.microsoft.com/office/powerpoint/2010/main" xmlns:p15="http://schemas.microsoft.com/office/powerpoint/2012/main" xmlns:ahyp="http://schemas.microsoft.com/office/drawing/2018/hyperlinkcolor">
   <p:cSld>
     <p:spTree>
       <p:nvGrpSpPr>
-        <p:cNvPr id="1" name="Shape 57"/>
+        <p:cNvPr id="57" name="Shape 57"/>
         <p:cNvGrpSpPr/>
         <p:nvPr/>
       </p:nvGrpSpPr>
@@ -7025,9 +6974,7 @@
       <p:sp>
         <p:nvSpPr>
           <p:cNvPr id="58" name="Google Shape;58;p13"/>
-          <p:cNvSpPr txBox="1">
-            <a:spLocks noGrp="1"/>
-          </p:cNvSpPr>
+          <p:cNvSpPr txBox="1"/>
           <p:nvPr>
             <p:ph type="ctrTitle"/>
           </p:nvPr>
@@ -7042,12 +6989,12 @@
           </a:prstGeom>
         </p:spPr>
         <p:txBody>
-          <a:bodyPr spcFirstLastPara="1" wrap="square" lIns="91425" tIns="91425" rIns="91425" bIns="91425" anchor="b" anchorCtr="0">
+          <a:bodyPr anchorCtr="0" anchor="b" bIns="91425" lIns="91425" spcFirstLastPara="1" rIns="91425" wrap="square" tIns="91425">
             <a:noAutofit/>
           </a:bodyPr>
           <a:lstStyle/>
           <a:p>
-            <a:pPr marL="0" lvl="0" indent="0" algn="ctr" rtl="0">
+            <a:pPr indent="0" lvl="0" marL="0" rtl="0" algn="ctr">
               <a:spcBef>
                 <a:spcPts val="0"/>
               </a:spcBef>
@@ -7157,11 +7104,11 @@
 </file>
 
 <file path=ppt/slides/slide2.xml><?xml version="1.0" encoding="utf-8"?>
-<p:sld xmlns:a="http://schemas.openxmlformats.org/drawingml/2006/main" xmlns:r="http://schemas.openxmlformats.org/officeDocument/2006/relationships" xmlns:p="http://schemas.openxmlformats.org/presentationml/2006/main">
+<p:sld xmlns:a="http://schemas.openxmlformats.org/drawingml/2006/main" xmlns:r="http://schemas.openxmlformats.org/officeDocument/2006/relationships" xmlns:mc="http://schemas.openxmlformats.org/markup-compatibility/2006" xmlns:mv="urn:schemas-microsoft-com:mac:vml" xmlns:p="http://schemas.openxmlformats.org/presentationml/2006/main" xmlns:c="http://schemas.openxmlformats.org/drawingml/2006/chart" xmlns:dgm="http://schemas.openxmlformats.org/drawingml/2006/diagram" xmlns:o="urn:schemas-microsoft-com:office:office" xmlns:v="urn:schemas-microsoft-com:vml" xmlns:pvml="urn:schemas-microsoft-com:office:powerpoint" xmlns:com="http://schemas.openxmlformats.org/drawingml/2006/compatibility" xmlns:p14="http://schemas.microsoft.com/office/powerpoint/2010/main" xmlns:p15="http://schemas.microsoft.com/office/powerpoint/2012/main" xmlns:ahyp="http://schemas.microsoft.com/office/drawing/2018/hyperlinkcolor">
   <p:cSld>
     <p:spTree>
       <p:nvGrpSpPr>
-        <p:cNvPr id="1" name="Shape 65"/>
+        <p:cNvPr id="65" name="Shape 65"/>
         <p:cNvGrpSpPr/>
         <p:nvPr/>
       </p:nvGrpSpPr>
@@ -7176,9 +7123,7 @@
       <p:sp>
         <p:nvSpPr>
           <p:cNvPr id="66" name="Google Shape;66;p14"/>
-          <p:cNvSpPr txBox="1">
-            <a:spLocks noGrp="1"/>
-          </p:cNvSpPr>
+          <p:cNvSpPr txBox="1"/>
           <p:nvPr>
             <p:ph type="title"/>
           </p:nvPr>
@@ -7193,12 +7138,12 @@
           </a:prstGeom>
         </p:spPr>
         <p:txBody>
-          <a:bodyPr spcFirstLastPara="1" wrap="square" lIns="91425" tIns="91425" rIns="91425" bIns="91425" anchor="t" anchorCtr="0">
+          <a:bodyPr anchorCtr="0" anchor="t" bIns="91425" lIns="91425" spcFirstLastPara="1" rIns="91425" wrap="square" tIns="91425">
             <a:noAutofit/>
           </a:bodyPr>
           <a:lstStyle/>
           <a:p>
-            <a:pPr marL="457200" lvl="0" indent="-501650" algn="ctr" rtl="0">
+            <a:pPr indent="-501650" lvl="0" marL="457200" rtl="0" algn="ctr">
               <a:spcBef>
                 <a:spcPts val="0"/>
               </a:spcBef>
@@ -7219,11 +7164,9 @@
       <p:sp>
         <p:nvSpPr>
           <p:cNvPr id="67" name="Google Shape;67;p14"/>
-          <p:cNvSpPr txBox="1">
-            <a:spLocks noGrp="1"/>
-          </p:cNvSpPr>
+          <p:cNvSpPr txBox="1"/>
           <p:nvPr>
-            <p:ph type="body" idx="1"/>
+            <p:ph idx="1" type="body"/>
           </p:nvPr>
         </p:nvSpPr>
         <p:spPr>
@@ -7237,23 +7180,23 @@
           <a:solidFill>
             <a:schemeClr val="dk1"/>
           </a:solidFill>
-          <a:ln w="9525" cap="flat" cmpd="sng">
+          <a:ln cap="flat" cmpd="sng" w="9525">
             <a:solidFill>
               <a:schemeClr val="lt1"/>
             </a:solidFill>
             <a:prstDash val="solid"/>
             <a:round/>
-            <a:headEnd type="none" w="sm" len="sm"/>
-            <a:tailEnd type="none" w="sm" len="sm"/>
+            <a:headEnd len="sm" w="sm" type="none"/>
+            <a:tailEnd len="sm" w="sm" type="none"/>
           </a:ln>
         </p:spPr>
         <p:txBody>
-          <a:bodyPr spcFirstLastPara="1" wrap="square" lIns="91425" tIns="91425" rIns="91425" bIns="91425" anchor="t" anchorCtr="0">
+          <a:bodyPr anchorCtr="0" anchor="t" bIns="91425" lIns="91425" spcFirstLastPara="1" rIns="91425" wrap="square" tIns="91425">
             <a:noAutofit/>
           </a:bodyPr>
           <a:lstStyle/>
           <a:p>
-            <a:pPr marL="0" lvl="0" indent="457200" algn="just" rtl="0">
+            <a:pPr indent="457200" lvl="0" marL="0" rtl="0" algn="just">
               <a:spcBef>
                 <a:spcPts val="0"/>
               </a:spcBef>
@@ -7277,7 +7220,7 @@
             </a:endParaRPr>
           </a:p>
           <a:p>
-            <a:pPr marL="0" lvl="0" indent="457200" algn="just" rtl="0">
+            <a:pPr indent="457200" lvl="0" marL="0" rtl="0" algn="just">
               <a:spcBef>
                 <a:spcPts val="1600"/>
               </a:spcBef>
@@ -7295,7 +7238,7 @@
               <a:t>Esto es lo que pretendemos determinar aquí, ¿</a:t>
             </a:r>
             <a:r>
-              <a:rPr lang="es" b="1">
+              <a:rPr b="1" lang="es">
                 <a:solidFill>
                   <a:schemeClr val="lt1"/>
                 </a:solidFill>
@@ -7347,11 +7290,11 @@
 </file>
 
 <file path=ppt/slides/slide3.xml><?xml version="1.0" encoding="utf-8"?>
-<p:sld xmlns:a="http://schemas.openxmlformats.org/drawingml/2006/main" xmlns:r="http://schemas.openxmlformats.org/officeDocument/2006/relationships" xmlns:p="http://schemas.openxmlformats.org/presentationml/2006/main">
+<p:sld xmlns:a="http://schemas.openxmlformats.org/drawingml/2006/main" xmlns:r="http://schemas.openxmlformats.org/officeDocument/2006/relationships" xmlns:mc="http://schemas.openxmlformats.org/markup-compatibility/2006" xmlns:mv="urn:schemas-microsoft-com:mac:vml" xmlns:p="http://schemas.openxmlformats.org/presentationml/2006/main" xmlns:c="http://schemas.openxmlformats.org/drawingml/2006/chart" xmlns:dgm="http://schemas.openxmlformats.org/drawingml/2006/diagram" xmlns:o="urn:schemas-microsoft-com:office:office" xmlns:v="urn:schemas-microsoft-com:vml" xmlns:pvml="urn:schemas-microsoft-com:office:powerpoint" xmlns:com="http://schemas.openxmlformats.org/drawingml/2006/compatibility" xmlns:p14="http://schemas.microsoft.com/office/powerpoint/2010/main" xmlns:p15="http://schemas.microsoft.com/office/powerpoint/2012/main" xmlns:ahyp="http://schemas.microsoft.com/office/drawing/2018/hyperlinkcolor">
   <p:cSld>
     <p:spTree>
       <p:nvGrpSpPr>
-        <p:cNvPr id="1" name="Shape 72"/>
+        <p:cNvPr id="72" name="Shape 72"/>
         <p:cNvGrpSpPr/>
         <p:nvPr/>
       </p:nvGrpSpPr>
@@ -7366,11 +7309,9 @@
       <p:sp>
         <p:nvSpPr>
           <p:cNvPr id="73" name="Google Shape;73;p15"/>
-          <p:cNvSpPr txBox="1">
-            <a:spLocks noGrp="1"/>
-          </p:cNvSpPr>
+          <p:cNvSpPr txBox="1"/>
           <p:nvPr>
-            <p:ph type="body" idx="4294967295"/>
+            <p:ph idx="4294967295" type="body"/>
           </p:nvPr>
         </p:nvSpPr>
         <p:spPr>
@@ -7386,12 +7327,12 @@
           </a:solidFill>
         </p:spPr>
         <p:txBody>
-          <a:bodyPr spcFirstLastPara="1" wrap="square" lIns="91425" tIns="91425" rIns="91425" bIns="91425" anchor="t" anchorCtr="0">
+          <a:bodyPr anchorCtr="0" anchor="t" bIns="91425" lIns="91425" spcFirstLastPara="1" rIns="91425" wrap="square" tIns="91425">
             <a:noAutofit/>
           </a:bodyPr>
           <a:lstStyle/>
           <a:p>
-            <a:pPr marL="0" lvl="0" indent="0" algn="ctr" rtl="0">
+            <a:pPr indent="0" lvl="0" marL="0" rtl="0" algn="ctr">
               <a:spcBef>
                 <a:spcPts val="0"/>
               </a:spcBef>
@@ -7415,7 +7356,7 @@
             </a:endParaRPr>
           </a:p>
           <a:p>
-            <a:pPr marL="914400" lvl="0" indent="-361950" algn="l" rtl="0">
+            <a:pPr indent="-361950" lvl="0" marL="914400" rtl="0" algn="l">
               <a:spcBef>
                 <a:spcPts val="1600"/>
               </a:spcBef>
@@ -7443,7 +7384,7 @@
             </a:endParaRPr>
           </a:p>
           <a:p>
-            <a:pPr marL="914400" lvl="0" indent="-361950" algn="l" rtl="0">
+            <a:pPr indent="-361950" lvl="0" marL="914400" rtl="0" algn="l">
               <a:spcBef>
                 <a:spcPts val="0"/>
               </a:spcBef>
@@ -7471,7 +7412,7 @@
             </a:endParaRPr>
           </a:p>
           <a:p>
-            <a:pPr marL="914400" lvl="0" indent="-361950" algn="l" rtl="0">
+            <a:pPr indent="-361950" lvl="0" marL="914400" rtl="0" algn="l">
               <a:spcBef>
                 <a:spcPts val="0"/>
               </a:spcBef>
@@ -7520,12 +7461,12 @@
           </a:ln>
         </p:spPr>
         <p:txBody>
-          <a:bodyPr spcFirstLastPara="1" wrap="square" lIns="91425" tIns="91425" rIns="91425" bIns="91425" anchor="ctr" anchorCtr="0">
+          <a:bodyPr anchorCtr="0" anchor="ctr" bIns="91425" lIns="91425" spcFirstLastPara="1" rIns="91425" wrap="square" tIns="91425">
             <a:spAutoFit/>
           </a:bodyPr>
           <a:lstStyle/>
           <a:p>
-            <a:pPr marL="0" marR="0" lvl="0" indent="0" algn="ctr" rtl="0">
+            <a:pPr indent="0" lvl="0" marL="0" marR="0" rtl="0" algn="ctr">
               <a:lnSpc>
                 <a:spcPct val="115000"/>
               </a:lnSpc>
@@ -7564,11 +7505,9 @@
       <p:sp>
         <p:nvSpPr>
           <p:cNvPr id="75" name="Google Shape;75;p15"/>
-          <p:cNvSpPr txBox="1">
-            <a:spLocks noGrp="1"/>
-          </p:cNvSpPr>
+          <p:cNvSpPr txBox="1"/>
           <p:nvPr>
-            <p:ph type="body" idx="4294967295"/>
+            <p:ph idx="4294967295" type="body"/>
           </p:nvPr>
         </p:nvSpPr>
         <p:spPr>
@@ -7581,12 +7520,12 @@
           </a:prstGeom>
         </p:spPr>
         <p:txBody>
-          <a:bodyPr spcFirstLastPara="1" wrap="square" lIns="91425" tIns="91425" rIns="91425" bIns="91425" anchor="t" anchorCtr="0">
+          <a:bodyPr anchorCtr="0" anchor="t" bIns="91425" lIns="91425" spcFirstLastPara="1" rIns="91425" wrap="square" tIns="91425">
             <a:noAutofit/>
           </a:bodyPr>
           <a:lstStyle/>
           <a:p>
-            <a:pPr marL="914400" lvl="0" indent="-361950" algn="l" rtl="0">
+            <a:pPr indent="-361950" lvl="0" marL="914400" rtl="0" algn="l">
               <a:spcBef>
                 <a:spcPts val="0"/>
               </a:spcBef>
@@ -7614,7 +7553,7 @@
             </a:endParaRPr>
           </a:p>
           <a:p>
-            <a:pPr marL="914400" lvl="0" indent="-361950" algn="l" rtl="0">
+            <a:pPr indent="-361950" lvl="0" marL="914400" rtl="0" algn="l">
               <a:spcBef>
                 <a:spcPts val="0"/>
               </a:spcBef>
@@ -7646,9 +7585,7 @@
       <p:sp>
         <p:nvSpPr>
           <p:cNvPr id="76" name="Google Shape;76;p15"/>
-          <p:cNvSpPr txBox="1">
-            <a:spLocks noGrp="1"/>
-          </p:cNvSpPr>
+          <p:cNvSpPr txBox="1"/>
           <p:nvPr>
             <p:ph type="title"/>
           </p:nvPr>
@@ -7663,12 +7600,12 @@
           </a:prstGeom>
         </p:spPr>
         <p:txBody>
-          <a:bodyPr spcFirstLastPara="1" wrap="square" lIns="91425" tIns="91425" rIns="91425" bIns="91425" anchor="t" anchorCtr="0">
+          <a:bodyPr anchorCtr="0" anchor="t" bIns="91425" lIns="91425" spcFirstLastPara="1" rIns="91425" wrap="square" tIns="91425">
             <a:noAutofit/>
           </a:bodyPr>
           <a:lstStyle/>
           <a:p>
-            <a:pPr marL="457200" lvl="0" indent="0" algn="ctr" rtl="0">
+            <a:pPr indent="0" lvl="0" marL="457200" rtl="0" algn="ctr">
               <a:spcBef>
                 <a:spcPts val="0"/>
               </a:spcBef>
@@ -7694,11 +7631,11 @@
 </file>
 
 <file path=ppt/slides/slide4.xml><?xml version="1.0" encoding="utf-8"?>
-<p:sld xmlns:a="http://schemas.openxmlformats.org/drawingml/2006/main" xmlns:r="http://schemas.openxmlformats.org/officeDocument/2006/relationships" xmlns:p="http://schemas.openxmlformats.org/presentationml/2006/main">
+<p:sld xmlns:a="http://schemas.openxmlformats.org/drawingml/2006/main" xmlns:r="http://schemas.openxmlformats.org/officeDocument/2006/relationships" xmlns:mc="http://schemas.openxmlformats.org/markup-compatibility/2006" xmlns:mv="urn:schemas-microsoft-com:mac:vml" xmlns:p="http://schemas.openxmlformats.org/presentationml/2006/main" xmlns:c="http://schemas.openxmlformats.org/drawingml/2006/chart" xmlns:dgm="http://schemas.openxmlformats.org/drawingml/2006/diagram" xmlns:o="urn:schemas-microsoft-com:office:office" xmlns:v="urn:schemas-microsoft-com:vml" xmlns:pvml="urn:schemas-microsoft-com:office:powerpoint" xmlns:com="http://schemas.openxmlformats.org/drawingml/2006/compatibility" xmlns:p14="http://schemas.microsoft.com/office/powerpoint/2010/main" xmlns:p15="http://schemas.microsoft.com/office/powerpoint/2012/main" xmlns:ahyp="http://schemas.microsoft.com/office/drawing/2018/hyperlinkcolor">
   <p:cSld>
     <p:spTree>
       <p:nvGrpSpPr>
-        <p:cNvPr id="1" name="Shape 80"/>
+        <p:cNvPr id="80" name="Shape 80"/>
         <p:cNvGrpSpPr/>
         <p:nvPr/>
       </p:nvGrpSpPr>
@@ -7713,9 +7650,476 @@
       <p:sp>
         <p:nvSpPr>
           <p:cNvPr id="81" name="Google Shape;81;p16"/>
-          <p:cNvSpPr txBox="1">
-            <a:spLocks noGrp="1"/>
-          </p:cNvSpPr>
+          <p:cNvSpPr txBox="1"/>
+          <p:nvPr>
+            <p:ph type="title"/>
+          </p:nvPr>
+        </p:nvSpPr>
+        <p:spPr>
+          <a:xfrm>
+            <a:off x="0" y="0"/>
+            <a:ext cx="9144000" cy="819600"/>
+          </a:xfrm>
+          <a:prstGeom prst="rect">
+            <a:avLst/>
+          </a:prstGeom>
+        </p:spPr>
+        <p:txBody>
+          <a:bodyPr anchorCtr="0" anchor="t" bIns="91425" lIns="91425" spcFirstLastPara="1" rIns="91425" wrap="square" tIns="91425">
+            <a:noAutofit/>
+          </a:bodyPr>
+          <a:lstStyle/>
+          <a:p>
+            <a:pPr indent="0" lvl="0" marL="457200" rtl="0" algn="ctr">
+              <a:spcBef>
+                <a:spcPts val="0"/>
+              </a:spcBef>
+              <a:spcAft>
+                <a:spcPts val="0"/>
+              </a:spcAft>
+              <a:buNone/>
+            </a:pPr>
+            <a:r>
+              <a:rPr lang="es" sz="4300"/>
+              <a:t>3</a:t>
+            </a:r>
+            <a:r>
+              <a:rPr lang="es" sz="4300"/>
+              <a:t>. Software Utilizado</a:t>
+            </a:r>
+            <a:endParaRPr sz="4300"/>
+          </a:p>
+        </p:txBody>
+      </p:sp>
+      <p:sp>
+        <p:nvSpPr>
+          <p:cNvPr id="82" name="Google Shape;82;p16"/>
+          <p:cNvSpPr txBox="1"/>
+          <p:nvPr/>
+        </p:nvSpPr>
+        <p:spPr>
+          <a:xfrm>
+            <a:off x="2286000" y="1143625"/>
+            <a:ext cx="4572000" cy="3701400"/>
+          </a:xfrm>
+          <a:prstGeom prst="rect">
+            <a:avLst/>
+          </a:prstGeom>
+          <a:solidFill>
+            <a:schemeClr val="dk1"/>
+          </a:solidFill>
+          <a:ln>
+            <a:noFill/>
+          </a:ln>
+        </p:spPr>
+        <p:txBody>
+          <a:bodyPr anchorCtr="0" anchor="t" bIns="91425" lIns="91425" spcFirstLastPara="1" rIns="91425" wrap="square" tIns="91425">
+            <a:noAutofit/>
+          </a:bodyPr>
+          <a:lstStyle/>
+          <a:p>
+            <a:pPr indent="457200" lvl="0" marL="457200" rtl="0" algn="l">
+              <a:spcBef>
+                <a:spcPts val="0"/>
+              </a:spcBef>
+              <a:spcAft>
+                <a:spcPts val="0"/>
+              </a:spcAft>
+              <a:buNone/>
+            </a:pPr>
+            <a:r>
+              <a:rPr lang="es" sz="1800">
+                <a:solidFill>
+                  <a:schemeClr val="lt1"/>
+                </a:solidFill>
+                <a:latin typeface="Source Sans Pro"/>
+                <a:ea typeface="Source Sans Pro"/>
+                <a:cs typeface="Source Sans Pro"/>
+                <a:sym typeface="Source Sans Pro"/>
+              </a:rPr>
+              <a:t>Para el Proyecto:</a:t>
+            </a:r>
+            <a:endParaRPr sz="1800">
+              <a:solidFill>
+                <a:schemeClr val="lt1"/>
+              </a:solidFill>
+              <a:latin typeface="Source Sans Pro"/>
+              <a:ea typeface="Source Sans Pro"/>
+              <a:cs typeface="Source Sans Pro"/>
+              <a:sym typeface="Source Sans Pro"/>
+            </a:endParaRPr>
+          </a:p>
+          <a:p>
+            <a:pPr indent="0" lvl="0" marL="457200" rtl="0" algn="l">
+              <a:spcBef>
+                <a:spcPts val="0"/>
+              </a:spcBef>
+              <a:spcAft>
+                <a:spcPts val="0"/>
+              </a:spcAft>
+              <a:buNone/>
+            </a:pPr>
+            <a:r>
+              <a:t/>
+            </a:r>
+            <a:endParaRPr sz="1800">
+              <a:solidFill>
+                <a:schemeClr val="lt1"/>
+              </a:solidFill>
+              <a:latin typeface="Source Sans Pro"/>
+              <a:ea typeface="Source Sans Pro"/>
+              <a:cs typeface="Source Sans Pro"/>
+              <a:sym typeface="Source Sans Pro"/>
+            </a:endParaRPr>
+          </a:p>
+          <a:p>
+            <a:pPr indent="-342900" lvl="0" marL="914400" rtl="0" algn="l">
+              <a:spcBef>
+                <a:spcPts val="0"/>
+              </a:spcBef>
+              <a:spcAft>
+                <a:spcPts val="0"/>
+              </a:spcAft>
+              <a:buClr>
+                <a:schemeClr val="lt1"/>
+              </a:buClr>
+              <a:buSzPts val="1800"/>
+              <a:buFont typeface="Source Sans Pro"/>
+              <a:buChar char="●"/>
+            </a:pPr>
+            <a:r>
+              <a:rPr lang="es" sz="1800">
+                <a:solidFill>
+                  <a:schemeClr val="lt1"/>
+                </a:solidFill>
+                <a:latin typeface="Source Sans Pro"/>
+                <a:ea typeface="Source Sans Pro"/>
+                <a:cs typeface="Source Sans Pro"/>
+                <a:sym typeface="Source Sans Pro"/>
+              </a:rPr>
+              <a:t>Python (Pandas, Numpy, Matplotlib y Scikit-learn).</a:t>
+            </a:r>
+            <a:endParaRPr sz="1800">
+              <a:solidFill>
+                <a:schemeClr val="lt1"/>
+              </a:solidFill>
+              <a:latin typeface="Source Sans Pro"/>
+              <a:ea typeface="Source Sans Pro"/>
+              <a:cs typeface="Source Sans Pro"/>
+              <a:sym typeface="Source Sans Pro"/>
+            </a:endParaRPr>
+          </a:p>
+          <a:p>
+            <a:pPr indent="-342900" lvl="0" marL="914400" rtl="0" algn="l">
+              <a:spcBef>
+                <a:spcPts val="0"/>
+              </a:spcBef>
+              <a:spcAft>
+                <a:spcPts val="0"/>
+              </a:spcAft>
+              <a:buClr>
+                <a:schemeClr val="lt1"/>
+              </a:buClr>
+              <a:buSzPts val="1800"/>
+              <a:buFont typeface="Source Sans Pro"/>
+              <a:buChar char="●"/>
+            </a:pPr>
+            <a:r>
+              <a:rPr lang="es" sz="1800">
+                <a:solidFill>
+                  <a:schemeClr val="lt1"/>
+                </a:solidFill>
+                <a:latin typeface="Source Sans Pro"/>
+                <a:ea typeface="Source Sans Pro"/>
+                <a:cs typeface="Source Sans Pro"/>
+                <a:sym typeface="Source Sans Pro"/>
+              </a:rPr>
+              <a:t>MySQL Workbench.</a:t>
+            </a:r>
+            <a:endParaRPr sz="1800">
+              <a:solidFill>
+                <a:schemeClr val="lt1"/>
+              </a:solidFill>
+              <a:latin typeface="Source Sans Pro"/>
+              <a:ea typeface="Source Sans Pro"/>
+              <a:cs typeface="Source Sans Pro"/>
+              <a:sym typeface="Source Sans Pro"/>
+            </a:endParaRPr>
+          </a:p>
+          <a:p>
+            <a:pPr indent="-342900" lvl="0" marL="914400" rtl="0" algn="l">
+              <a:spcBef>
+                <a:spcPts val="0"/>
+              </a:spcBef>
+              <a:spcAft>
+                <a:spcPts val="0"/>
+              </a:spcAft>
+              <a:buClr>
+                <a:schemeClr val="lt1"/>
+              </a:buClr>
+              <a:buSzPts val="1800"/>
+              <a:buFont typeface="Source Sans Pro"/>
+              <a:buChar char="●"/>
+            </a:pPr>
+            <a:r>
+              <a:rPr lang="es" sz="1800">
+                <a:solidFill>
+                  <a:schemeClr val="lt1"/>
+                </a:solidFill>
+                <a:latin typeface="Source Sans Pro"/>
+                <a:ea typeface="Source Sans Pro"/>
+                <a:cs typeface="Source Sans Pro"/>
+                <a:sym typeface="Source Sans Pro"/>
+              </a:rPr>
+              <a:t>Power Bi.</a:t>
+            </a:r>
+            <a:endParaRPr sz="1800">
+              <a:solidFill>
+                <a:schemeClr val="lt1"/>
+              </a:solidFill>
+              <a:latin typeface="Source Sans Pro"/>
+              <a:ea typeface="Source Sans Pro"/>
+              <a:cs typeface="Source Sans Pro"/>
+              <a:sym typeface="Source Sans Pro"/>
+            </a:endParaRPr>
+          </a:p>
+          <a:p>
+            <a:pPr indent="-342900" lvl="0" marL="914400" rtl="0" algn="l">
+              <a:spcBef>
+                <a:spcPts val="0"/>
+              </a:spcBef>
+              <a:spcAft>
+                <a:spcPts val="0"/>
+              </a:spcAft>
+              <a:buClr>
+                <a:schemeClr val="lt1"/>
+              </a:buClr>
+              <a:buSzPts val="1800"/>
+              <a:buFont typeface="Source Sans Pro"/>
+              <a:buChar char="●"/>
+            </a:pPr>
+            <a:r>
+              <a:rPr lang="es" sz="1800">
+                <a:solidFill>
+                  <a:schemeClr val="lt1"/>
+                </a:solidFill>
+                <a:latin typeface="Source Sans Pro"/>
+                <a:ea typeface="Source Sans Pro"/>
+                <a:cs typeface="Source Sans Pro"/>
+                <a:sym typeface="Source Sans Pro"/>
+              </a:rPr>
+              <a:t>Streamlit.</a:t>
+            </a:r>
+            <a:endParaRPr sz="1800">
+              <a:solidFill>
+                <a:schemeClr val="lt1"/>
+              </a:solidFill>
+              <a:latin typeface="Source Sans Pro"/>
+              <a:ea typeface="Source Sans Pro"/>
+              <a:cs typeface="Source Sans Pro"/>
+              <a:sym typeface="Source Sans Pro"/>
+            </a:endParaRPr>
+          </a:p>
+          <a:p>
+            <a:pPr indent="-342900" lvl="0" marL="914400" rtl="0" algn="l">
+              <a:spcBef>
+                <a:spcPts val="0"/>
+              </a:spcBef>
+              <a:spcAft>
+                <a:spcPts val="0"/>
+              </a:spcAft>
+              <a:buClr>
+                <a:schemeClr val="lt1"/>
+              </a:buClr>
+              <a:buSzPts val="1800"/>
+              <a:buFont typeface="Source Sans Pro"/>
+              <a:buChar char="●"/>
+            </a:pPr>
+            <a:r>
+              <a:rPr lang="es" sz="1800">
+                <a:solidFill>
+                  <a:schemeClr val="lt1"/>
+                </a:solidFill>
+                <a:latin typeface="Source Sans Pro"/>
+                <a:ea typeface="Source Sans Pro"/>
+                <a:cs typeface="Source Sans Pro"/>
+                <a:sym typeface="Source Sans Pro"/>
+              </a:rPr>
+              <a:t>Github.</a:t>
+            </a:r>
+            <a:endParaRPr sz="1800">
+              <a:solidFill>
+                <a:schemeClr val="lt1"/>
+              </a:solidFill>
+              <a:latin typeface="Source Sans Pro"/>
+              <a:ea typeface="Source Sans Pro"/>
+              <a:cs typeface="Source Sans Pro"/>
+              <a:sym typeface="Source Sans Pro"/>
+            </a:endParaRPr>
+          </a:p>
+          <a:p>
+            <a:pPr indent="0" lvl="0" marL="0" rtl="0" algn="l">
+              <a:spcBef>
+                <a:spcPts val="0"/>
+              </a:spcBef>
+              <a:spcAft>
+                <a:spcPts val="0"/>
+              </a:spcAft>
+              <a:buNone/>
+            </a:pPr>
+            <a:r>
+              <a:t/>
+            </a:r>
+            <a:endParaRPr sz="1800">
+              <a:solidFill>
+                <a:schemeClr val="lt1"/>
+              </a:solidFill>
+              <a:latin typeface="Source Sans Pro"/>
+              <a:ea typeface="Source Sans Pro"/>
+              <a:cs typeface="Source Sans Pro"/>
+              <a:sym typeface="Source Sans Pro"/>
+            </a:endParaRPr>
+          </a:p>
+          <a:p>
+            <a:pPr indent="0" lvl="0" marL="0" rtl="0" algn="l">
+              <a:spcBef>
+                <a:spcPts val="0"/>
+              </a:spcBef>
+              <a:spcAft>
+                <a:spcPts val="0"/>
+              </a:spcAft>
+              <a:buNone/>
+            </a:pPr>
+            <a:r>
+              <a:rPr lang="es" sz="1800">
+                <a:solidFill>
+                  <a:schemeClr val="lt1"/>
+                </a:solidFill>
+                <a:latin typeface="Source Sans Pro"/>
+                <a:ea typeface="Source Sans Pro"/>
+                <a:cs typeface="Source Sans Pro"/>
+                <a:sym typeface="Source Sans Pro"/>
+              </a:rPr>
+              <a:t>		</a:t>
+            </a:r>
+            <a:r>
+              <a:rPr lang="es" sz="1800">
+                <a:solidFill>
+                  <a:schemeClr val="lt1"/>
+                </a:solidFill>
+                <a:latin typeface="Source Sans Pro"/>
+                <a:ea typeface="Source Sans Pro"/>
+                <a:cs typeface="Source Sans Pro"/>
+                <a:sym typeface="Source Sans Pro"/>
+              </a:rPr>
+              <a:t>Y además…</a:t>
+            </a:r>
+            <a:endParaRPr sz="1800">
+              <a:solidFill>
+                <a:schemeClr val="lt1"/>
+              </a:solidFill>
+              <a:latin typeface="Source Sans Pro"/>
+              <a:ea typeface="Source Sans Pro"/>
+              <a:cs typeface="Source Sans Pro"/>
+              <a:sym typeface="Source Sans Pro"/>
+            </a:endParaRPr>
+          </a:p>
+          <a:p>
+            <a:pPr indent="0" lvl="0" marL="457200" rtl="0" algn="l">
+              <a:spcBef>
+                <a:spcPts val="0"/>
+              </a:spcBef>
+              <a:spcAft>
+                <a:spcPts val="0"/>
+              </a:spcAft>
+              <a:buClr>
+                <a:schemeClr val="dk2"/>
+              </a:buClr>
+              <a:buSzPts val="1100"/>
+              <a:buFont typeface="Arial"/>
+              <a:buNone/>
+            </a:pPr>
+            <a:r>
+              <a:t/>
+            </a:r>
+            <a:endParaRPr sz="1800">
+              <a:solidFill>
+                <a:schemeClr val="lt1"/>
+              </a:solidFill>
+              <a:latin typeface="Source Sans Pro"/>
+              <a:ea typeface="Source Sans Pro"/>
+              <a:cs typeface="Source Sans Pro"/>
+              <a:sym typeface="Source Sans Pro"/>
+            </a:endParaRPr>
+          </a:p>
+          <a:p>
+            <a:pPr indent="-342900" lvl="0" marL="914400" rtl="0" algn="l">
+              <a:spcBef>
+                <a:spcPts val="0"/>
+              </a:spcBef>
+              <a:spcAft>
+                <a:spcPts val="0"/>
+              </a:spcAft>
+              <a:buClr>
+                <a:schemeClr val="lt1"/>
+              </a:buClr>
+              <a:buSzPts val="1800"/>
+              <a:buFont typeface="Source Sans Pro"/>
+              <a:buChar char="●"/>
+            </a:pPr>
+            <a:r>
+              <a:rPr lang="es" sz="1800">
+                <a:solidFill>
+                  <a:schemeClr val="lt1"/>
+                </a:solidFill>
+                <a:latin typeface="Source Sans Pro"/>
+                <a:ea typeface="Source Sans Pro"/>
+                <a:cs typeface="Source Sans Pro"/>
+                <a:sym typeface="Source Sans Pro"/>
+              </a:rPr>
+              <a:t>MongoDB</a:t>
+            </a:r>
+            <a:endParaRPr sz="1800">
+              <a:solidFill>
+                <a:schemeClr val="lt1"/>
+              </a:solidFill>
+              <a:latin typeface="Source Sans Pro"/>
+              <a:ea typeface="Source Sans Pro"/>
+              <a:cs typeface="Source Sans Pro"/>
+              <a:sym typeface="Source Sans Pro"/>
+            </a:endParaRPr>
+          </a:p>
+        </p:txBody>
+      </p:sp>
+    </p:spTree>
+  </p:cSld>
+  <p:clrMapOvr>
+    <a:masterClrMapping/>
+  </p:clrMapOvr>
+</p:sld>
+</file>
+
+<file path=ppt/slides/slide5.xml><?xml version="1.0" encoding="utf-8"?>
+<p:sld xmlns:a="http://schemas.openxmlformats.org/drawingml/2006/main" xmlns:r="http://schemas.openxmlformats.org/officeDocument/2006/relationships" xmlns:mc="http://schemas.openxmlformats.org/markup-compatibility/2006" xmlns:mv="urn:schemas-microsoft-com:mac:vml" xmlns:p="http://schemas.openxmlformats.org/presentationml/2006/main" xmlns:c="http://schemas.openxmlformats.org/drawingml/2006/chart" xmlns:dgm="http://schemas.openxmlformats.org/drawingml/2006/diagram" xmlns:o="urn:schemas-microsoft-com:office:office" xmlns:v="urn:schemas-microsoft-com:vml" xmlns:pvml="urn:schemas-microsoft-com:office:powerpoint" xmlns:com="http://schemas.openxmlformats.org/drawingml/2006/compatibility" xmlns:p14="http://schemas.microsoft.com/office/powerpoint/2010/main" xmlns:p15="http://schemas.microsoft.com/office/powerpoint/2012/main" xmlns:ahyp="http://schemas.microsoft.com/office/drawing/2018/hyperlinkcolor">
+  <p:cSld>
+    <p:spTree>
+      <p:nvGrpSpPr>
+        <p:cNvPr id="86" name="Shape 86"/>
+        <p:cNvGrpSpPr/>
+        <p:nvPr/>
+      </p:nvGrpSpPr>
+      <p:grpSpPr>
+        <a:xfrm>
+          <a:off x="0" y="0"/>
+          <a:ext cx="0" cy="0"/>
+          <a:chOff x="0" y="0"/>
+          <a:chExt cx="0" cy="0"/>
+        </a:xfrm>
+      </p:grpSpPr>
+      <p:sp>
+        <p:nvSpPr>
+          <p:cNvPr id="87" name="Google Shape;87;p17"/>
+          <p:cNvSpPr txBox="1"/>
           <p:nvPr>
             <p:ph type="title"/>
           </p:nvPr>
@@ -7730,12 +8134,12 @@
           </a:prstGeom>
         </p:spPr>
         <p:txBody>
-          <a:bodyPr spcFirstLastPara="1" wrap="square" lIns="91425" tIns="91425" rIns="91425" bIns="91425" anchor="t" anchorCtr="0">
+          <a:bodyPr anchorCtr="0" anchor="t" bIns="91425" lIns="91425" spcFirstLastPara="1" rIns="91425" wrap="square" tIns="91425">
             <a:noAutofit/>
           </a:bodyPr>
           <a:lstStyle/>
           <a:p>
-            <a:pPr marL="0" lvl="0" indent="0" algn="ctr" rtl="0">
+            <a:pPr indent="0" lvl="0" marL="0" rtl="0" algn="ctr">
               <a:spcBef>
                 <a:spcPts val="0"/>
               </a:spcBef>
@@ -7746,7 +8150,11 @@
             </a:pPr>
             <a:r>
               <a:rPr lang="es" sz="4300"/>
-              <a:t>3. Recorrido del Proyecto</a:t>
+              <a:t>4</a:t>
+            </a:r>
+            <a:r>
+              <a:rPr lang="es" sz="4300"/>
+              <a:t>. Recorrido del Proyecto</a:t>
             </a:r>
             <a:endParaRPr sz="4300"/>
           </a:p>
@@ -7754,7 +8162,7 @@
       </p:sp>
       <p:cxnSp>
         <p:nvCxnSpPr>
-          <p:cNvPr id="82" name="Google Shape;82;p16"/>
+          <p:cNvPr id="88" name="Google Shape;88;p17"/>
           <p:cNvCxnSpPr/>
           <p:nvPr/>
         </p:nvCxnSpPr>
@@ -7767,20 +8175,20 @@
             <a:avLst/>
           </a:prstGeom>
           <a:noFill/>
-          <a:ln w="19050" cap="flat" cmpd="sng">
+          <a:ln cap="flat" cmpd="sng" w="19050">
             <a:solidFill>
               <a:schemeClr val="dk1"/>
             </a:solidFill>
             <a:prstDash val="dot"/>
             <a:round/>
-            <a:headEnd type="none" w="sm" len="sm"/>
-            <a:tailEnd type="none" w="sm" len="sm"/>
+            <a:headEnd len="sm" w="sm" type="none"/>
+            <a:tailEnd len="sm" w="sm" type="none"/>
           </a:ln>
         </p:spPr>
       </p:cxnSp>
       <p:grpSp>
         <p:nvGrpSpPr>
-          <p:cNvPr id="83" name="Google Shape;83;p16"/>
+          <p:cNvPr id="89" name="Google Shape;89;p17"/>
           <p:cNvGrpSpPr/>
           <p:nvPr/>
         </p:nvGrpSpPr>
@@ -7794,7 +8202,7 @@
         </p:grpSpPr>
         <p:sp>
           <p:nvSpPr>
-            <p:cNvPr id="84" name="Google Shape;84;p16"/>
+            <p:cNvPr id="90" name="Google Shape;90;p17"/>
             <p:cNvSpPr/>
             <p:nvPr/>
           </p:nvSpPr>
@@ -7809,23 +8217,23 @@
             <a:solidFill>
               <a:schemeClr val="dk1"/>
             </a:solidFill>
-            <a:ln w="9525" cap="flat" cmpd="sng">
+            <a:ln cap="flat" cmpd="sng" w="9525">
               <a:solidFill>
                 <a:srgbClr val="000000"/>
               </a:solidFill>
               <a:prstDash val="solid"/>
               <a:round/>
-              <a:headEnd type="none" w="sm" len="sm"/>
-              <a:tailEnd type="none" w="sm" len="sm"/>
+              <a:headEnd len="sm" w="sm" type="none"/>
+              <a:tailEnd len="sm" w="sm" type="none"/>
             </a:ln>
           </p:spPr>
           <p:txBody>
-            <a:bodyPr spcFirstLastPara="1" wrap="square" lIns="91425" tIns="91425" rIns="91425" bIns="91425" anchor="ctr" anchorCtr="0">
+            <a:bodyPr anchorCtr="0" anchor="ctr" bIns="91425" lIns="91425" spcFirstLastPara="1" rIns="91425" wrap="square" tIns="91425">
               <a:noAutofit/>
             </a:bodyPr>
             <a:lstStyle/>
             <a:p>
-              <a:pPr marL="0" lvl="0" indent="0" algn="l" rtl="0">
+              <a:pPr indent="0" lvl="0" marL="0" rtl="0" algn="l">
                 <a:spcBef>
                   <a:spcPts val="0"/>
                 </a:spcBef>
@@ -7834,15 +8242,18 @@
                 </a:spcAft>
                 <a:buNone/>
               </a:pPr>
+              <a:r>
+                <a:t/>
+              </a:r>
               <a:endParaRPr/>
             </a:p>
           </p:txBody>
         </p:sp>
         <p:cxnSp>
           <p:nvCxnSpPr>
-            <p:cNvPr id="85" name="Google Shape;85;p16"/>
+            <p:cNvPr id="91" name="Google Shape;91;p17"/>
             <p:cNvCxnSpPr>
-              <a:stCxn id="84" idx="0"/>
+              <a:stCxn id="90" idx="0"/>
             </p:cNvCxnSpPr>
             <p:nvPr/>
           </p:nvCxnSpPr>
@@ -7855,26 +8266,24 @@
               <a:avLst/>
             </a:prstGeom>
             <a:noFill/>
-            <a:ln w="19050" cap="flat" cmpd="sng">
+            <a:ln cap="flat" cmpd="sng" w="19050">
               <a:solidFill>
                 <a:srgbClr val="000000"/>
               </a:solidFill>
               <a:prstDash val="solid"/>
               <a:round/>
-              <a:headEnd type="none" w="sm" len="sm"/>
-              <a:tailEnd type="oval" w="med" len="med"/>
+              <a:headEnd len="sm" w="sm" type="none"/>
+              <a:tailEnd len="med" w="med" type="oval"/>
             </a:ln>
           </p:spPr>
         </p:cxnSp>
       </p:grpSp>
       <p:sp>
         <p:nvSpPr>
-          <p:cNvPr id="86" name="Google Shape;86;p16"/>
-          <p:cNvSpPr txBox="1">
-            <a:spLocks noGrp="1"/>
-          </p:cNvSpPr>
+          <p:cNvPr id="92" name="Google Shape;92;p17"/>
+          <p:cNvSpPr txBox="1"/>
           <p:nvPr>
-            <p:ph type="body" idx="4294967295"/>
+            <p:ph idx="4294967295" type="body"/>
           </p:nvPr>
         </p:nvSpPr>
         <p:spPr>
@@ -7887,12 +8296,12 @@
           </a:prstGeom>
         </p:spPr>
         <p:txBody>
-          <a:bodyPr spcFirstLastPara="1" wrap="square" lIns="91425" tIns="91425" rIns="91425" bIns="91425" anchor="t" anchorCtr="0">
+          <a:bodyPr anchorCtr="0" anchor="t" bIns="91425" lIns="91425" spcFirstLastPara="1" rIns="91425" wrap="square" tIns="91425">
             <a:noAutofit/>
           </a:bodyPr>
           <a:lstStyle/>
           <a:p>
-            <a:pPr marL="0" lvl="0" indent="0" algn="l" rtl="0">
+            <a:pPr indent="0" lvl="0" marL="0" rtl="0" algn="l">
               <a:spcBef>
                 <a:spcPts val="0"/>
               </a:spcBef>
@@ -7916,7 +8325,7 @@
             </a:endParaRPr>
           </a:p>
           <a:p>
-            <a:pPr marL="0" lvl="0" indent="0" algn="l" rtl="0">
+            <a:pPr indent="0" lvl="0" marL="0" rtl="0" algn="l">
               <a:spcBef>
                 <a:spcPts val="0"/>
               </a:spcBef>
@@ -7931,7 +8340,23 @@
                   <a:schemeClr val="dk2"/>
                 </a:solidFill>
               </a:rPr>
-              <a:t>Investigación y recogida de datos</a:t>
+              <a:t>I</a:t>
+            </a:r>
+            <a:r>
+              <a:rPr lang="es" sz="1500">
+                <a:solidFill>
+                  <a:schemeClr val="dk2"/>
+                </a:solidFill>
+              </a:rPr>
+              <a:t>nvestigación y r</a:t>
+            </a:r>
+            <a:r>
+              <a:rPr lang="es" sz="1500">
+                <a:solidFill>
+                  <a:schemeClr val="dk2"/>
+                </a:solidFill>
+              </a:rPr>
+              <a:t>ecogida de datos</a:t>
             </a:r>
             <a:r>
               <a:rPr lang="es" sz="1400">
@@ -7948,7 +8373,7 @@
             </a:endParaRPr>
           </a:p>
           <a:p>
-            <a:pPr marL="0" lvl="0" indent="0" algn="l" rtl="0">
+            <a:pPr indent="0" lvl="0" marL="0" rtl="0" algn="l">
               <a:spcBef>
                 <a:spcPts val="0"/>
               </a:spcBef>
@@ -7957,6 +8382,9 @@
               </a:spcAft>
               <a:buNone/>
             </a:pPr>
+            <a:r>
+              <a:t/>
+            </a:r>
             <a:endParaRPr sz="1400">
               <a:solidFill>
                 <a:schemeClr val="dk2"/>
@@ -7967,7 +8395,7 @@
       </p:sp>
       <p:grpSp>
         <p:nvGrpSpPr>
-          <p:cNvPr id="87" name="Google Shape;87;p16"/>
+          <p:cNvPr id="93" name="Google Shape;93;p17"/>
           <p:cNvGrpSpPr/>
           <p:nvPr/>
         </p:nvGrpSpPr>
@@ -7981,7 +8409,7 @@
         </p:grpSpPr>
         <p:cxnSp>
           <p:nvCxnSpPr>
-            <p:cNvPr id="88" name="Google Shape;88;p16"/>
+            <p:cNvPr id="94" name="Google Shape;94;p17"/>
             <p:cNvCxnSpPr/>
             <p:nvPr/>
           </p:nvCxnSpPr>
@@ -7994,20 +8422,20 @@
               <a:avLst/>
             </a:prstGeom>
             <a:noFill/>
-            <a:ln w="19050" cap="flat" cmpd="sng">
+            <a:ln cap="flat" cmpd="sng" w="19050">
               <a:solidFill>
-                <a:schemeClr val="accent5"/>
+                <a:srgbClr val="000000"/>
               </a:solidFill>
               <a:prstDash val="solid"/>
               <a:round/>
-              <a:headEnd type="none" w="sm" len="sm"/>
-              <a:tailEnd type="oval" w="med" len="med"/>
+              <a:headEnd len="sm" w="sm" type="none"/>
+              <a:tailEnd len="med" w="med" type="oval"/>
             </a:ln>
           </p:spPr>
         </p:cxnSp>
         <p:sp>
           <p:nvSpPr>
-            <p:cNvPr id="89" name="Google Shape;89;p16"/>
+            <p:cNvPr id="95" name="Google Shape;95;p17"/>
             <p:cNvSpPr/>
             <p:nvPr/>
           </p:nvSpPr>
@@ -8022,17 +8450,23 @@
             <a:solidFill>
               <a:schemeClr val="dk1"/>
             </a:solidFill>
-            <a:ln>
-              <a:noFill/>
+            <a:ln cap="flat" cmpd="sng" w="9525">
+              <a:solidFill>
+                <a:srgbClr val="000000"/>
+              </a:solidFill>
+              <a:prstDash val="solid"/>
+              <a:round/>
+              <a:headEnd len="sm" w="sm" type="none"/>
+              <a:tailEnd len="sm" w="sm" type="none"/>
             </a:ln>
           </p:spPr>
           <p:txBody>
-            <a:bodyPr spcFirstLastPara="1" wrap="square" lIns="91425" tIns="91425" rIns="91425" bIns="91425" anchor="ctr" anchorCtr="0">
+            <a:bodyPr anchorCtr="0" anchor="ctr" bIns="91425" lIns="91425" spcFirstLastPara="1" rIns="91425" wrap="square" tIns="91425">
               <a:noAutofit/>
             </a:bodyPr>
             <a:lstStyle/>
             <a:p>
-              <a:pPr marL="0" lvl="0" indent="0" algn="l" rtl="0">
+              <a:pPr indent="0" lvl="0" marL="0" rtl="0" algn="l">
                 <a:spcBef>
                   <a:spcPts val="0"/>
                 </a:spcBef>
@@ -8041,6 +8475,9 @@
                 </a:spcAft>
                 <a:buNone/>
               </a:pPr>
+              <a:r>
+                <a:t/>
+              </a:r>
               <a:endParaRPr/>
             </a:p>
           </p:txBody>
@@ -8048,12 +8485,10 @@
       </p:grpSp>
       <p:sp>
         <p:nvSpPr>
-          <p:cNvPr id="90" name="Google Shape;90;p16"/>
-          <p:cNvSpPr txBox="1">
-            <a:spLocks noGrp="1"/>
-          </p:cNvSpPr>
+          <p:cNvPr id="96" name="Google Shape;96;p17"/>
+          <p:cNvSpPr txBox="1"/>
           <p:nvPr>
-            <p:ph type="body" idx="4294967295"/>
+            <p:ph idx="4294967295" type="body"/>
           </p:nvPr>
         </p:nvSpPr>
         <p:spPr>
@@ -8066,12 +8501,12 @@
           </a:prstGeom>
         </p:spPr>
         <p:txBody>
-          <a:bodyPr spcFirstLastPara="1" wrap="square" lIns="91425" tIns="91425" rIns="91425" bIns="91425" anchor="t" anchorCtr="0">
+          <a:bodyPr anchorCtr="0" anchor="t" bIns="91425" lIns="91425" spcFirstLastPara="1" rIns="91425" wrap="square" tIns="91425">
             <a:noAutofit/>
           </a:bodyPr>
           <a:lstStyle/>
           <a:p>
-            <a:pPr marL="0" marR="0" lvl="0" indent="0" algn="l" rtl="0">
+            <a:pPr indent="0" lvl="0" marL="0" marR="0" rtl="0" algn="l">
               <a:lnSpc>
                 <a:spcPct val="115000"/>
               </a:lnSpc>
@@ -8098,7 +8533,7 @@
             </a:endParaRPr>
           </a:p>
           <a:p>
-            <a:pPr marL="0" marR="0" lvl="0" indent="0" algn="l" rtl="0">
+            <a:pPr indent="0" lvl="0" marL="0" marR="0" rtl="0" algn="l">
               <a:lnSpc>
                 <a:spcPct val="115000"/>
               </a:lnSpc>
@@ -8116,7 +8551,7 @@
                   <a:schemeClr val="dk2"/>
                 </a:solidFill>
               </a:rPr>
-              <a:t>Estadística descriptiva y visualizaciones</a:t>
+              <a:t>Estadística descriptiva y visualizaciones previas</a:t>
             </a:r>
             <a:endParaRPr sz="1500">
               <a:solidFill>
@@ -8128,7 +8563,7 @@
       </p:sp>
       <p:grpSp>
         <p:nvGrpSpPr>
-          <p:cNvPr id="91" name="Google Shape;91;p16"/>
+          <p:cNvPr id="97" name="Google Shape;97;p17"/>
           <p:cNvGrpSpPr/>
           <p:nvPr/>
         </p:nvGrpSpPr>
@@ -8142,9 +8577,9 @@
         </p:grpSpPr>
         <p:cxnSp>
           <p:nvCxnSpPr>
-            <p:cNvPr id="92" name="Google Shape;92;p16"/>
+            <p:cNvPr id="98" name="Google Shape;98;p17"/>
             <p:cNvCxnSpPr>
-              <a:stCxn id="93" idx="0"/>
+              <a:stCxn id="99" idx="0"/>
             </p:cNvCxnSpPr>
             <p:nvPr/>
           </p:nvCxnSpPr>
@@ -8157,20 +8592,20 @@
               <a:avLst/>
             </a:prstGeom>
             <a:noFill/>
-            <a:ln w="19050" cap="flat" cmpd="sng">
+            <a:ln cap="flat" cmpd="sng" w="19050">
               <a:solidFill>
-                <a:schemeClr val="accent5"/>
+                <a:schemeClr val="dk2"/>
               </a:solidFill>
               <a:prstDash val="solid"/>
               <a:round/>
-              <a:headEnd type="none" w="sm" len="sm"/>
-              <a:tailEnd type="oval" w="med" len="med"/>
+              <a:headEnd len="sm" w="sm" type="none"/>
+              <a:tailEnd len="med" w="med" type="oval"/>
             </a:ln>
           </p:spPr>
         </p:cxnSp>
         <p:sp>
           <p:nvSpPr>
-            <p:cNvPr id="93" name="Google Shape;93;p16"/>
+            <p:cNvPr id="99" name="Google Shape;99;p17"/>
             <p:cNvSpPr/>
             <p:nvPr/>
           </p:nvSpPr>
@@ -8185,17 +8620,23 @@
             <a:solidFill>
               <a:schemeClr val="dk1"/>
             </a:solidFill>
-            <a:ln>
-              <a:noFill/>
+            <a:ln cap="flat" cmpd="sng" w="9525">
+              <a:solidFill>
+                <a:schemeClr val="dk2"/>
+              </a:solidFill>
+              <a:prstDash val="solid"/>
+              <a:round/>
+              <a:headEnd len="sm" w="sm" type="none"/>
+              <a:tailEnd len="sm" w="sm" type="none"/>
             </a:ln>
           </p:spPr>
           <p:txBody>
-            <a:bodyPr spcFirstLastPara="1" wrap="square" lIns="91425" tIns="91425" rIns="91425" bIns="91425" anchor="ctr" anchorCtr="0">
+            <a:bodyPr anchorCtr="0" anchor="ctr" bIns="91425" lIns="91425" spcFirstLastPara="1" rIns="91425" wrap="square" tIns="91425">
               <a:noAutofit/>
             </a:bodyPr>
             <a:lstStyle/>
             <a:p>
-              <a:pPr marL="0" lvl="0" indent="0" algn="l" rtl="0">
+              <a:pPr indent="0" lvl="0" marL="0" rtl="0" algn="l">
                 <a:spcBef>
                   <a:spcPts val="0"/>
                 </a:spcBef>
@@ -8204,6 +8645,9 @@
                 </a:spcAft>
                 <a:buNone/>
               </a:pPr>
+              <a:r>
+                <a:t/>
+              </a:r>
               <a:endParaRPr/>
             </a:p>
           </p:txBody>
@@ -8211,12 +8655,10 @@
       </p:grpSp>
       <p:sp>
         <p:nvSpPr>
-          <p:cNvPr id="94" name="Google Shape;94;p16"/>
-          <p:cNvSpPr txBox="1">
-            <a:spLocks noGrp="1"/>
-          </p:cNvSpPr>
+          <p:cNvPr id="100" name="Google Shape;100;p17"/>
+          <p:cNvSpPr txBox="1"/>
           <p:nvPr>
-            <p:ph type="body" idx="4294967295"/>
+            <p:ph idx="4294967295" type="body"/>
           </p:nvPr>
         </p:nvSpPr>
         <p:spPr>
@@ -8229,12 +8671,12 @@
           </a:prstGeom>
         </p:spPr>
         <p:txBody>
-          <a:bodyPr spcFirstLastPara="1" wrap="square" lIns="91425" tIns="91425" rIns="91425" bIns="91425" anchor="t" anchorCtr="0">
+          <a:bodyPr anchorCtr="0" anchor="t" bIns="91425" lIns="91425" spcFirstLastPara="1" rIns="91425" wrap="square" tIns="91425">
             <a:noAutofit/>
           </a:bodyPr>
           <a:lstStyle/>
           <a:p>
-            <a:pPr marL="0" marR="0" lvl="0" indent="0" algn="l" rtl="0">
+            <a:pPr indent="0" lvl="0" marL="0" marR="0" rtl="0" algn="l">
               <a:lnSpc>
                 <a:spcPct val="115000"/>
               </a:lnSpc>
@@ -8261,7 +8703,7 @@
             </a:endParaRPr>
           </a:p>
           <a:p>
-            <a:pPr marL="0" lvl="0" indent="0" algn="l" rtl="0">
+            <a:pPr indent="0" lvl="0" marL="0" rtl="0" algn="l">
               <a:spcBef>
                 <a:spcPts val="0"/>
               </a:spcBef>
@@ -8270,6 +8712,9 @@
               </a:spcAft>
               <a:buNone/>
             </a:pPr>
+            <a:r>
+              <a:t/>
+            </a:r>
             <a:endParaRPr sz="1400">
               <a:solidFill>
                 <a:schemeClr val="dk2"/>
@@ -8280,7 +8725,7 @@
       </p:sp>
       <p:grpSp>
         <p:nvGrpSpPr>
-          <p:cNvPr id="95" name="Google Shape;95;p16"/>
+          <p:cNvPr id="101" name="Google Shape;101;p17"/>
           <p:cNvGrpSpPr/>
           <p:nvPr/>
         </p:nvGrpSpPr>
@@ -8294,7 +8739,7 @@
         </p:grpSpPr>
         <p:cxnSp>
           <p:nvCxnSpPr>
-            <p:cNvPr id="96" name="Google Shape;96;p16"/>
+            <p:cNvPr id="102" name="Google Shape;102;p17"/>
             <p:cNvCxnSpPr/>
             <p:nvPr/>
           </p:nvCxnSpPr>
@@ -8307,20 +8752,20 @@
               <a:avLst/>
             </a:prstGeom>
             <a:noFill/>
-            <a:ln w="19050" cap="flat" cmpd="sng">
+            <a:ln cap="flat" cmpd="sng" w="19050">
               <a:solidFill>
-                <a:schemeClr val="accent5"/>
+                <a:schemeClr val="dk2"/>
               </a:solidFill>
               <a:prstDash val="solid"/>
               <a:round/>
-              <a:headEnd type="none" w="sm" len="sm"/>
-              <a:tailEnd type="oval" w="med" len="med"/>
+              <a:headEnd len="sm" w="sm" type="none"/>
+              <a:tailEnd len="med" w="med" type="oval"/>
             </a:ln>
           </p:spPr>
         </p:cxnSp>
         <p:sp>
           <p:nvSpPr>
-            <p:cNvPr id="97" name="Google Shape;97;p16"/>
+            <p:cNvPr id="103" name="Google Shape;103;p17"/>
             <p:cNvSpPr/>
             <p:nvPr/>
           </p:nvSpPr>
@@ -8335,17 +8780,23 @@
             <a:solidFill>
               <a:schemeClr val="dk1"/>
             </a:solidFill>
-            <a:ln>
-              <a:noFill/>
+            <a:ln cap="flat" cmpd="sng" w="9525">
+              <a:solidFill>
+                <a:schemeClr val="dk2"/>
+              </a:solidFill>
+              <a:prstDash val="solid"/>
+              <a:round/>
+              <a:headEnd len="sm" w="sm" type="none"/>
+              <a:tailEnd len="sm" w="sm" type="none"/>
             </a:ln>
           </p:spPr>
           <p:txBody>
-            <a:bodyPr spcFirstLastPara="1" wrap="square" lIns="91425" tIns="91425" rIns="91425" bIns="91425" anchor="ctr" anchorCtr="0">
+            <a:bodyPr anchorCtr="0" anchor="ctr" bIns="91425" lIns="91425" spcFirstLastPara="1" rIns="91425" wrap="square" tIns="91425">
               <a:noAutofit/>
             </a:bodyPr>
             <a:lstStyle/>
             <a:p>
-              <a:pPr marL="0" lvl="0" indent="0" algn="l" rtl="0">
+              <a:pPr indent="0" lvl="0" marL="0" rtl="0" algn="l">
                 <a:spcBef>
                   <a:spcPts val="0"/>
                 </a:spcBef>
@@ -8354,6 +8805,9 @@
                 </a:spcAft>
                 <a:buNone/>
               </a:pPr>
+              <a:r>
+                <a:t/>
+              </a:r>
               <a:endParaRPr/>
             </a:p>
           </p:txBody>
@@ -8361,12 +8815,10 @@
       </p:grpSp>
       <p:sp>
         <p:nvSpPr>
-          <p:cNvPr id="98" name="Google Shape;98;p16"/>
-          <p:cNvSpPr txBox="1">
-            <a:spLocks noGrp="1"/>
-          </p:cNvSpPr>
+          <p:cNvPr id="104" name="Google Shape;104;p17"/>
+          <p:cNvSpPr txBox="1"/>
           <p:nvPr>
-            <p:ph type="body" idx="4294967295"/>
+            <p:ph idx="4294967295" type="body"/>
           </p:nvPr>
         </p:nvSpPr>
         <p:spPr>
@@ -8379,12 +8831,12 @@
           </a:prstGeom>
         </p:spPr>
         <p:txBody>
-          <a:bodyPr spcFirstLastPara="1" wrap="square" lIns="91425" tIns="91425" rIns="91425" bIns="91425" anchor="t" anchorCtr="0">
+          <a:bodyPr anchorCtr="0" anchor="t" bIns="91425" lIns="91425" spcFirstLastPara="1" rIns="91425" wrap="square" tIns="91425">
             <a:noAutofit/>
           </a:bodyPr>
           <a:lstStyle/>
           <a:p>
-            <a:pPr marL="0" marR="0" lvl="0" indent="0" algn="l" rtl="0">
+            <a:pPr indent="0" lvl="0" marL="0" marR="0" rtl="0" algn="l">
               <a:lnSpc>
                 <a:spcPct val="115000"/>
               </a:lnSpc>
@@ -8410,7 +8862,7 @@
       </p:sp>
       <p:grpSp>
         <p:nvGrpSpPr>
-          <p:cNvPr id="99" name="Google Shape;99;p16"/>
+          <p:cNvPr id="105" name="Google Shape;105;p17"/>
           <p:cNvGrpSpPr/>
           <p:nvPr/>
         </p:nvGrpSpPr>
@@ -8424,9 +8876,9 @@
         </p:grpSpPr>
         <p:cxnSp>
           <p:nvCxnSpPr>
-            <p:cNvPr id="100" name="Google Shape;100;p16"/>
+            <p:cNvPr id="106" name="Google Shape;106;p17"/>
             <p:cNvCxnSpPr>
-              <a:stCxn id="101" idx="0"/>
+              <a:stCxn id="107" idx="0"/>
             </p:cNvCxnSpPr>
             <p:nvPr/>
           </p:nvCxnSpPr>
@@ -8439,20 +8891,20 @@
               <a:avLst/>
             </a:prstGeom>
             <a:noFill/>
-            <a:ln w="19050" cap="flat" cmpd="sng">
+            <a:ln cap="flat" cmpd="sng" w="19050">
               <a:solidFill>
-                <a:schemeClr val="accent5"/>
+                <a:schemeClr val="dk2"/>
               </a:solidFill>
               <a:prstDash val="solid"/>
               <a:round/>
-              <a:headEnd type="none" w="sm" len="sm"/>
-              <a:tailEnd type="oval" w="med" len="med"/>
+              <a:headEnd len="sm" w="sm" type="none"/>
+              <a:tailEnd len="med" w="med" type="oval"/>
             </a:ln>
           </p:spPr>
         </p:cxnSp>
         <p:sp>
           <p:nvSpPr>
-            <p:cNvPr id="101" name="Google Shape;101;p16"/>
+            <p:cNvPr id="107" name="Google Shape;107;p17"/>
             <p:cNvSpPr/>
             <p:nvPr/>
           </p:nvSpPr>
@@ -8467,17 +8919,23 @@
             <a:solidFill>
               <a:schemeClr val="dk1"/>
             </a:solidFill>
-            <a:ln>
-              <a:noFill/>
+            <a:ln cap="flat" cmpd="sng" w="9525">
+              <a:solidFill>
+                <a:schemeClr val="dk2"/>
+              </a:solidFill>
+              <a:prstDash val="solid"/>
+              <a:round/>
+              <a:headEnd len="sm" w="sm" type="none"/>
+              <a:tailEnd len="sm" w="sm" type="none"/>
             </a:ln>
           </p:spPr>
           <p:txBody>
-            <a:bodyPr spcFirstLastPara="1" wrap="square" lIns="91425" tIns="91425" rIns="91425" bIns="91425" anchor="ctr" anchorCtr="0">
+            <a:bodyPr anchorCtr="0" anchor="ctr" bIns="91425" lIns="91425" spcFirstLastPara="1" rIns="91425" wrap="square" tIns="91425">
               <a:noAutofit/>
             </a:bodyPr>
             <a:lstStyle/>
             <a:p>
-              <a:pPr marL="0" lvl="0" indent="0" algn="l" rtl="0">
+              <a:pPr indent="0" lvl="0" marL="0" rtl="0" algn="l">
                 <a:spcBef>
                   <a:spcPts val="0"/>
                 </a:spcBef>
@@ -8486,6 +8944,9 @@
                 </a:spcAft>
                 <a:buNone/>
               </a:pPr>
+              <a:r>
+                <a:t/>
+              </a:r>
               <a:endParaRPr/>
             </a:p>
           </p:txBody>
@@ -8493,12 +8954,10 @@
       </p:grpSp>
       <p:sp>
         <p:nvSpPr>
-          <p:cNvPr id="102" name="Google Shape;102;p16"/>
-          <p:cNvSpPr txBox="1">
-            <a:spLocks noGrp="1"/>
-          </p:cNvSpPr>
+          <p:cNvPr id="108" name="Google Shape;108;p17"/>
+          <p:cNvSpPr txBox="1"/>
           <p:nvPr>
-            <p:ph type="body" idx="4294967295"/>
+            <p:ph idx="4294967295" type="body"/>
           </p:nvPr>
         </p:nvSpPr>
         <p:spPr>
@@ -8511,12 +8970,12 @@
           </a:prstGeom>
         </p:spPr>
         <p:txBody>
-          <a:bodyPr spcFirstLastPara="1" wrap="square" lIns="91425" tIns="91425" rIns="91425" bIns="91425" anchor="t" anchorCtr="0">
+          <a:bodyPr anchorCtr="0" anchor="t" bIns="91425" lIns="91425" spcFirstLastPara="1" rIns="91425" wrap="square" tIns="91425">
             <a:noAutofit/>
           </a:bodyPr>
           <a:lstStyle/>
           <a:p>
-            <a:pPr marL="0" marR="0" lvl="0" indent="0" algn="l" rtl="0">
+            <a:pPr indent="0" lvl="0" marL="0" marR="0" rtl="0" algn="l">
               <a:lnSpc>
                 <a:spcPct val="115000"/>
               </a:lnSpc>
@@ -8543,7 +9002,7 @@
             </a:endParaRPr>
           </a:p>
           <a:p>
-            <a:pPr marL="0" marR="0" lvl="0" indent="0" algn="l" rtl="0">
+            <a:pPr indent="0" lvl="0" marL="0" marR="0" rtl="0" algn="l">
               <a:lnSpc>
                 <a:spcPct val="115000"/>
               </a:lnSpc>
@@ -8555,6 +9014,9 @@
               </a:spcAft>
               <a:buNone/>
             </a:pPr>
+            <a:r>
+              <a:t/>
+            </a:r>
             <a:endParaRPr sz="1400">
               <a:solidFill>
                 <a:schemeClr val="dk2"/>
@@ -8562,7 +9024,7 @@
             </a:endParaRPr>
           </a:p>
           <a:p>
-            <a:pPr marL="0" lvl="0" indent="0" algn="l" rtl="0">
+            <a:pPr indent="0" lvl="0" marL="0" rtl="0" algn="l">
               <a:spcBef>
                 <a:spcPts val="0"/>
               </a:spcBef>
@@ -8571,6 +9033,9 @@
               </a:spcAft>
               <a:buNone/>
             </a:pPr>
+            <a:r>
+              <a:t/>
+            </a:r>
             <a:endParaRPr sz="1400">
               <a:solidFill>
                 <a:schemeClr val="dk2"/>
@@ -8587,12 +9052,12 @@
 </p:sld>
 </file>
 
-<file path=ppt/slides/slide5.xml><?xml version="1.0" encoding="utf-8"?>
-<p:sld xmlns:a="http://schemas.openxmlformats.org/drawingml/2006/main" xmlns:r="http://schemas.openxmlformats.org/officeDocument/2006/relationships" xmlns:p="http://schemas.openxmlformats.org/presentationml/2006/main">
+<file path=ppt/slides/slide6.xml><?xml version="1.0" encoding="utf-8"?>
+<p:sld xmlns:a="http://schemas.openxmlformats.org/drawingml/2006/main" xmlns:r="http://schemas.openxmlformats.org/officeDocument/2006/relationships" xmlns:mc="http://schemas.openxmlformats.org/markup-compatibility/2006" xmlns:mv="urn:schemas-microsoft-com:mac:vml" xmlns:p="http://schemas.openxmlformats.org/presentationml/2006/main" xmlns:c="http://schemas.openxmlformats.org/drawingml/2006/chart" xmlns:dgm="http://schemas.openxmlformats.org/drawingml/2006/diagram" xmlns:o="urn:schemas-microsoft-com:office:office" xmlns:v="urn:schemas-microsoft-com:vml" xmlns:pvml="urn:schemas-microsoft-com:office:powerpoint" xmlns:com="http://schemas.openxmlformats.org/drawingml/2006/compatibility" xmlns:p14="http://schemas.microsoft.com/office/powerpoint/2010/main" xmlns:p15="http://schemas.microsoft.com/office/powerpoint/2012/main" xmlns:ahyp="http://schemas.microsoft.com/office/drawing/2018/hyperlinkcolor">
   <p:cSld>
     <p:spTree>
       <p:nvGrpSpPr>
-        <p:cNvPr id="1" name="Shape 106"/>
+        <p:cNvPr id="112" name="Shape 112"/>
         <p:cNvGrpSpPr/>
         <p:nvPr/>
       </p:nvGrpSpPr>
@@ -8606,10 +9071,8 @@
       </p:grpSpPr>
       <p:sp>
         <p:nvSpPr>
-          <p:cNvPr id="107" name="Google Shape;107;p17"/>
-          <p:cNvSpPr txBox="1">
-            <a:spLocks noGrp="1"/>
-          </p:cNvSpPr>
+          <p:cNvPr id="113" name="Google Shape;113;p18"/>
+          <p:cNvSpPr txBox="1"/>
           <p:nvPr>
             <p:ph type="title"/>
           </p:nvPr>
@@ -8624,12 +9087,12 @@
           </a:prstGeom>
         </p:spPr>
         <p:txBody>
-          <a:bodyPr spcFirstLastPara="1" wrap="square" lIns="91425" tIns="91425" rIns="91425" bIns="91425" anchor="b" anchorCtr="0">
+          <a:bodyPr anchorCtr="0" anchor="b" bIns="91425" lIns="91425" spcFirstLastPara="1" rIns="91425" wrap="square" tIns="91425">
             <a:noAutofit/>
           </a:bodyPr>
           <a:lstStyle/>
           <a:p>
-            <a:pPr marL="0" lvl="0" indent="0" algn="ctr" rtl="0">
+            <a:pPr indent="0" lvl="0" marL="0" rtl="0" algn="ctr">
               <a:spcBef>
                 <a:spcPts val="0"/>
               </a:spcBef>
@@ -8640,7 +9103,11 @@
             </a:pPr>
             <a:r>
               <a:rPr lang="es" sz="4300"/>
-              <a:t>4. ¿Qué factores climáticos pueden afectar a las reservas?</a:t>
+              <a:t>5. </a:t>
+            </a:r>
+            <a:r>
+              <a:rPr lang="es" sz="4300"/>
+              <a:t>¿Qué factores climáticos pueden afectar a las reservas?</a:t>
             </a:r>
             <a:endParaRPr sz="4300"/>
           </a:p>
@@ -8648,7 +9115,7 @@
       </p:sp>
       <p:cxnSp>
         <p:nvCxnSpPr>
-          <p:cNvPr id="108" name="Google Shape;108;p17"/>
+          <p:cNvPr id="114" name="Google Shape;114;p18"/>
           <p:cNvCxnSpPr/>
           <p:nvPr/>
         </p:nvCxnSpPr>
@@ -8661,20 +9128,20 @@
             <a:avLst/>
           </a:prstGeom>
           <a:noFill/>
-          <a:ln w="76200" cap="flat" cmpd="sng">
+          <a:ln cap="flat" cmpd="sng" w="76200">
             <a:solidFill>
               <a:schemeClr val="dk2"/>
             </a:solidFill>
             <a:prstDash val="solid"/>
             <a:round/>
-            <a:headEnd type="none" w="sm" len="sm"/>
-            <a:tailEnd type="none" w="sm" len="sm"/>
+            <a:headEnd len="sm" w="sm" type="none"/>
+            <a:tailEnd len="sm" w="sm" type="none"/>
           </a:ln>
         </p:spPr>
       </p:cxnSp>
       <p:grpSp>
         <p:nvGrpSpPr>
-          <p:cNvPr id="109" name="Google Shape;109;p17"/>
+          <p:cNvPr id="115" name="Google Shape;115;p18"/>
           <p:cNvGrpSpPr/>
           <p:nvPr/>
         </p:nvGrpSpPr>
@@ -8688,7 +9155,7 @@
         </p:grpSpPr>
         <p:sp>
           <p:nvSpPr>
-            <p:cNvPr id="110" name="Google Shape;110;p17"/>
+            <p:cNvPr id="116" name="Google Shape;116;p18"/>
             <p:cNvSpPr/>
             <p:nvPr/>
           </p:nvSpPr>
@@ -8703,17 +9170,23 @@
             <a:solidFill>
               <a:schemeClr val="dk1"/>
             </a:solidFill>
-            <a:ln>
-              <a:noFill/>
+            <a:ln cap="flat" cmpd="sng" w="9525">
+              <a:solidFill>
+                <a:schemeClr val="dk2"/>
+              </a:solidFill>
+              <a:prstDash val="solid"/>
+              <a:round/>
+              <a:headEnd len="sm" w="sm" type="none"/>
+              <a:tailEnd len="sm" w="sm" type="none"/>
             </a:ln>
           </p:spPr>
           <p:txBody>
-            <a:bodyPr spcFirstLastPara="1" wrap="square" lIns="91425" tIns="91425" rIns="91425" bIns="91425" anchor="ctr" anchorCtr="0">
+            <a:bodyPr anchorCtr="0" anchor="ctr" bIns="91425" lIns="91425" spcFirstLastPara="1" rIns="91425" wrap="square" tIns="91425">
               <a:noAutofit/>
             </a:bodyPr>
             <a:lstStyle/>
             <a:p>
-              <a:pPr marL="0" lvl="0" indent="0" algn="l" rtl="0">
+              <a:pPr indent="0" lvl="0" marL="0" rtl="0" algn="l">
                 <a:spcBef>
                   <a:spcPts val="0"/>
                 </a:spcBef>
@@ -8722,15 +9195,18 @@
                 </a:spcAft>
                 <a:buNone/>
               </a:pPr>
+              <a:r>
+                <a:t/>
+              </a:r>
               <a:endParaRPr/>
             </a:p>
           </p:txBody>
         </p:sp>
         <p:cxnSp>
           <p:nvCxnSpPr>
-            <p:cNvPr id="111" name="Google Shape;111;p17"/>
+            <p:cNvPr id="117" name="Google Shape;117;p18"/>
             <p:cNvCxnSpPr>
-              <a:stCxn id="110" idx="0"/>
+              <a:stCxn id="116" idx="0"/>
             </p:cNvCxnSpPr>
             <p:nvPr/>
           </p:nvCxnSpPr>
@@ -8743,21 +9219,21 @@
               <a:avLst/>
             </a:prstGeom>
             <a:noFill/>
-            <a:ln w="19050" cap="flat" cmpd="sng">
+            <a:ln cap="flat" cmpd="sng" w="19050">
               <a:solidFill>
-                <a:schemeClr val="accent5"/>
+                <a:schemeClr val="dk2"/>
               </a:solidFill>
               <a:prstDash val="solid"/>
               <a:round/>
-              <a:headEnd type="none" w="sm" len="sm"/>
-              <a:tailEnd type="oval" w="med" len="med"/>
+              <a:headEnd len="sm" w="sm" type="none"/>
+              <a:tailEnd len="med" w="med" type="oval"/>
             </a:ln>
           </p:spPr>
         </p:cxnSp>
       </p:grpSp>
       <p:sp>
         <p:nvSpPr>
-          <p:cNvPr id="112" name="Google Shape;112;p17"/>
+          <p:cNvPr id="118" name="Google Shape;118;p18"/>
           <p:cNvSpPr txBox="1"/>
           <p:nvPr/>
         </p:nvSpPr>
@@ -8775,12 +9251,12 @@
           </a:ln>
         </p:spPr>
         <p:txBody>
-          <a:bodyPr spcFirstLastPara="1" wrap="square" lIns="91425" tIns="91425" rIns="91425" bIns="91425" anchor="t" anchorCtr="0">
+          <a:bodyPr anchorCtr="0" anchor="t" bIns="91425" lIns="91425" spcFirstLastPara="1" rIns="91425" wrap="square" tIns="91425">
             <a:noAutofit/>
           </a:bodyPr>
           <a:lstStyle/>
           <a:p>
-            <a:pPr marL="0" lvl="0" indent="0" algn="l" rtl="0">
+            <a:pPr indent="0" lvl="0" marL="0" rtl="0" algn="l">
               <a:spcBef>
                 <a:spcPts val="0"/>
               </a:spcBef>
@@ -8815,12 +9291,12 @@
       </p:sp>
       <p:grpSp>
         <p:nvGrpSpPr>
-          <p:cNvPr id="113" name="Google Shape;113;p17"/>
+          <p:cNvPr id="119" name="Google Shape;119;p18"/>
           <p:cNvGrpSpPr/>
           <p:nvPr/>
         </p:nvGrpSpPr>
         <p:grpSpPr>
-          <a:xfrm rot="-5400000" flipH="1">
+          <a:xfrm flipH="1" rot="-5400000">
             <a:off x="4988126" y="1863084"/>
             <a:ext cx="158392" cy="1079940"/>
             <a:chOff x="648675" y="1657471"/>
@@ -8829,7 +9305,7 @@
         </p:grpSpPr>
         <p:sp>
           <p:nvSpPr>
-            <p:cNvPr id="114" name="Google Shape;114;p17"/>
+            <p:cNvPr id="120" name="Google Shape;120;p18"/>
             <p:cNvSpPr/>
             <p:nvPr/>
           </p:nvSpPr>
@@ -8844,17 +9320,23 @@
             <a:solidFill>
               <a:schemeClr val="dk1"/>
             </a:solidFill>
-            <a:ln>
-              <a:noFill/>
+            <a:ln cap="flat" cmpd="sng" w="9525">
+              <a:solidFill>
+                <a:schemeClr val="dk2"/>
+              </a:solidFill>
+              <a:prstDash val="solid"/>
+              <a:round/>
+              <a:headEnd len="sm" w="sm" type="none"/>
+              <a:tailEnd len="sm" w="sm" type="none"/>
             </a:ln>
           </p:spPr>
           <p:txBody>
-            <a:bodyPr spcFirstLastPara="1" wrap="square" lIns="91425" tIns="91425" rIns="91425" bIns="91425" anchor="ctr" anchorCtr="0">
+            <a:bodyPr anchorCtr="0" anchor="ctr" bIns="91425" lIns="91425" spcFirstLastPara="1" rIns="91425" wrap="square" tIns="91425">
               <a:noAutofit/>
             </a:bodyPr>
             <a:lstStyle/>
             <a:p>
-              <a:pPr marL="0" lvl="0" indent="0" algn="l" rtl="0">
+              <a:pPr indent="0" lvl="0" marL="0" rtl="0" algn="l">
                 <a:spcBef>
                   <a:spcPts val="0"/>
                 </a:spcBef>
@@ -8863,15 +9345,18 @@
                 </a:spcAft>
                 <a:buNone/>
               </a:pPr>
+              <a:r>
+                <a:t/>
+              </a:r>
               <a:endParaRPr/>
             </a:p>
           </p:txBody>
         </p:sp>
         <p:cxnSp>
           <p:nvCxnSpPr>
-            <p:cNvPr id="115" name="Google Shape;115;p17"/>
+            <p:cNvPr id="121" name="Google Shape;121;p18"/>
             <p:cNvCxnSpPr>
-              <a:stCxn id="114" idx="0"/>
+              <a:stCxn id="120" idx="0"/>
             </p:cNvCxnSpPr>
             <p:nvPr/>
           </p:nvCxnSpPr>
@@ -8884,21 +9369,21 @@
               <a:avLst/>
             </a:prstGeom>
             <a:noFill/>
-            <a:ln w="19050" cap="flat" cmpd="sng">
+            <a:ln cap="flat" cmpd="sng" w="19050">
               <a:solidFill>
-                <a:schemeClr val="accent5"/>
+                <a:schemeClr val="dk2"/>
               </a:solidFill>
               <a:prstDash val="solid"/>
               <a:round/>
-              <a:headEnd type="none" w="sm" len="sm"/>
-              <a:tailEnd type="oval" w="med" len="med"/>
+              <a:headEnd len="sm" w="sm" type="none"/>
+              <a:tailEnd len="med" w="med" type="oval"/>
             </a:ln>
           </p:spPr>
         </p:cxnSp>
       </p:grpSp>
       <p:sp>
         <p:nvSpPr>
-          <p:cNvPr id="116" name="Google Shape;116;p17"/>
+          <p:cNvPr id="122" name="Google Shape;122;p18"/>
           <p:cNvSpPr txBox="1"/>
           <p:nvPr/>
         </p:nvSpPr>
@@ -8916,12 +9401,12 @@
           </a:ln>
         </p:spPr>
         <p:txBody>
-          <a:bodyPr spcFirstLastPara="1" wrap="square" lIns="91425" tIns="91425" rIns="91425" bIns="91425" anchor="t" anchorCtr="0">
+          <a:bodyPr anchorCtr="0" anchor="t" bIns="91425" lIns="91425" spcFirstLastPara="1" rIns="91425" wrap="square" tIns="91425">
             <a:noAutofit/>
           </a:bodyPr>
           <a:lstStyle/>
           <a:p>
-            <a:pPr marL="0" lvl="0" indent="0" algn="l" rtl="0">
+            <a:pPr indent="0" lvl="0" marL="0" rtl="0" algn="l">
               <a:spcBef>
                 <a:spcPts val="0"/>
               </a:spcBef>
@@ -8956,7 +9441,7 @@
       </p:sp>
       <p:grpSp>
         <p:nvGrpSpPr>
-          <p:cNvPr id="117" name="Google Shape;117;p17"/>
+          <p:cNvPr id="123" name="Google Shape;123;p18"/>
           <p:cNvGrpSpPr/>
           <p:nvPr/>
         </p:nvGrpSpPr>
@@ -8970,7 +9455,7 @@
         </p:grpSpPr>
         <p:sp>
           <p:nvSpPr>
-            <p:cNvPr id="118" name="Google Shape;118;p17"/>
+            <p:cNvPr id="124" name="Google Shape;124;p18"/>
             <p:cNvSpPr/>
             <p:nvPr/>
           </p:nvSpPr>
@@ -8985,17 +9470,23 @@
             <a:solidFill>
               <a:schemeClr val="dk1"/>
             </a:solidFill>
-            <a:ln>
-              <a:noFill/>
+            <a:ln cap="flat" cmpd="sng" w="9525">
+              <a:solidFill>
+                <a:schemeClr val="dk2"/>
+              </a:solidFill>
+              <a:prstDash val="solid"/>
+              <a:round/>
+              <a:headEnd len="sm" w="sm" type="none"/>
+              <a:tailEnd len="sm" w="sm" type="none"/>
             </a:ln>
           </p:spPr>
           <p:txBody>
-            <a:bodyPr spcFirstLastPara="1" wrap="square" lIns="91425" tIns="91425" rIns="91425" bIns="91425" anchor="ctr" anchorCtr="0">
+            <a:bodyPr anchorCtr="0" anchor="ctr" bIns="91425" lIns="91425" spcFirstLastPara="1" rIns="91425" wrap="square" tIns="91425">
               <a:noAutofit/>
             </a:bodyPr>
             <a:lstStyle/>
             <a:p>
-              <a:pPr marL="0" lvl="0" indent="0" algn="l" rtl="0">
+              <a:pPr indent="0" lvl="0" marL="0" rtl="0" algn="l">
                 <a:spcBef>
                   <a:spcPts val="0"/>
                 </a:spcBef>
@@ -9004,15 +9495,18 @@
                 </a:spcAft>
                 <a:buNone/>
               </a:pPr>
+              <a:r>
+                <a:t/>
+              </a:r>
               <a:endParaRPr/>
             </a:p>
           </p:txBody>
         </p:sp>
         <p:cxnSp>
           <p:nvCxnSpPr>
-            <p:cNvPr id="119" name="Google Shape;119;p17"/>
+            <p:cNvPr id="125" name="Google Shape;125;p18"/>
             <p:cNvCxnSpPr>
-              <a:stCxn id="118" idx="0"/>
+              <a:stCxn id="124" idx="0"/>
             </p:cNvCxnSpPr>
             <p:nvPr/>
           </p:nvCxnSpPr>
@@ -9025,21 +9519,21 @@
               <a:avLst/>
             </a:prstGeom>
             <a:noFill/>
-            <a:ln w="19050" cap="flat" cmpd="sng">
+            <a:ln cap="flat" cmpd="sng" w="19050">
               <a:solidFill>
-                <a:schemeClr val="accent5"/>
+                <a:schemeClr val="dk2"/>
               </a:solidFill>
               <a:prstDash val="solid"/>
               <a:round/>
-              <a:headEnd type="none" w="sm" len="sm"/>
-              <a:tailEnd type="oval" w="med" len="med"/>
+              <a:headEnd len="sm" w="sm" type="none"/>
+              <a:tailEnd len="med" w="med" type="oval"/>
             </a:ln>
           </p:spPr>
         </p:cxnSp>
       </p:grpSp>
       <p:sp>
         <p:nvSpPr>
-          <p:cNvPr id="120" name="Google Shape;120;p17"/>
+          <p:cNvPr id="126" name="Google Shape;126;p18"/>
           <p:cNvSpPr txBox="1"/>
           <p:nvPr/>
         </p:nvSpPr>
@@ -9057,12 +9551,12 @@
           </a:ln>
         </p:spPr>
         <p:txBody>
-          <a:bodyPr spcFirstLastPara="1" wrap="square" lIns="91425" tIns="91425" rIns="91425" bIns="91425" anchor="t" anchorCtr="0">
+          <a:bodyPr anchorCtr="0" anchor="t" bIns="91425" lIns="91425" spcFirstLastPara="1" rIns="91425" wrap="square" tIns="91425">
             <a:noAutofit/>
           </a:bodyPr>
           <a:lstStyle/>
           <a:p>
-            <a:pPr marL="0" lvl="0" indent="0" algn="l" rtl="0">
+            <a:pPr indent="0" lvl="0" marL="0" rtl="0" algn="l">
               <a:spcBef>
                 <a:spcPts val="0"/>
               </a:spcBef>
@@ -9097,12 +9591,12 @@
       </p:sp>
       <p:grpSp>
         <p:nvGrpSpPr>
-          <p:cNvPr id="121" name="Google Shape;121;p17"/>
+          <p:cNvPr id="127" name="Google Shape;127;p18"/>
           <p:cNvGrpSpPr/>
           <p:nvPr/>
         </p:nvGrpSpPr>
         <p:grpSpPr>
-          <a:xfrm rot="-5400000" flipH="1">
+          <a:xfrm flipH="1" rot="-5400000">
             <a:off x="4988126" y="2417409"/>
             <a:ext cx="158392" cy="1079940"/>
             <a:chOff x="648675" y="1657471"/>
@@ -9111,7 +9605,7 @@
         </p:grpSpPr>
         <p:sp>
           <p:nvSpPr>
-            <p:cNvPr id="122" name="Google Shape;122;p17"/>
+            <p:cNvPr id="128" name="Google Shape;128;p18"/>
             <p:cNvSpPr/>
             <p:nvPr/>
           </p:nvSpPr>
@@ -9126,17 +9620,23 @@
             <a:solidFill>
               <a:schemeClr val="dk1"/>
             </a:solidFill>
-            <a:ln>
-              <a:noFill/>
+            <a:ln cap="flat" cmpd="sng" w="9525">
+              <a:solidFill>
+                <a:schemeClr val="dk2"/>
+              </a:solidFill>
+              <a:prstDash val="solid"/>
+              <a:round/>
+              <a:headEnd len="sm" w="sm" type="none"/>
+              <a:tailEnd len="sm" w="sm" type="none"/>
             </a:ln>
           </p:spPr>
           <p:txBody>
-            <a:bodyPr spcFirstLastPara="1" wrap="square" lIns="91425" tIns="91425" rIns="91425" bIns="91425" anchor="ctr" anchorCtr="0">
+            <a:bodyPr anchorCtr="0" anchor="ctr" bIns="91425" lIns="91425" spcFirstLastPara="1" rIns="91425" wrap="square" tIns="91425">
               <a:noAutofit/>
             </a:bodyPr>
             <a:lstStyle/>
             <a:p>
-              <a:pPr marL="0" lvl="0" indent="0" algn="l" rtl="0">
+              <a:pPr indent="0" lvl="0" marL="0" rtl="0" algn="l">
                 <a:spcBef>
                   <a:spcPts val="0"/>
                 </a:spcBef>
@@ -9145,15 +9645,18 @@
                 </a:spcAft>
                 <a:buNone/>
               </a:pPr>
+              <a:r>
+                <a:t/>
+              </a:r>
               <a:endParaRPr/>
             </a:p>
           </p:txBody>
         </p:sp>
         <p:cxnSp>
           <p:nvCxnSpPr>
-            <p:cNvPr id="123" name="Google Shape;123;p17"/>
+            <p:cNvPr id="129" name="Google Shape;129;p18"/>
             <p:cNvCxnSpPr>
-              <a:stCxn id="122" idx="0"/>
+              <a:stCxn id="128" idx="0"/>
             </p:cNvCxnSpPr>
             <p:nvPr/>
           </p:nvCxnSpPr>
@@ -9166,21 +9669,21 @@
               <a:avLst/>
             </a:prstGeom>
             <a:noFill/>
-            <a:ln w="19050" cap="flat" cmpd="sng">
+            <a:ln cap="flat" cmpd="sng" w="19050">
               <a:solidFill>
-                <a:schemeClr val="accent5"/>
+                <a:schemeClr val="dk2"/>
               </a:solidFill>
               <a:prstDash val="solid"/>
               <a:round/>
-              <a:headEnd type="none" w="sm" len="sm"/>
-              <a:tailEnd type="oval" w="med" len="med"/>
+              <a:headEnd len="sm" w="sm" type="none"/>
+              <a:tailEnd len="med" w="med" type="oval"/>
             </a:ln>
           </p:spPr>
         </p:cxnSp>
       </p:grpSp>
       <p:sp>
         <p:nvSpPr>
-          <p:cNvPr id="124" name="Google Shape;124;p17"/>
+          <p:cNvPr id="130" name="Google Shape;130;p18"/>
           <p:cNvSpPr txBox="1"/>
           <p:nvPr/>
         </p:nvSpPr>
@@ -9198,12 +9701,12 @@
           </a:ln>
         </p:spPr>
         <p:txBody>
-          <a:bodyPr spcFirstLastPara="1" wrap="square" lIns="91425" tIns="91425" rIns="91425" bIns="91425" anchor="t" anchorCtr="0">
+          <a:bodyPr anchorCtr="0" anchor="t" bIns="91425" lIns="91425" spcFirstLastPara="1" rIns="91425" wrap="square" tIns="91425">
             <a:noAutofit/>
           </a:bodyPr>
           <a:lstStyle/>
           <a:p>
-            <a:pPr marL="0" lvl="0" indent="0" algn="l" rtl="0">
+            <a:pPr indent="0" lvl="0" marL="0" rtl="0" algn="l">
               <a:spcBef>
                 <a:spcPts val="0"/>
               </a:spcBef>
@@ -9238,7 +9741,7 @@
       </p:sp>
       <p:sp>
         <p:nvSpPr>
-          <p:cNvPr id="125" name="Google Shape;125;p17"/>
+          <p:cNvPr id="131" name="Google Shape;131;p18"/>
           <p:cNvSpPr txBox="1"/>
           <p:nvPr/>
         </p:nvSpPr>
@@ -9258,12 +9761,12 @@
           </a:ln>
         </p:spPr>
         <p:txBody>
-          <a:bodyPr spcFirstLastPara="1" wrap="square" lIns="91425" tIns="91425" rIns="91425" bIns="91425" anchor="t" anchorCtr="0">
+          <a:bodyPr anchorCtr="0" anchor="t" bIns="91425" lIns="91425" spcFirstLastPara="1" rIns="91425" wrap="square" tIns="91425">
             <a:noAutofit/>
           </a:bodyPr>
           <a:lstStyle/>
           <a:p>
-            <a:pPr marL="0" lvl="0" indent="457200" algn="just" rtl="0">
+            <a:pPr indent="457200" lvl="0" marL="0" rtl="0" algn="just">
               <a:spcBef>
                 <a:spcPts val="0"/>
               </a:spcBef>
@@ -9282,7 +9785,31 @@
                 <a:cs typeface="Source Sans Pro"/>
                 <a:sym typeface="Source Sans Pro"/>
               </a:rPr>
-              <a:t>Todos estos factores, a priori y por lógica, podrían influir al hacer una reserva, ¿verdad? </a:t>
+              <a:t>Todos estos factores, a priori y por lógica, podrían</a:t>
+            </a:r>
+            <a:r>
+              <a:rPr lang="es" sz="1700">
+                <a:solidFill>
+                  <a:schemeClr val="lt1"/>
+                </a:solidFill>
+                <a:latin typeface="Source Sans Pro"/>
+                <a:ea typeface="Source Sans Pro"/>
+                <a:cs typeface="Source Sans Pro"/>
+                <a:sym typeface="Source Sans Pro"/>
+              </a:rPr>
+              <a:t> </a:t>
+            </a:r>
+            <a:r>
+              <a:rPr lang="es" sz="1700">
+                <a:solidFill>
+                  <a:schemeClr val="lt1"/>
+                </a:solidFill>
+                <a:latin typeface="Source Sans Pro"/>
+                <a:ea typeface="Source Sans Pro"/>
+                <a:cs typeface="Source Sans Pro"/>
+                <a:sym typeface="Source Sans Pro"/>
+              </a:rPr>
+              <a:t>influir al hacer una reserva, ¿verdad? </a:t>
             </a:r>
             <a:endParaRPr sz="1700">
               <a:solidFill>
@@ -9295,7 +9822,7 @@
             </a:endParaRPr>
           </a:p>
           <a:p>
-            <a:pPr marL="0" lvl="0" indent="457200" algn="just" rtl="0">
+            <a:pPr indent="457200" lvl="0" marL="0" rtl="0" algn="just">
               <a:spcBef>
                 <a:spcPts val="0"/>
               </a:spcBef>
@@ -9336,12 +9863,12 @@
 </p:sld>
 </file>
 
-<file path=ppt/slides/slide6.xml><?xml version="1.0" encoding="utf-8"?>
-<p:sld xmlns:a="http://schemas.openxmlformats.org/drawingml/2006/main" xmlns:r="http://schemas.openxmlformats.org/officeDocument/2006/relationships" xmlns:p="http://schemas.openxmlformats.org/presentationml/2006/main">
+<file path=ppt/slides/slide7.xml><?xml version="1.0" encoding="utf-8"?>
+<p:sld xmlns:a="http://schemas.openxmlformats.org/drawingml/2006/main" xmlns:r="http://schemas.openxmlformats.org/officeDocument/2006/relationships" xmlns:mc="http://schemas.openxmlformats.org/markup-compatibility/2006" xmlns:mv="urn:schemas-microsoft-com:mac:vml" xmlns:p="http://schemas.openxmlformats.org/presentationml/2006/main" xmlns:c="http://schemas.openxmlformats.org/drawingml/2006/chart" xmlns:dgm="http://schemas.openxmlformats.org/drawingml/2006/diagram" xmlns:o="urn:schemas-microsoft-com:office:office" xmlns:v="urn:schemas-microsoft-com:vml" xmlns:pvml="urn:schemas-microsoft-com:office:powerpoint" xmlns:com="http://schemas.openxmlformats.org/drawingml/2006/compatibility" xmlns:p14="http://schemas.microsoft.com/office/powerpoint/2010/main" xmlns:p15="http://schemas.microsoft.com/office/powerpoint/2012/main" xmlns:ahyp="http://schemas.microsoft.com/office/drawing/2018/hyperlinkcolor">
   <p:cSld>
     <p:spTree>
       <p:nvGrpSpPr>
-        <p:cNvPr id="1" name="Shape 129"/>
+        <p:cNvPr id="135" name="Shape 135"/>
         <p:cNvGrpSpPr/>
         <p:nvPr/>
       </p:nvGrpSpPr>
@@ -9355,12 +9882,10 @@
       </p:grpSpPr>
       <p:sp>
         <p:nvSpPr>
-          <p:cNvPr id="130" name="Google Shape;130;p18"/>
-          <p:cNvSpPr txBox="1">
-            <a:spLocks noGrp="1"/>
-          </p:cNvSpPr>
+          <p:cNvPr id="136" name="Google Shape;136;p19"/>
+          <p:cNvSpPr txBox="1"/>
           <p:nvPr>
-            <p:ph type="body" idx="4294967295"/>
+            <p:ph idx="4294967295" type="body"/>
           </p:nvPr>
         </p:nvSpPr>
         <p:spPr>
@@ -9376,12 +9901,12 @@
           </a:solidFill>
         </p:spPr>
         <p:txBody>
-          <a:bodyPr spcFirstLastPara="1" wrap="square" lIns="91425" tIns="91425" rIns="91425" bIns="91425" anchor="t" anchorCtr="0">
+          <a:bodyPr anchorCtr="0" anchor="t" bIns="91425" lIns="91425" spcFirstLastPara="1" rIns="91425" wrap="square" tIns="91425">
             <a:noAutofit/>
           </a:bodyPr>
           <a:lstStyle/>
           <a:p>
-            <a:pPr marL="0" lvl="0" indent="0" algn="ctr" rtl="0">
+            <a:pPr indent="0" lvl="0" marL="0" rtl="0" algn="ctr">
               <a:spcBef>
                 <a:spcPts val="0"/>
               </a:spcBef>
@@ -9404,7 +9929,7 @@
               <a:t>Nosotros tampoco lo sabemos, pero </a:t>
             </a:r>
             <a:r>
-              <a:rPr lang="es" sz="2200" b="1">
+              <a:rPr b="1" lang="es" sz="2200">
                 <a:solidFill>
                   <a:schemeClr val="lt1"/>
                 </a:solidFill>
@@ -9429,12 +9954,10 @@
       </p:sp>
       <p:sp>
         <p:nvSpPr>
-          <p:cNvPr id="131" name="Google Shape;131;p18"/>
-          <p:cNvSpPr txBox="1">
-            <a:spLocks noGrp="1"/>
-          </p:cNvSpPr>
+          <p:cNvPr id="137" name="Google Shape;137;p19"/>
+          <p:cNvSpPr txBox="1"/>
           <p:nvPr>
-            <p:ph type="title" idx="4294967295"/>
+            <p:ph idx="4294967295" type="title"/>
           </p:nvPr>
         </p:nvSpPr>
         <p:spPr>
@@ -9447,12 +9970,12 @@
           </a:prstGeom>
         </p:spPr>
         <p:txBody>
-          <a:bodyPr spcFirstLastPara="1" wrap="square" lIns="91425" tIns="91425" rIns="91425" bIns="91425" anchor="t" anchorCtr="0">
+          <a:bodyPr anchorCtr="0" anchor="t" bIns="91425" lIns="91425" spcFirstLastPara="1" rIns="91425" wrap="square" tIns="91425">
             <a:noAutofit/>
           </a:bodyPr>
           <a:lstStyle/>
           <a:p>
-            <a:pPr marL="457200" lvl="0" indent="0" algn="ctr" rtl="0">
+            <a:pPr indent="0" lvl="0" marL="457200" rtl="0" algn="ctr">
               <a:spcBef>
                 <a:spcPts val="0"/>
               </a:spcBef>
@@ -9463,7 +9986,11 @@
             </a:pPr>
             <a:r>
               <a:rPr lang="es" sz="4300"/>
-              <a:t>5. ¿Sabes cuándo una Reserva será cancelada?</a:t>
+              <a:t>6</a:t>
+            </a:r>
+            <a:r>
+              <a:rPr lang="es" sz="4300"/>
+              <a:t>. ¿Sabes cuándo una Reserva será cancelada?</a:t>
             </a:r>
             <a:endParaRPr sz="4300"/>
           </a:p>
@@ -9471,12 +9998,10 @@
       </p:sp>
       <p:sp>
         <p:nvSpPr>
-          <p:cNvPr id="132" name="Google Shape;132;p18"/>
-          <p:cNvSpPr txBox="1">
-            <a:spLocks noGrp="1"/>
-          </p:cNvSpPr>
+          <p:cNvPr id="138" name="Google Shape;138;p19"/>
+          <p:cNvSpPr txBox="1"/>
           <p:nvPr>
-            <p:ph type="body" idx="4294967295"/>
+            <p:ph idx="4294967295" type="body"/>
           </p:nvPr>
         </p:nvSpPr>
         <p:spPr>
@@ -9492,12 +10017,12 @@
           </a:solidFill>
         </p:spPr>
         <p:txBody>
-          <a:bodyPr spcFirstLastPara="1" wrap="square" lIns="91425" tIns="91425" rIns="91425" bIns="91425" anchor="t" anchorCtr="0">
+          <a:bodyPr anchorCtr="0" anchor="t" bIns="91425" lIns="91425" spcFirstLastPara="1" rIns="91425" wrap="square" tIns="91425">
             <a:noAutofit/>
           </a:bodyPr>
           <a:lstStyle/>
           <a:p>
-            <a:pPr marL="0" lvl="0" indent="0" algn="ctr" rtl="0">
+            <a:pPr indent="0" lvl="0" marL="0" rtl="0" algn="ctr">
               <a:spcBef>
                 <a:spcPts val="0"/>
               </a:spcBef>
@@ -9524,7 +10049,7 @@
       </p:sp>
       <p:pic>
         <p:nvPicPr>
-          <p:cNvPr id="133" name="Google Shape;133;p18"/>
+          <p:cNvPr id="139" name="Google Shape;139;p19"/>
           <p:cNvPicPr preferRelativeResize="0"/>
           <p:nvPr/>
         </p:nvPicPr>
@@ -9558,12 +10083,12 @@
 </p:sld>
 </file>
 
-<file path=ppt/slides/slide7.xml><?xml version="1.0" encoding="utf-8"?>
-<p:sld xmlns:a="http://schemas.openxmlformats.org/drawingml/2006/main" xmlns:r="http://schemas.openxmlformats.org/officeDocument/2006/relationships" xmlns:p="http://schemas.openxmlformats.org/presentationml/2006/main">
+<file path=ppt/slides/slide8.xml><?xml version="1.0" encoding="utf-8"?>
+<p:sld xmlns:a="http://schemas.openxmlformats.org/drawingml/2006/main" xmlns:r="http://schemas.openxmlformats.org/officeDocument/2006/relationships" xmlns:mc="http://schemas.openxmlformats.org/markup-compatibility/2006" xmlns:mv="urn:schemas-microsoft-com:mac:vml" xmlns:p="http://schemas.openxmlformats.org/presentationml/2006/main" xmlns:c="http://schemas.openxmlformats.org/drawingml/2006/chart" xmlns:dgm="http://schemas.openxmlformats.org/drawingml/2006/diagram" xmlns:o="urn:schemas-microsoft-com:office:office" xmlns:v="urn:schemas-microsoft-com:vml" xmlns:pvml="urn:schemas-microsoft-com:office:powerpoint" xmlns:com="http://schemas.openxmlformats.org/drawingml/2006/compatibility" xmlns:p14="http://schemas.microsoft.com/office/powerpoint/2010/main" xmlns:p15="http://schemas.microsoft.com/office/powerpoint/2012/main" xmlns:ahyp="http://schemas.microsoft.com/office/drawing/2018/hyperlinkcolor">
   <p:cSld>
     <p:spTree>
       <p:nvGrpSpPr>
-        <p:cNvPr id="1" name="Shape 137"/>
+        <p:cNvPr id="143" name="Shape 143"/>
         <p:cNvGrpSpPr/>
         <p:nvPr/>
       </p:nvGrpSpPr>
@@ -9577,10 +10102,8 @@
       </p:grpSpPr>
       <p:sp>
         <p:nvSpPr>
-          <p:cNvPr id="138" name="Google Shape;138;p19"/>
-          <p:cNvSpPr txBox="1">
-            <a:spLocks noGrp="1"/>
-          </p:cNvSpPr>
+          <p:cNvPr id="144" name="Google Shape;144;p20"/>
+          <p:cNvSpPr txBox="1"/>
           <p:nvPr>
             <p:ph type="title"/>
           </p:nvPr>
@@ -9595,12 +10118,12 @@
           </a:prstGeom>
         </p:spPr>
         <p:txBody>
-          <a:bodyPr spcFirstLastPara="1" wrap="square" lIns="91425" tIns="91425" rIns="91425" bIns="91425" anchor="ctr" anchorCtr="0">
+          <a:bodyPr anchorCtr="0" anchor="ctr" bIns="91425" lIns="91425" spcFirstLastPara="1" rIns="91425" wrap="square" tIns="91425">
             <a:noAutofit/>
           </a:bodyPr>
           <a:lstStyle/>
           <a:p>
-            <a:pPr marL="0" lvl="0" indent="0" algn="ctr" rtl="0">
+            <a:pPr indent="0" lvl="0" marL="0" rtl="0" algn="ctr">
               <a:spcBef>
                 <a:spcPts val="0"/>
               </a:spcBef>
@@ -9611,7 +10134,11 @@
             </a:pPr>
             <a:r>
               <a:rPr lang="es" sz="4300"/>
-              <a:t>6. Resultados y Visualización</a:t>
+              <a:t>7</a:t>
+            </a:r>
+            <a:r>
+              <a:rPr lang="es" sz="4300"/>
+              <a:t>. Resultados y Visualización</a:t>
             </a:r>
             <a:endParaRPr sz="4300"/>
           </a:p>
@@ -9619,7 +10146,7 @@
       </p:sp>
       <p:sp>
         <p:nvSpPr>
-          <p:cNvPr id="139" name="Google Shape;139;p19"/>
+          <p:cNvPr id="145" name="Google Shape;145;p20"/>
           <p:cNvSpPr txBox="1"/>
           <p:nvPr/>
         </p:nvSpPr>
@@ -9637,12 +10164,12 @@
           </a:ln>
         </p:spPr>
         <p:txBody>
-          <a:bodyPr spcFirstLastPara="1" wrap="square" lIns="91425" tIns="91425" rIns="91425" bIns="91425" anchor="t" anchorCtr="0">
+          <a:bodyPr anchorCtr="0" anchor="t" bIns="91425" lIns="91425" spcFirstLastPara="1" rIns="91425" wrap="square" tIns="91425">
             <a:noAutofit/>
           </a:bodyPr>
           <a:lstStyle/>
           <a:p>
-            <a:pPr marL="0" lvl="0" indent="0" algn="ctr" rtl="0">
+            <a:pPr indent="0" lvl="0" marL="0" rtl="0" algn="ctr">
               <a:spcBef>
                 <a:spcPts val="0"/>
               </a:spcBef>
@@ -9683,12 +10210,12 @@
 </p:sld>
 </file>
 
-<file path=ppt/slides/slide8.xml><?xml version="1.0" encoding="utf-8"?>
-<p:sld xmlns:a="http://schemas.openxmlformats.org/drawingml/2006/main" xmlns:r="http://schemas.openxmlformats.org/officeDocument/2006/relationships" xmlns:p="http://schemas.openxmlformats.org/presentationml/2006/main">
+<file path=ppt/slides/slide9.xml><?xml version="1.0" encoding="utf-8"?>
+<p:sld xmlns:a="http://schemas.openxmlformats.org/drawingml/2006/main" xmlns:r="http://schemas.openxmlformats.org/officeDocument/2006/relationships" xmlns:mc="http://schemas.openxmlformats.org/markup-compatibility/2006" xmlns:mv="urn:schemas-microsoft-com:mac:vml" xmlns:p="http://schemas.openxmlformats.org/presentationml/2006/main" xmlns:c="http://schemas.openxmlformats.org/drawingml/2006/chart" xmlns:dgm="http://schemas.openxmlformats.org/drawingml/2006/diagram" xmlns:o="urn:schemas-microsoft-com:office:office" xmlns:v="urn:schemas-microsoft-com:vml" xmlns:pvml="urn:schemas-microsoft-com:office:powerpoint" xmlns:com="http://schemas.openxmlformats.org/drawingml/2006/compatibility" xmlns:p14="http://schemas.microsoft.com/office/powerpoint/2010/main" xmlns:p15="http://schemas.microsoft.com/office/powerpoint/2012/main" xmlns:ahyp="http://schemas.microsoft.com/office/drawing/2018/hyperlinkcolor">
   <p:cSld>
     <p:spTree>
       <p:nvGrpSpPr>
-        <p:cNvPr id="1" name="Shape 143"/>
+        <p:cNvPr id="149" name="Shape 149"/>
         <p:cNvGrpSpPr/>
         <p:nvPr/>
       </p:nvGrpSpPr>
@@ -9702,10 +10229,8 @@
       </p:grpSpPr>
       <p:sp>
         <p:nvSpPr>
-          <p:cNvPr id="144" name="Google Shape;144;p20"/>
-          <p:cNvSpPr txBox="1">
-            <a:spLocks noGrp="1"/>
-          </p:cNvSpPr>
+          <p:cNvPr id="150" name="Google Shape;150;p21"/>
+          <p:cNvSpPr txBox="1"/>
           <p:nvPr>
             <p:ph type="title"/>
           </p:nvPr>
@@ -9720,12 +10245,12 @@
           </a:prstGeom>
         </p:spPr>
         <p:txBody>
-          <a:bodyPr spcFirstLastPara="1" wrap="square" lIns="91425" tIns="91425" rIns="91425" bIns="91425" anchor="ctr" anchorCtr="0">
+          <a:bodyPr anchorCtr="0" anchor="ctr" bIns="91425" lIns="91425" spcFirstLastPara="1" rIns="91425" wrap="square" tIns="91425">
             <a:noAutofit/>
           </a:bodyPr>
           <a:lstStyle/>
           <a:p>
-            <a:pPr marL="0" lvl="0" indent="0" algn="l" rtl="0">
+            <a:pPr indent="0" lvl="0" marL="0" rtl="0" algn="l">
               <a:spcBef>
                 <a:spcPts val="0"/>
               </a:spcBef>
@@ -9744,12 +10269,10 @@
       </p:sp>
       <p:sp>
         <p:nvSpPr>
-          <p:cNvPr id="145" name="Google Shape;145;p20"/>
-          <p:cNvSpPr txBox="1">
-            <a:spLocks noGrp="1"/>
-          </p:cNvSpPr>
+          <p:cNvPr id="151" name="Google Shape;151;p21"/>
+          <p:cNvSpPr txBox="1"/>
           <p:nvPr>
-            <p:ph type="body" idx="2"/>
+            <p:ph idx="2" type="body"/>
           </p:nvPr>
         </p:nvSpPr>
         <p:spPr>
@@ -9762,12 +10285,12 @@
           </a:prstGeom>
         </p:spPr>
         <p:txBody>
-          <a:bodyPr spcFirstLastPara="1" wrap="square" lIns="91425" tIns="91425" rIns="91425" bIns="91425" anchor="ctr" anchorCtr="0">
+          <a:bodyPr anchorCtr="0" anchor="ctr" bIns="91425" lIns="91425" spcFirstLastPara="1" rIns="91425" wrap="square" tIns="91425">
             <a:noAutofit/>
           </a:bodyPr>
           <a:lstStyle/>
           <a:p>
-            <a:pPr marL="0" lvl="0" indent="0" algn="ctr" rtl="0">
+            <a:pPr indent="0" lvl="0" marL="0" rtl="0" algn="ctr">
               <a:spcBef>
                 <a:spcPts val="0"/>
               </a:spcBef>
@@ -9777,13 +10300,13 @@
               <a:buNone/>
             </a:pPr>
             <a:r>
-              <a:rPr lang="es" sz="2600" b="1"/>
+              <a:rPr b="1" lang="es" sz="2600"/>
               <a:t>Martí Foix Pérez</a:t>
             </a:r>
-            <a:endParaRPr sz="2600" b="1"/>
+            <a:endParaRPr b="1" sz="2600"/>
           </a:p>
           <a:p>
-            <a:pPr marL="0" lvl="0" indent="0" algn="ctr" rtl="0">
+            <a:pPr indent="0" lvl="0" marL="0" rtl="0" algn="ctr">
               <a:spcBef>
                 <a:spcPts val="1600"/>
               </a:spcBef>
@@ -9793,16 +10316,16 @@
               <a:buNone/>
             </a:pPr>
             <a:r>
-              <a:rPr lang="es" sz="2600" b="1"/>
+              <a:rPr b="1" lang="es" sz="2600"/>
               <a:t>Rafael Castro Gálvez</a:t>
             </a:r>
-            <a:endParaRPr sz="2600" b="1"/>
+            <a:endParaRPr b="1" sz="2600"/>
           </a:p>
         </p:txBody>
       </p:sp>
       <p:sp>
         <p:nvSpPr>
-          <p:cNvPr id="146" name="Google Shape;146;p20"/>
+          <p:cNvPr id="152" name="Google Shape;152;p21"/>
           <p:cNvSpPr txBox="1"/>
           <p:nvPr/>
         </p:nvSpPr>
@@ -9820,12 +10343,12 @@
           </a:ln>
         </p:spPr>
         <p:txBody>
-          <a:bodyPr spcFirstLastPara="1" wrap="square" lIns="91425" tIns="91425" rIns="91425" bIns="91425" anchor="t" anchorCtr="0">
+          <a:bodyPr anchorCtr="0" anchor="t" bIns="91425" lIns="91425" spcFirstLastPara="1" rIns="91425" wrap="square" tIns="91425">
             <a:noAutofit/>
           </a:bodyPr>
           <a:lstStyle/>
           <a:p>
-            <a:pPr marL="0" marR="0" lvl="0" indent="0" algn="l" rtl="0">
+            <a:pPr indent="0" lvl="0" marL="0" marR="0" rtl="0" algn="l">
               <a:lnSpc>
                 <a:spcPct val="100000"/>
               </a:lnSpc>
@@ -9838,7 +10361,7 @@
               <a:buNone/>
             </a:pPr>
             <a:r>
-              <a:rPr lang="es" sz="3500" b="1">
+              <a:rPr b="1" lang="es" sz="3500">
                 <a:solidFill>
                   <a:schemeClr val="dk2"/>
                 </a:solidFill>
@@ -9850,7 +10373,7 @@
               <a:t>  </a:t>
             </a:r>
             <a:r>
-              <a:rPr lang="es" sz="3500" b="1">
+              <a:rPr b="1" lang="es" sz="3500">
                 <a:solidFill>
                   <a:schemeClr val="lt1"/>
                 </a:solidFill>
@@ -9861,7 +10384,7 @@
               </a:rPr>
               <a:t>Gracias</a:t>
             </a:r>
-            <a:endParaRPr sz="3500" b="1">
+            <a:endParaRPr b="1" sz="3500">
               <a:solidFill>
                 <a:schemeClr val="lt1"/>
               </a:solidFill>
@@ -9872,7 +10395,7 @@
             </a:endParaRPr>
           </a:p>
           <a:p>
-            <a:pPr marL="0" marR="0" lvl="0" indent="0" algn="l" rtl="0">
+            <a:pPr indent="0" lvl="0" marL="0" marR="0" rtl="0" algn="l">
               <a:lnSpc>
                 <a:spcPct val="100000"/>
               </a:lnSpc>
@@ -9884,7 +10407,10 @@
               </a:spcAft>
               <a:buNone/>
             </a:pPr>
-            <a:endParaRPr sz="3500" b="1">
+            <a:r>
+              <a:t/>
+            </a:r>
+            <a:endParaRPr b="1" sz="3500">
               <a:solidFill>
                 <a:schemeClr val="dk2"/>
               </a:solidFill>
@@ -9898,7 +10424,7 @@
       </p:sp>
       <p:pic>
         <p:nvPicPr>
-          <p:cNvPr id="147" name="Google Shape;147;p20"/>
+          <p:cNvPr id="153" name="Google Shape;153;p21"/>
           <p:cNvPicPr preferRelativeResize="0"/>
           <p:nvPr/>
         </p:nvPicPr>
@@ -9933,7 +10459,286 @@
 </file>
 
 <file path=ppt/theme/theme1.xml><?xml version="1.0" encoding="utf-8"?>
-<a:theme xmlns:a="http://schemas.openxmlformats.org/drawingml/2006/main" name="Plum">
+<a:theme xmlns:a="http://schemas.openxmlformats.org/drawingml/2006/main" xmlns:r="http://schemas.openxmlformats.org/officeDocument/2006/relationships">
+  <a:themeElements>
+    <a:clrScheme name="Default">
+      <a:dk1>
+        <a:srgbClr val="000000"/>
+      </a:dk1>
+      <a:lt1>
+        <a:srgbClr val="FFFFFF"/>
+      </a:lt1>
+      <a:dk2>
+        <a:srgbClr val="158158"/>
+      </a:dk2>
+      <a:lt2>
+        <a:srgbClr val="F3F3F3"/>
+      </a:lt2>
+      <a:accent1>
+        <a:srgbClr val="058DC7"/>
+      </a:accent1>
+      <a:accent2>
+        <a:srgbClr val="50B432"/>
+      </a:accent2>
+      <a:accent3>
+        <a:srgbClr val="ED561B"/>
+      </a:accent3>
+      <a:accent4>
+        <a:srgbClr val="EDEF00"/>
+      </a:accent4>
+      <a:accent5>
+        <a:srgbClr val="24CBE5"/>
+      </a:accent5>
+      <a:accent6>
+        <a:srgbClr val="64E572"/>
+      </a:accent6>
+      <a:hlink>
+        <a:srgbClr val="2200CC"/>
+      </a:hlink>
+      <a:folHlink>
+        <a:srgbClr val="551A8B"/>
+      </a:folHlink>
+    </a:clrScheme>
+    <a:fontScheme name="Office">
+      <a:majorFont>
+        <a:latin typeface="Arial"/>
+        <a:ea typeface=""/>
+        <a:cs typeface=""/>
+        <a:font script="Jpan" typeface="ＭＳ Ｐゴシック"/>
+        <a:font script="Hang" typeface="맑은 고딕"/>
+        <a:font script="Hans" typeface="宋体"/>
+        <a:font script="Hant" typeface="新細明體"/>
+        <a:font script="Arab" typeface="Times New Roman"/>
+        <a:font script="Hebr" typeface="Times New Roman"/>
+        <a:font script="Thai" typeface="Angsana New"/>
+        <a:font script="Ethi" typeface="Nyala"/>
+        <a:font script="Beng" typeface="Vrinda"/>
+        <a:font script="Gujr" typeface="Shruti"/>
+        <a:font script="Khmr" typeface="MoolBoran"/>
+        <a:font script="Knda" typeface="Tunga"/>
+        <a:font script="Guru" typeface="Raavi"/>
+        <a:font script="Cans" typeface="Euphemia"/>
+        <a:font script="Cher" typeface="Plantagenet Cherokee"/>
+        <a:font script="Yiii" typeface="Microsoft Yi Baiti"/>
+        <a:font script="Tibt" typeface="Microsoft Himalaya"/>
+        <a:font script="Thaa" typeface="MV Boli"/>
+        <a:font script="Deva" typeface="Mangal"/>
+        <a:font script="Telu" typeface="Gautami"/>
+        <a:font script="Taml" typeface="Latha"/>
+        <a:font script="Syrc" typeface="Estrangelo Edessa"/>
+        <a:font script="Orya" typeface="Kalinga"/>
+        <a:font script="Mlym" typeface="Kartika"/>
+        <a:font script="Laoo" typeface="DokChampa"/>
+        <a:font script="Sinh" typeface="Iskoola Pota"/>
+        <a:font script="Mong" typeface="Mongolian Baiti"/>
+        <a:font script="Viet" typeface="Times New Roman"/>
+        <a:font script="Uigh" typeface="Microsoft Uighur"/>
+        <a:font script="Geor" typeface="Sylfaen"/>
+      </a:majorFont>
+      <a:minorFont>
+        <a:latin typeface="Arial"/>
+        <a:ea typeface=""/>
+        <a:cs typeface=""/>
+        <a:font script="Jpan" typeface="ＭＳ Ｐゴシック"/>
+        <a:font script="Hang" typeface="맑은 고딕"/>
+        <a:font script="Hans" typeface="宋体"/>
+        <a:font script="Hant" typeface="新細明體"/>
+        <a:font script="Arab" typeface="Arial"/>
+        <a:font script="Hebr" typeface="Arial"/>
+        <a:font script="Thai" typeface="Cordia New"/>
+        <a:font script="Ethi" typeface="Nyala"/>
+        <a:font script="Beng" typeface="Vrinda"/>
+        <a:font script="Gujr" typeface="Shruti"/>
+        <a:font script="Khmr" typeface="DaunPenh"/>
+        <a:font script="Knda" typeface="Tunga"/>
+        <a:font script="Guru" typeface="Raavi"/>
+        <a:font script="Cans" typeface="Euphemia"/>
+        <a:font script="Cher" typeface="Plantagenet Cherokee"/>
+        <a:font script="Yiii" typeface="Microsoft Yi Baiti"/>
+        <a:font script="Tibt" typeface="Microsoft Himalaya"/>
+        <a:font script="Thaa" typeface="MV Boli"/>
+        <a:font script="Deva" typeface="Mangal"/>
+        <a:font script="Telu" typeface="Gautami"/>
+        <a:font script="Taml" typeface="Latha"/>
+        <a:font script="Syrc" typeface="Estrangelo Edessa"/>
+        <a:font script="Orya" typeface="Kalinga"/>
+        <a:font script="Mlym" typeface="Kartika"/>
+        <a:font script="Laoo" typeface="DokChampa"/>
+        <a:font script="Sinh" typeface="Iskoola Pota"/>
+        <a:font script="Mong" typeface="Mongolian Baiti"/>
+        <a:font script="Viet" typeface="Arial"/>
+        <a:font script="Uigh" typeface="Microsoft Uighur"/>
+        <a:font script="Geor" typeface="Sylfaen"/>
+      </a:minorFont>
+    </a:fontScheme>
+    <a:fmtScheme name="Office">
+      <a:fillStyleLst>
+        <a:solidFill>
+          <a:schemeClr val="phClr"/>
+        </a:solidFill>
+        <a:gradFill rotWithShape="1">
+          <a:gsLst>
+            <a:gs pos="0">
+              <a:schemeClr val="phClr">
+                <a:tint val="50000"/>
+                <a:satMod val="300000"/>
+              </a:schemeClr>
+            </a:gs>
+            <a:gs pos="35000">
+              <a:schemeClr val="phClr">
+                <a:tint val="37000"/>
+                <a:satMod val="300000"/>
+              </a:schemeClr>
+            </a:gs>
+            <a:gs pos="100000">
+              <a:schemeClr val="phClr">
+                <a:tint val="15000"/>
+                <a:satMod val="350000"/>
+              </a:schemeClr>
+            </a:gs>
+          </a:gsLst>
+          <a:lin ang="16200000" scaled="1"/>
+        </a:gradFill>
+        <a:gradFill rotWithShape="1">
+          <a:gsLst>
+            <a:gs pos="0">
+              <a:schemeClr val="phClr">
+                <a:tint val="100000"/>
+                <a:shade val="100000"/>
+                <a:satMod val="130000"/>
+              </a:schemeClr>
+            </a:gs>
+            <a:gs pos="100000">
+              <a:schemeClr val="phClr">
+                <a:tint val="50000"/>
+                <a:shade val="100000"/>
+                <a:satMod val="350000"/>
+              </a:schemeClr>
+            </a:gs>
+          </a:gsLst>
+          <a:lin ang="16200000" scaled="0"/>
+        </a:gradFill>
+      </a:fillStyleLst>
+      <a:lnStyleLst>
+        <a:ln w="9525" cap="flat" cmpd="sng" algn="ctr">
+          <a:solidFill>
+            <a:schemeClr val="phClr">
+              <a:shade val="95000"/>
+              <a:satMod val="105000"/>
+            </a:schemeClr>
+          </a:solidFill>
+          <a:prstDash val="solid"/>
+        </a:ln>
+        <a:ln w="25400" cap="flat" cmpd="sng" algn="ctr">
+          <a:solidFill>
+            <a:schemeClr val="phClr"/>
+          </a:solidFill>
+          <a:prstDash val="solid"/>
+        </a:ln>
+        <a:ln w="38100" cap="flat" cmpd="sng" algn="ctr">
+          <a:solidFill>
+            <a:schemeClr val="phClr"/>
+          </a:solidFill>
+          <a:prstDash val="solid"/>
+        </a:ln>
+      </a:lnStyleLst>
+      <a:effectStyleLst>
+        <a:effectStyle>
+          <a:effectLst>
+            <a:outerShdw blurRad="40000" dist="20000" dir="5400000" rotWithShape="0">
+              <a:srgbClr val="000000">
+                <a:alpha val="38000"/>
+              </a:srgbClr>
+            </a:outerShdw>
+          </a:effectLst>
+        </a:effectStyle>
+        <a:effectStyle>
+          <a:effectLst>
+            <a:outerShdw blurRad="40000" dist="23000" dir="5400000" rotWithShape="0">
+              <a:srgbClr val="000000">
+                <a:alpha val="35000"/>
+              </a:srgbClr>
+            </a:outerShdw>
+          </a:effectLst>
+        </a:effectStyle>
+        <a:effectStyle>
+          <a:effectLst>
+            <a:outerShdw blurRad="40000" dist="23000" dir="5400000" rotWithShape="0">
+              <a:srgbClr val="000000">
+                <a:alpha val="35000"/>
+              </a:srgbClr>
+            </a:outerShdw>
+          </a:effectLst>
+          <a:scene3d>
+            <a:camera prst="orthographicFront">
+              <a:rot lat="0" lon="0" rev="0"/>
+            </a:camera>
+            <a:lightRig rig="threePt" dir="t">
+              <a:rot lat="0" lon="0" rev="1200000"/>
+            </a:lightRig>
+          </a:scene3d>
+          <a:sp3d>
+            <a:bevelT w="63500" h="25400"/>
+          </a:sp3d>
+        </a:effectStyle>
+      </a:effectStyleLst>
+      <a:bgFillStyleLst>
+        <a:solidFill>
+          <a:schemeClr val="phClr"/>
+        </a:solidFill>
+        <a:gradFill rotWithShape="1">
+          <a:gsLst>
+            <a:gs pos="0">
+              <a:schemeClr val="phClr">
+                <a:tint val="40000"/>
+                <a:satMod val="350000"/>
+              </a:schemeClr>
+            </a:gs>
+            <a:gs pos="40000">
+              <a:schemeClr val="phClr">
+                <a:tint val="45000"/>
+                <a:shade val="99000"/>
+                <a:satMod val="350000"/>
+              </a:schemeClr>
+            </a:gs>
+            <a:gs pos="100000">
+              <a:schemeClr val="phClr">
+                <a:shade val="20000"/>
+                <a:satMod val="255000"/>
+              </a:schemeClr>
+            </a:gs>
+          </a:gsLst>
+          <a:path path="circle">
+            <a:fillToRect l="50000" t="-80000" r="50000" b="180000"/>
+          </a:path>
+        </a:gradFill>
+        <a:gradFill rotWithShape="1">
+          <a:gsLst>
+            <a:gs pos="0">
+              <a:schemeClr val="phClr">
+                <a:tint val="80000"/>
+                <a:satMod val="300000"/>
+              </a:schemeClr>
+            </a:gs>
+            <a:gs pos="100000">
+              <a:schemeClr val="phClr">
+                <a:shade val="30000"/>
+                <a:satMod val="200000"/>
+              </a:schemeClr>
+            </a:gs>
+          </a:gsLst>
+          <a:path path="circle">
+            <a:fillToRect l="50000" t="50000" r="50000" b="50000"/>
+          </a:path>
+        </a:gradFill>
+      </a:bgFillStyleLst>
+    </a:fmtScheme>
+  </a:themeElements>
+</a:theme>
+</file>
+
+<file path=ppt/theme/theme2.xml><?xml version="1.0" encoding="utf-8"?>
+<a:theme xmlns:a="http://schemas.openxmlformats.org/drawingml/2006/main" xmlns:r="http://schemas.openxmlformats.org/officeDocument/2006/relationships" name="Plum">
   <a:themeElements>
     <a:clrScheme name="Plum">
       <a:dk1>
@@ -10208,288 +11013,5 @@
       </a:bgFillStyleLst>
     </a:fmtScheme>
   </a:themeElements>
-  <a:objectDefaults/>
-  <a:extraClrSchemeLst/>
-</a:theme>
-</file>
-
-<file path=ppt/theme/theme2.xml><?xml version="1.0" encoding="utf-8"?>
-<a:theme xmlns:a="http://schemas.openxmlformats.org/drawingml/2006/main">
-  <a:themeElements>
-    <a:clrScheme name="Default">
-      <a:dk1>
-        <a:srgbClr val="000000"/>
-      </a:dk1>
-      <a:lt1>
-        <a:srgbClr val="FFFFFF"/>
-      </a:lt1>
-      <a:dk2>
-        <a:srgbClr val="158158"/>
-      </a:dk2>
-      <a:lt2>
-        <a:srgbClr val="F3F3F3"/>
-      </a:lt2>
-      <a:accent1>
-        <a:srgbClr val="058DC7"/>
-      </a:accent1>
-      <a:accent2>
-        <a:srgbClr val="50B432"/>
-      </a:accent2>
-      <a:accent3>
-        <a:srgbClr val="ED561B"/>
-      </a:accent3>
-      <a:accent4>
-        <a:srgbClr val="EDEF00"/>
-      </a:accent4>
-      <a:accent5>
-        <a:srgbClr val="24CBE5"/>
-      </a:accent5>
-      <a:accent6>
-        <a:srgbClr val="64E572"/>
-      </a:accent6>
-      <a:hlink>
-        <a:srgbClr val="2200CC"/>
-      </a:hlink>
-      <a:folHlink>
-        <a:srgbClr val="551A8B"/>
-      </a:folHlink>
-    </a:clrScheme>
-    <a:fontScheme name="Office">
-      <a:majorFont>
-        <a:latin typeface="Arial"/>
-        <a:ea typeface=""/>
-        <a:cs typeface=""/>
-        <a:font script="Jpan" typeface="ＭＳ Ｐゴシック"/>
-        <a:font script="Hang" typeface="맑은 고딕"/>
-        <a:font script="Hans" typeface="宋体"/>
-        <a:font script="Hant" typeface="新細明體"/>
-        <a:font script="Arab" typeface="Times New Roman"/>
-        <a:font script="Hebr" typeface="Times New Roman"/>
-        <a:font script="Thai" typeface="Angsana New"/>
-        <a:font script="Ethi" typeface="Nyala"/>
-        <a:font script="Beng" typeface="Vrinda"/>
-        <a:font script="Gujr" typeface="Shruti"/>
-        <a:font script="Khmr" typeface="MoolBoran"/>
-        <a:font script="Knda" typeface="Tunga"/>
-        <a:font script="Guru" typeface="Raavi"/>
-        <a:font script="Cans" typeface="Euphemia"/>
-        <a:font script="Cher" typeface="Plantagenet Cherokee"/>
-        <a:font script="Yiii" typeface="Microsoft Yi Baiti"/>
-        <a:font script="Tibt" typeface="Microsoft Himalaya"/>
-        <a:font script="Thaa" typeface="MV Boli"/>
-        <a:font script="Deva" typeface="Mangal"/>
-        <a:font script="Telu" typeface="Gautami"/>
-        <a:font script="Taml" typeface="Latha"/>
-        <a:font script="Syrc" typeface="Estrangelo Edessa"/>
-        <a:font script="Orya" typeface="Kalinga"/>
-        <a:font script="Mlym" typeface="Kartika"/>
-        <a:font script="Laoo" typeface="DokChampa"/>
-        <a:font script="Sinh" typeface="Iskoola Pota"/>
-        <a:font script="Mong" typeface="Mongolian Baiti"/>
-        <a:font script="Viet" typeface="Times New Roman"/>
-        <a:font script="Uigh" typeface="Microsoft Uighur"/>
-        <a:font script="Geor" typeface="Sylfaen"/>
-      </a:majorFont>
-      <a:minorFont>
-        <a:latin typeface="Arial"/>
-        <a:ea typeface=""/>
-        <a:cs typeface=""/>
-        <a:font script="Jpan" typeface="ＭＳ Ｐゴシック"/>
-        <a:font script="Hang" typeface="맑은 고딕"/>
-        <a:font script="Hans" typeface="宋体"/>
-        <a:font script="Hant" typeface="新細明體"/>
-        <a:font script="Arab" typeface="Arial"/>
-        <a:font script="Hebr" typeface="Arial"/>
-        <a:font script="Thai" typeface="Cordia New"/>
-        <a:font script="Ethi" typeface="Nyala"/>
-        <a:font script="Beng" typeface="Vrinda"/>
-        <a:font script="Gujr" typeface="Shruti"/>
-        <a:font script="Khmr" typeface="DaunPenh"/>
-        <a:font script="Knda" typeface="Tunga"/>
-        <a:font script="Guru" typeface="Raavi"/>
-        <a:font script="Cans" typeface="Euphemia"/>
-        <a:font script="Cher" typeface="Plantagenet Cherokee"/>
-        <a:font script="Yiii" typeface="Microsoft Yi Baiti"/>
-        <a:font script="Tibt" typeface="Microsoft Himalaya"/>
-        <a:font script="Thaa" typeface="MV Boli"/>
-        <a:font script="Deva" typeface="Mangal"/>
-        <a:font script="Telu" typeface="Gautami"/>
-        <a:font script="Taml" typeface="Latha"/>
-        <a:font script="Syrc" typeface="Estrangelo Edessa"/>
-        <a:font script="Orya" typeface="Kalinga"/>
-        <a:font script="Mlym" typeface="Kartika"/>
-        <a:font script="Laoo" typeface="DokChampa"/>
-        <a:font script="Sinh" typeface="Iskoola Pota"/>
-        <a:font script="Mong" typeface="Mongolian Baiti"/>
-        <a:font script="Viet" typeface="Arial"/>
-        <a:font script="Uigh" typeface="Microsoft Uighur"/>
-        <a:font script="Geor" typeface="Sylfaen"/>
-      </a:minorFont>
-    </a:fontScheme>
-    <a:fmtScheme name="Office">
-      <a:fillStyleLst>
-        <a:solidFill>
-          <a:schemeClr val="phClr"/>
-        </a:solidFill>
-        <a:gradFill rotWithShape="1">
-          <a:gsLst>
-            <a:gs pos="0">
-              <a:schemeClr val="phClr">
-                <a:tint val="50000"/>
-                <a:satMod val="300000"/>
-              </a:schemeClr>
-            </a:gs>
-            <a:gs pos="35000">
-              <a:schemeClr val="phClr">
-                <a:tint val="37000"/>
-                <a:satMod val="300000"/>
-              </a:schemeClr>
-            </a:gs>
-            <a:gs pos="100000">
-              <a:schemeClr val="phClr">
-                <a:tint val="15000"/>
-                <a:satMod val="350000"/>
-              </a:schemeClr>
-            </a:gs>
-          </a:gsLst>
-          <a:lin ang="16200000" scaled="1"/>
-        </a:gradFill>
-        <a:gradFill rotWithShape="1">
-          <a:gsLst>
-            <a:gs pos="0">
-              <a:schemeClr val="phClr">
-                <a:tint val="100000"/>
-                <a:shade val="100000"/>
-                <a:satMod val="130000"/>
-              </a:schemeClr>
-            </a:gs>
-            <a:gs pos="100000">
-              <a:schemeClr val="phClr">
-                <a:tint val="50000"/>
-                <a:shade val="100000"/>
-                <a:satMod val="350000"/>
-              </a:schemeClr>
-            </a:gs>
-          </a:gsLst>
-          <a:lin ang="16200000" scaled="0"/>
-        </a:gradFill>
-      </a:fillStyleLst>
-      <a:lnStyleLst>
-        <a:ln w="9525" cap="flat" cmpd="sng" algn="ctr">
-          <a:solidFill>
-            <a:schemeClr val="phClr">
-              <a:shade val="95000"/>
-              <a:satMod val="105000"/>
-            </a:schemeClr>
-          </a:solidFill>
-          <a:prstDash val="solid"/>
-        </a:ln>
-        <a:ln w="25400" cap="flat" cmpd="sng" algn="ctr">
-          <a:solidFill>
-            <a:schemeClr val="phClr"/>
-          </a:solidFill>
-          <a:prstDash val="solid"/>
-        </a:ln>
-        <a:ln w="38100" cap="flat" cmpd="sng" algn="ctr">
-          <a:solidFill>
-            <a:schemeClr val="phClr"/>
-          </a:solidFill>
-          <a:prstDash val="solid"/>
-        </a:ln>
-      </a:lnStyleLst>
-      <a:effectStyleLst>
-        <a:effectStyle>
-          <a:effectLst>
-            <a:outerShdw blurRad="40000" dist="20000" dir="5400000" rotWithShape="0">
-              <a:srgbClr val="000000">
-                <a:alpha val="38000"/>
-              </a:srgbClr>
-            </a:outerShdw>
-          </a:effectLst>
-        </a:effectStyle>
-        <a:effectStyle>
-          <a:effectLst>
-            <a:outerShdw blurRad="40000" dist="23000" dir="5400000" rotWithShape="0">
-              <a:srgbClr val="000000">
-                <a:alpha val="35000"/>
-              </a:srgbClr>
-            </a:outerShdw>
-          </a:effectLst>
-        </a:effectStyle>
-        <a:effectStyle>
-          <a:effectLst>
-            <a:outerShdw blurRad="40000" dist="23000" dir="5400000" rotWithShape="0">
-              <a:srgbClr val="000000">
-                <a:alpha val="35000"/>
-              </a:srgbClr>
-            </a:outerShdw>
-          </a:effectLst>
-          <a:scene3d>
-            <a:camera prst="orthographicFront">
-              <a:rot lat="0" lon="0" rev="0"/>
-            </a:camera>
-            <a:lightRig rig="threePt" dir="t">
-              <a:rot lat="0" lon="0" rev="1200000"/>
-            </a:lightRig>
-          </a:scene3d>
-          <a:sp3d>
-            <a:bevelT w="63500" h="25400"/>
-          </a:sp3d>
-        </a:effectStyle>
-      </a:effectStyleLst>
-      <a:bgFillStyleLst>
-        <a:solidFill>
-          <a:schemeClr val="phClr"/>
-        </a:solidFill>
-        <a:gradFill rotWithShape="1">
-          <a:gsLst>
-            <a:gs pos="0">
-              <a:schemeClr val="phClr">
-                <a:tint val="40000"/>
-                <a:satMod val="350000"/>
-              </a:schemeClr>
-            </a:gs>
-            <a:gs pos="40000">
-              <a:schemeClr val="phClr">
-                <a:tint val="45000"/>
-                <a:shade val="99000"/>
-                <a:satMod val="350000"/>
-              </a:schemeClr>
-            </a:gs>
-            <a:gs pos="100000">
-              <a:schemeClr val="phClr">
-                <a:shade val="20000"/>
-                <a:satMod val="255000"/>
-              </a:schemeClr>
-            </a:gs>
-          </a:gsLst>
-          <a:path path="circle">
-            <a:fillToRect l="50000" t="-80000" r="50000" b="180000"/>
-          </a:path>
-        </a:gradFill>
-        <a:gradFill rotWithShape="1">
-          <a:gsLst>
-            <a:gs pos="0">
-              <a:schemeClr val="phClr">
-                <a:tint val="80000"/>
-                <a:satMod val="300000"/>
-              </a:schemeClr>
-            </a:gs>
-            <a:gs pos="100000">
-              <a:schemeClr val="phClr">
-                <a:shade val="30000"/>
-                <a:satMod val="200000"/>
-              </a:schemeClr>
-            </a:gs>
-          </a:gsLst>
-          <a:path path="circle">
-            <a:fillToRect l="50000" t="50000" r="50000" b="50000"/>
-          </a:path>
-        </a:gradFill>
-      </a:bgFillStyleLst>
-    </a:fmtScheme>
-  </a:themeElements>
-  <a:objectDefaults/>
-  <a:extraClrSchemeLst/>
 </a:theme>
 </file>